--- a/备课-语文/PPT/文学类阅读.pptx
+++ b/备课-语文/PPT/文学类阅读.pptx
@@ -15,6 +15,39 @@
     <p:sldId id="262" r:id="rId9"/>
     <p:sldId id="263" r:id="rId10"/>
     <p:sldId id="265" r:id="rId11"/>
+    <p:sldId id="266" r:id="rId12"/>
+    <p:sldId id="267" r:id="rId13"/>
+    <p:sldId id="268" r:id="rId14"/>
+    <p:sldId id="269" r:id="rId15"/>
+    <p:sldId id="270" r:id="rId16"/>
+    <p:sldId id="271" r:id="rId17"/>
+    <p:sldId id="272" r:id="rId18"/>
+    <p:sldId id="273" r:id="rId19"/>
+    <p:sldId id="274" r:id="rId20"/>
+    <p:sldId id="275" r:id="rId21"/>
+    <p:sldId id="276" r:id="rId22"/>
+    <p:sldId id="277" r:id="rId23"/>
+    <p:sldId id="278" r:id="rId24"/>
+    <p:sldId id="279" r:id="rId25"/>
+    <p:sldId id="280" r:id="rId26"/>
+    <p:sldId id="281" r:id="rId27"/>
+    <p:sldId id="282" r:id="rId28"/>
+    <p:sldId id="283" r:id="rId29"/>
+    <p:sldId id="284" r:id="rId30"/>
+    <p:sldId id="285" r:id="rId31"/>
+    <p:sldId id="286" r:id="rId32"/>
+    <p:sldId id="287" r:id="rId33"/>
+    <p:sldId id="288" r:id="rId34"/>
+    <p:sldId id="289" r:id="rId35"/>
+    <p:sldId id="290" r:id="rId36"/>
+    <p:sldId id="291" r:id="rId37"/>
+    <p:sldId id="292" r:id="rId38"/>
+    <p:sldId id="293" r:id="rId39"/>
+    <p:sldId id="294" r:id="rId40"/>
+    <p:sldId id="295" r:id="rId41"/>
+    <p:sldId id="296" r:id="rId42"/>
+    <p:sldId id="297" r:id="rId43"/>
+    <p:sldId id="298" r:id="rId44"/>
   </p:sldIdLst>
   <p:sldSz cx="12192000" cy="6858000"/>
   <p:notesSz cx="6858000" cy="9144000"/>
@@ -113,6 +146,11 @@
       </a:defRPr>
     </a:lvl9pPr>
   </p:defaultTextStyle>
+  <p:extLst>
+    <p:ext uri="{EFAFB233-063F-42B5-8137-9DF3F51BA10A}">
+      <p15:sldGuideLst xmlns:p15="http://schemas.microsoft.com/office/powerpoint/2012/main"/>
+    </p:ext>
+  </p:extLst>
 </p:presentation>
 </file>
 
@@ -263,7 +301,7 @@
           <a:p>
             <a:fld id="{FA5CDBFB-C45A-42B4-8DE4-C1A28AA43738}" type="datetimeFigureOut">
               <a:rPr lang="zh-CN" altLang="en-US" smtClean="0"/>
-              <a:t>2024/2/2</a:t>
+              <a:t>2024/2/5</a:t>
             </a:fld>
             <a:endParaRPr lang="zh-CN" altLang="en-US"/>
           </a:p>
@@ -461,7 +499,7 @@
           <a:p>
             <a:fld id="{FA5CDBFB-C45A-42B4-8DE4-C1A28AA43738}" type="datetimeFigureOut">
               <a:rPr lang="zh-CN" altLang="en-US" smtClean="0"/>
-              <a:t>2024/2/2</a:t>
+              <a:t>2024/2/5</a:t>
             </a:fld>
             <a:endParaRPr lang="zh-CN" altLang="en-US"/>
           </a:p>
@@ -669,7 +707,7 @@
           <a:p>
             <a:fld id="{FA5CDBFB-C45A-42B4-8DE4-C1A28AA43738}" type="datetimeFigureOut">
               <a:rPr lang="zh-CN" altLang="en-US" smtClean="0"/>
-              <a:t>2024/2/2</a:t>
+              <a:t>2024/2/5</a:t>
             </a:fld>
             <a:endParaRPr lang="zh-CN" altLang="en-US"/>
           </a:p>
@@ -867,7 +905,7 @@
           <a:p>
             <a:fld id="{FA5CDBFB-C45A-42B4-8DE4-C1A28AA43738}" type="datetimeFigureOut">
               <a:rPr lang="zh-CN" altLang="en-US" smtClean="0"/>
-              <a:t>2024/2/2</a:t>
+              <a:t>2024/2/5</a:t>
             </a:fld>
             <a:endParaRPr lang="zh-CN" altLang="en-US"/>
           </a:p>
@@ -1142,7 +1180,7 @@
           <a:p>
             <a:fld id="{FA5CDBFB-C45A-42B4-8DE4-C1A28AA43738}" type="datetimeFigureOut">
               <a:rPr lang="zh-CN" altLang="en-US" smtClean="0"/>
-              <a:t>2024/2/2</a:t>
+              <a:t>2024/2/5</a:t>
             </a:fld>
             <a:endParaRPr lang="zh-CN" altLang="en-US"/>
           </a:p>
@@ -1407,7 +1445,7 @@
           <a:p>
             <a:fld id="{FA5CDBFB-C45A-42B4-8DE4-C1A28AA43738}" type="datetimeFigureOut">
               <a:rPr lang="zh-CN" altLang="en-US" smtClean="0"/>
-              <a:t>2024/2/2</a:t>
+              <a:t>2024/2/5</a:t>
             </a:fld>
             <a:endParaRPr lang="zh-CN" altLang="en-US"/>
           </a:p>
@@ -1819,7 +1857,7 @@
           <a:p>
             <a:fld id="{FA5CDBFB-C45A-42B4-8DE4-C1A28AA43738}" type="datetimeFigureOut">
               <a:rPr lang="zh-CN" altLang="en-US" smtClean="0"/>
-              <a:t>2024/2/2</a:t>
+              <a:t>2024/2/5</a:t>
             </a:fld>
             <a:endParaRPr lang="zh-CN" altLang="en-US"/>
           </a:p>
@@ -1960,7 +1998,7 @@
           <a:p>
             <a:fld id="{FA5CDBFB-C45A-42B4-8DE4-C1A28AA43738}" type="datetimeFigureOut">
               <a:rPr lang="zh-CN" altLang="en-US" smtClean="0"/>
-              <a:t>2024/2/2</a:t>
+              <a:t>2024/2/5</a:t>
             </a:fld>
             <a:endParaRPr lang="zh-CN" altLang="en-US"/>
           </a:p>
@@ -2073,7 +2111,7 @@
           <a:p>
             <a:fld id="{FA5CDBFB-C45A-42B4-8DE4-C1A28AA43738}" type="datetimeFigureOut">
               <a:rPr lang="zh-CN" altLang="en-US" smtClean="0"/>
-              <a:t>2024/2/2</a:t>
+              <a:t>2024/2/5</a:t>
             </a:fld>
             <a:endParaRPr lang="zh-CN" altLang="en-US"/>
           </a:p>
@@ -2384,7 +2422,7 @@
           <a:p>
             <a:fld id="{FA5CDBFB-C45A-42B4-8DE4-C1A28AA43738}" type="datetimeFigureOut">
               <a:rPr lang="zh-CN" altLang="en-US" smtClean="0"/>
-              <a:t>2024/2/2</a:t>
+              <a:t>2024/2/5</a:t>
             </a:fld>
             <a:endParaRPr lang="zh-CN" altLang="en-US"/>
           </a:p>
@@ -2672,7 +2710,7 @@
           <a:p>
             <a:fld id="{FA5CDBFB-C45A-42B4-8DE4-C1A28AA43738}" type="datetimeFigureOut">
               <a:rPr lang="zh-CN" altLang="en-US" smtClean="0"/>
-              <a:t>2024/2/2</a:t>
+              <a:t>2024/2/5</a:t>
             </a:fld>
             <a:endParaRPr lang="zh-CN" altLang="en-US"/>
           </a:p>
@@ -2913,7 +2951,7 @@
           <a:p>
             <a:fld id="{FA5CDBFB-C45A-42B4-8DE4-C1A28AA43738}" type="datetimeFigureOut">
               <a:rPr lang="zh-CN" altLang="en-US" smtClean="0"/>
-              <a:t>2024/2/2</a:t>
+              <a:t>2024/2/5</a:t>
             </a:fld>
             <a:endParaRPr lang="zh-CN" altLang="en-US"/>
           </a:p>
@@ -3536,6 +3574,1250 @@
 </p:sld>
 </file>
 
+<file path=ppt/slides/slide11.xml><?xml version="1.0" encoding="utf-8"?>
+<p:sld xmlns:a="http://schemas.openxmlformats.org/drawingml/2006/main" xmlns:r="http://schemas.openxmlformats.org/officeDocument/2006/relationships" xmlns:p="http://schemas.openxmlformats.org/presentationml/2006/main">
+  <p:cSld>
+    <p:spTree>
+      <p:nvGrpSpPr>
+        <p:cNvPr id="1" name=""/>
+        <p:cNvGrpSpPr/>
+        <p:nvPr/>
+      </p:nvGrpSpPr>
+      <p:grpSpPr>
+        <a:xfrm>
+          <a:off x="0" y="0"/>
+          <a:ext cx="0" cy="0"/>
+          <a:chOff x="0" y="0"/>
+          <a:chExt cx="0" cy="0"/>
+        </a:xfrm>
+      </p:grpSpPr>
+      <p:sp>
+        <p:nvSpPr>
+          <p:cNvPr id="2" name="标题 1">
+            <a:extLst>
+              <a:ext uri="{FF2B5EF4-FFF2-40B4-BE49-F238E27FC236}">
+                <a16:creationId xmlns:a16="http://schemas.microsoft.com/office/drawing/2014/main" id="{702B5110-73C9-0CE9-C637-69A4EBC76B33}"/>
+              </a:ext>
+            </a:extLst>
+          </p:cNvPr>
+          <p:cNvSpPr>
+            <a:spLocks noGrp="1"/>
+          </p:cNvSpPr>
+          <p:nvPr>
+            <p:ph type="title"/>
+          </p:nvPr>
+        </p:nvSpPr>
+        <p:spPr/>
+        <p:txBody>
+          <a:bodyPr/>
+          <a:lstStyle/>
+          <a:p>
+            <a:r>
+              <a:rPr lang="zh-CN" altLang="en-US" dirty="0"/>
+              <a:t>文学类文本</a:t>
+            </a:r>
+          </a:p>
+        </p:txBody>
+      </p:sp>
+      <p:sp>
+        <p:nvSpPr>
+          <p:cNvPr id="3" name="内容占位符 2">
+            <a:extLst>
+              <a:ext uri="{FF2B5EF4-FFF2-40B4-BE49-F238E27FC236}">
+                <a16:creationId xmlns:a16="http://schemas.microsoft.com/office/drawing/2014/main" id="{D9825F42-F791-7A40-FA6B-8BBFAD69F0D8}"/>
+              </a:ext>
+            </a:extLst>
+          </p:cNvPr>
+          <p:cNvSpPr>
+            <a:spLocks noGrp="1"/>
+          </p:cNvSpPr>
+          <p:nvPr>
+            <p:ph idx="1"/>
+          </p:nvPr>
+        </p:nvSpPr>
+        <p:spPr/>
+        <p:txBody>
+          <a:bodyPr/>
+          <a:lstStyle/>
+          <a:p>
+            <a:r>
+              <a:rPr lang="zh-CN" altLang="en-US" dirty="0"/>
+              <a:t>中考中的第二篇阅读一般是文学类文本。</a:t>
+            </a:r>
+            <a:endParaRPr lang="en-US" altLang="zh-CN" dirty="0"/>
+          </a:p>
+          <a:p>
+            <a:r>
+              <a:rPr lang="zh-CN" altLang="en-US" dirty="0"/>
+              <a:t>难度较说明文文本较难，散文较小说难。</a:t>
+            </a:r>
+          </a:p>
+        </p:txBody>
+      </p:sp>
+    </p:spTree>
+    <p:extLst>
+      <p:ext uri="{BB962C8B-B14F-4D97-AF65-F5344CB8AC3E}">
+        <p14:creationId xmlns:p14="http://schemas.microsoft.com/office/powerpoint/2010/main" val="1912132299"/>
+      </p:ext>
+    </p:extLst>
+  </p:cSld>
+  <p:clrMapOvr>
+    <a:masterClrMapping/>
+  </p:clrMapOvr>
+</p:sld>
+</file>
+
+<file path=ppt/slides/slide12.xml><?xml version="1.0" encoding="utf-8"?>
+<p:sld xmlns:a="http://schemas.openxmlformats.org/drawingml/2006/main" xmlns:r="http://schemas.openxmlformats.org/officeDocument/2006/relationships" xmlns:p="http://schemas.openxmlformats.org/presentationml/2006/main">
+  <p:cSld>
+    <p:spTree>
+      <p:nvGrpSpPr>
+        <p:cNvPr id="1" name=""/>
+        <p:cNvGrpSpPr/>
+        <p:nvPr/>
+      </p:nvGrpSpPr>
+      <p:grpSpPr>
+        <a:xfrm>
+          <a:off x="0" y="0"/>
+          <a:ext cx="0" cy="0"/>
+          <a:chOff x="0" y="0"/>
+          <a:chExt cx="0" cy="0"/>
+        </a:xfrm>
+      </p:grpSpPr>
+      <p:sp>
+        <p:nvSpPr>
+          <p:cNvPr id="2" name="标题 1">
+            <a:extLst>
+              <a:ext uri="{FF2B5EF4-FFF2-40B4-BE49-F238E27FC236}">
+                <a16:creationId xmlns:a16="http://schemas.microsoft.com/office/drawing/2014/main" id="{702B5110-73C9-0CE9-C637-69A4EBC76B33}"/>
+              </a:ext>
+            </a:extLst>
+          </p:cNvPr>
+          <p:cNvSpPr>
+            <a:spLocks noGrp="1"/>
+          </p:cNvSpPr>
+          <p:nvPr>
+            <p:ph type="title"/>
+          </p:nvPr>
+        </p:nvSpPr>
+        <p:spPr/>
+        <p:txBody>
+          <a:bodyPr/>
+          <a:lstStyle/>
+          <a:p>
+            <a:r>
+              <a:rPr lang="zh-CN" altLang="en-US" dirty="0"/>
+              <a:t>教学步骤：</a:t>
+            </a:r>
+          </a:p>
+        </p:txBody>
+      </p:sp>
+      <p:sp>
+        <p:nvSpPr>
+          <p:cNvPr id="3" name="内容占位符 2">
+            <a:extLst>
+              <a:ext uri="{FF2B5EF4-FFF2-40B4-BE49-F238E27FC236}">
+                <a16:creationId xmlns:a16="http://schemas.microsoft.com/office/drawing/2014/main" id="{D9825F42-F791-7A40-FA6B-8BBFAD69F0D8}"/>
+              </a:ext>
+            </a:extLst>
+          </p:cNvPr>
+          <p:cNvSpPr>
+            <a:spLocks noGrp="1"/>
+          </p:cNvSpPr>
+          <p:nvPr>
+            <p:ph idx="1"/>
+          </p:nvPr>
+        </p:nvSpPr>
+        <p:spPr/>
+        <p:txBody>
+          <a:bodyPr/>
+          <a:lstStyle/>
+          <a:p>
+            <a:r>
+              <a:rPr lang="en-US" altLang="zh-CN" dirty="0"/>
+              <a:t>1</a:t>
+            </a:r>
+            <a:r>
+              <a:rPr lang="zh-CN" altLang="en-US" dirty="0"/>
+              <a:t>，初中的文学类文本大多较为简单，基础题考察内容是否读明白，内容概括等。中等题大多套套路可以解决，难题主要考察语文思维能力</a:t>
+            </a:r>
+            <a:endParaRPr lang="en-US" altLang="zh-CN" dirty="0"/>
+          </a:p>
+          <a:p>
+            <a:r>
+              <a:rPr lang="en-US" altLang="zh-CN" dirty="0"/>
+              <a:t>2</a:t>
+            </a:r>
+            <a:r>
+              <a:rPr lang="zh-CN" altLang="en-US" dirty="0"/>
+              <a:t>，所以，我们先讲“读懂文本”，再讲“套路”，最后，按照“小说、散文、寓言”等问题讲述阅读技巧</a:t>
+            </a:r>
+          </a:p>
+        </p:txBody>
+      </p:sp>
+    </p:spTree>
+    <p:extLst>
+      <p:ext uri="{BB962C8B-B14F-4D97-AF65-F5344CB8AC3E}">
+        <p14:creationId xmlns:p14="http://schemas.microsoft.com/office/powerpoint/2010/main" val="1539425461"/>
+      </p:ext>
+    </p:extLst>
+  </p:cSld>
+  <p:clrMapOvr>
+    <a:masterClrMapping/>
+  </p:clrMapOvr>
+</p:sld>
+</file>
+
+<file path=ppt/slides/slide13.xml><?xml version="1.0" encoding="utf-8"?>
+<p:sld xmlns:a="http://schemas.openxmlformats.org/drawingml/2006/main" xmlns:r="http://schemas.openxmlformats.org/officeDocument/2006/relationships" xmlns:p="http://schemas.openxmlformats.org/presentationml/2006/main">
+  <p:cSld>
+    <p:spTree>
+      <p:nvGrpSpPr>
+        <p:cNvPr id="1" name=""/>
+        <p:cNvGrpSpPr/>
+        <p:nvPr/>
+      </p:nvGrpSpPr>
+      <p:grpSpPr>
+        <a:xfrm>
+          <a:off x="0" y="0"/>
+          <a:ext cx="0" cy="0"/>
+          <a:chOff x="0" y="0"/>
+          <a:chExt cx="0" cy="0"/>
+        </a:xfrm>
+      </p:grpSpPr>
+      <p:sp>
+        <p:nvSpPr>
+          <p:cNvPr id="2" name="标题 1">
+            <a:extLst>
+              <a:ext uri="{FF2B5EF4-FFF2-40B4-BE49-F238E27FC236}">
+                <a16:creationId xmlns:a16="http://schemas.microsoft.com/office/drawing/2014/main" id="{702B5110-73C9-0CE9-C637-69A4EBC76B33}"/>
+              </a:ext>
+            </a:extLst>
+          </p:cNvPr>
+          <p:cNvSpPr>
+            <a:spLocks noGrp="1"/>
+          </p:cNvSpPr>
+          <p:nvPr>
+            <p:ph type="title"/>
+          </p:nvPr>
+        </p:nvSpPr>
+        <p:spPr/>
+        <p:txBody>
+          <a:bodyPr/>
+          <a:lstStyle/>
+          <a:p>
+            <a:r>
+              <a:rPr lang="zh-CN" altLang="en-US" dirty="0"/>
+              <a:t>一，文章内容要点概括</a:t>
+            </a:r>
+          </a:p>
+        </p:txBody>
+      </p:sp>
+      <p:sp>
+        <p:nvSpPr>
+          <p:cNvPr id="3" name="内容占位符 2">
+            <a:extLst>
+              <a:ext uri="{FF2B5EF4-FFF2-40B4-BE49-F238E27FC236}">
+                <a16:creationId xmlns:a16="http://schemas.microsoft.com/office/drawing/2014/main" id="{D9825F42-F791-7A40-FA6B-8BBFAD69F0D8}"/>
+              </a:ext>
+            </a:extLst>
+          </p:cNvPr>
+          <p:cNvSpPr>
+            <a:spLocks noGrp="1"/>
+          </p:cNvSpPr>
+          <p:nvPr>
+            <p:ph idx="1"/>
+          </p:nvPr>
+        </p:nvSpPr>
+        <p:spPr/>
+        <p:txBody>
+          <a:bodyPr/>
+          <a:lstStyle/>
+          <a:p>
+            <a:r>
+              <a:rPr lang="zh-CN" altLang="en-US" dirty="0"/>
+              <a:t>（</a:t>
+            </a:r>
+            <a:r>
+              <a:rPr lang="en-US" altLang="zh-CN" dirty="0"/>
+              <a:t>1</a:t>
+            </a:r>
+            <a:r>
+              <a:rPr lang="zh-CN" altLang="en-US" dirty="0"/>
+              <a:t>）一句话概括文章主要内容的答题公式：</a:t>
+            </a:r>
+          </a:p>
+          <a:p>
+            <a:r>
+              <a:rPr lang="zh-CN" altLang="en-US" dirty="0"/>
+              <a:t>人物（事件）</a:t>
+            </a:r>
+            <a:r>
+              <a:rPr lang="en-US" altLang="zh-CN" dirty="0"/>
+              <a:t>+</a:t>
+            </a:r>
+            <a:r>
+              <a:rPr lang="zh-CN" altLang="en-US" dirty="0"/>
+              <a:t>干什么（怎么样）</a:t>
+            </a:r>
+          </a:p>
+          <a:p>
+            <a:r>
+              <a:rPr lang="zh-CN" altLang="en-US" dirty="0"/>
+              <a:t>（</a:t>
+            </a:r>
+            <a:r>
+              <a:rPr lang="en-US" altLang="zh-CN" dirty="0"/>
+              <a:t>2</a:t>
+            </a:r>
+            <a:r>
+              <a:rPr lang="zh-CN" altLang="en-US" dirty="0"/>
+              <a:t>）概括文章主要内容的答题公式：</a:t>
+            </a:r>
+          </a:p>
+          <a:p>
+            <a:r>
+              <a:rPr lang="zh-CN" altLang="en-US" dirty="0"/>
+              <a:t>     人物</a:t>
+            </a:r>
+            <a:r>
+              <a:rPr lang="en-US" altLang="zh-CN" dirty="0"/>
+              <a:t>+</a:t>
+            </a:r>
+            <a:r>
+              <a:rPr lang="zh-CN" altLang="en-US" dirty="0"/>
+              <a:t>起因</a:t>
+            </a:r>
+            <a:r>
+              <a:rPr lang="en-US" altLang="zh-CN" dirty="0"/>
+              <a:t>+</a:t>
+            </a:r>
+            <a:r>
+              <a:rPr lang="zh-CN" altLang="en-US" dirty="0"/>
+              <a:t>经过</a:t>
+            </a:r>
+            <a:r>
+              <a:rPr lang="en-US" altLang="zh-CN" dirty="0"/>
+              <a:t>+</a:t>
+            </a:r>
+            <a:r>
+              <a:rPr lang="zh-CN" altLang="en-US" dirty="0"/>
+              <a:t>结果</a:t>
+            </a:r>
+          </a:p>
+          <a:p>
+            <a:r>
+              <a:rPr lang="zh-CN" altLang="en-US" dirty="0"/>
+              <a:t>     注意：时间（季节、年代）、地点、环境如果有特定意义，应该概括在内。</a:t>
+            </a:r>
+          </a:p>
+          <a:p>
+            <a:endParaRPr lang="zh-CN" altLang="en-US" dirty="0"/>
+          </a:p>
+        </p:txBody>
+      </p:sp>
+    </p:spTree>
+    <p:extLst>
+      <p:ext uri="{BB962C8B-B14F-4D97-AF65-F5344CB8AC3E}">
+        <p14:creationId xmlns:p14="http://schemas.microsoft.com/office/powerpoint/2010/main" val="3205486316"/>
+      </p:ext>
+    </p:extLst>
+  </p:cSld>
+  <p:clrMapOvr>
+    <a:masterClrMapping/>
+  </p:clrMapOvr>
+</p:sld>
+</file>
+
+<file path=ppt/slides/slide14.xml><?xml version="1.0" encoding="utf-8"?>
+<p:sld xmlns:a="http://schemas.openxmlformats.org/drawingml/2006/main" xmlns:r="http://schemas.openxmlformats.org/officeDocument/2006/relationships" xmlns:p="http://schemas.openxmlformats.org/presentationml/2006/main">
+  <p:cSld>
+    <p:spTree>
+      <p:nvGrpSpPr>
+        <p:cNvPr id="1" name=""/>
+        <p:cNvGrpSpPr/>
+        <p:nvPr/>
+      </p:nvGrpSpPr>
+      <p:grpSpPr>
+        <a:xfrm>
+          <a:off x="0" y="0"/>
+          <a:ext cx="0" cy="0"/>
+          <a:chOff x="0" y="0"/>
+          <a:chExt cx="0" cy="0"/>
+        </a:xfrm>
+      </p:grpSpPr>
+      <p:sp>
+        <p:nvSpPr>
+          <p:cNvPr id="2" name="标题 1">
+            <a:extLst>
+              <a:ext uri="{FF2B5EF4-FFF2-40B4-BE49-F238E27FC236}">
+                <a16:creationId xmlns:a16="http://schemas.microsoft.com/office/drawing/2014/main" id="{702B5110-73C9-0CE9-C637-69A4EBC76B33}"/>
+              </a:ext>
+            </a:extLst>
+          </p:cNvPr>
+          <p:cNvSpPr>
+            <a:spLocks noGrp="1"/>
+          </p:cNvSpPr>
+          <p:nvPr>
+            <p:ph type="title"/>
+          </p:nvPr>
+        </p:nvSpPr>
+        <p:spPr/>
+        <p:txBody>
+          <a:bodyPr/>
+          <a:lstStyle/>
+          <a:p>
+            <a:r>
+              <a:rPr lang="zh-CN" altLang="en-US" dirty="0"/>
+              <a:t>二、理清文章结构</a:t>
+            </a:r>
+          </a:p>
+        </p:txBody>
+      </p:sp>
+      <p:sp>
+        <p:nvSpPr>
+          <p:cNvPr id="3" name="内容占位符 2">
+            <a:extLst>
+              <a:ext uri="{FF2B5EF4-FFF2-40B4-BE49-F238E27FC236}">
+                <a16:creationId xmlns:a16="http://schemas.microsoft.com/office/drawing/2014/main" id="{D9825F42-F791-7A40-FA6B-8BBFAD69F0D8}"/>
+              </a:ext>
+            </a:extLst>
+          </p:cNvPr>
+          <p:cNvSpPr>
+            <a:spLocks noGrp="1"/>
+          </p:cNvSpPr>
+          <p:nvPr>
+            <p:ph idx="1"/>
+          </p:nvPr>
+        </p:nvSpPr>
+        <p:spPr/>
+        <p:txBody>
+          <a:bodyPr/>
+          <a:lstStyle/>
+          <a:p>
+            <a:r>
+              <a:rPr lang="zh-CN" altLang="en-US" dirty="0"/>
+              <a:t>（</a:t>
+            </a:r>
+            <a:r>
+              <a:rPr lang="en-US" altLang="zh-CN" dirty="0"/>
+              <a:t>1</a:t>
+            </a:r>
+            <a:r>
+              <a:rPr lang="zh-CN" altLang="en-US" dirty="0"/>
+              <a:t>）补充故事情节</a:t>
+            </a:r>
+          </a:p>
+          <a:p>
+            <a:r>
+              <a:rPr lang="zh-CN" altLang="en-US" dirty="0"/>
+              <a:t>    找出划分标准，仿照示例的句式作答。</a:t>
+            </a:r>
+          </a:p>
+          <a:p>
+            <a:r>
+              <a:rPr lang="zh-CN" altLang="en-US" dirty="0"/>
+              <a:t>   （</a:t>
+            </a:r>
+            <a:r>
+              <a:rPr lang="en-US" altLang="zh-CN" dirty="0"/>
+              <a:t>2</a:t>
+            </a:r>
+            <a:r>
+              <a:rPr lang="zh-CN" altLang="en-US" dirty="0"/>
+              <a:t>）思想感情的事变化</a:t>
+            </a:r>
+          </a:p>
+          <a:p>
+            <a:r>
+              <a:rPr lang="zh-CN" altLang="en-US" dirty="0"/>
+              <a:t>画出表示情感的词语，按照词语出现的顺序整理出答案。</a:t>
+            </a:r>
+          </a:p>
+          <a:p>
+            <a:endParaRPr lang="zh-CN" altLang="en-US" dirty="0"/>
+          </a:p>
+        </p:txBody>
+      </p:sp>
+    </p:spTree>
+    <p:extLst>
+      <p:ext uri="{BB962C8B-B14F-4D97-AF65-F5344CB8AC3E}">
+        <p14:creationId xmlns:p14="http://schemas.microsoft.com/office/powerpoint/2010/main" val="1052755847"/>
+      </p:ext>
+    </p:extLst>
+  </p:cSld>
+  <p:clrMapOvr>
+    <a:masterClrMapping/>
+  </p:clrMapOvr>
+</p:sld>
+</file>
+
+<file path=ppt/slides/slide15.xml><?xml version="1.0" encoding="utf-8"?>
+<p:sld xmlns:a="http://schemas.openxmlformats.org/drawingml/2006/main" xmlns:r="http://schemas.openxmlformats.org/officeDocument/2006/relationships" xmlns:p="http://schemas.openxmlformats.org/presentationml/2006/main">
+  <p:cSld>
+    <p:spTree>
+      <p:nvGrpSpPr>
+        <p:cNvPr id="1" name=""/>
+        <p:cNvGrpSpPr/>
+        <p:nvPr/>
+      </p:nvGrpSpPr>
+      <p:grpSpPr>
+        <a:xfrm>
+          <a:off x="0" y="0"/>
+          <a:ext cx="0" cy="0"/>
+          <a:chOff x="0" y="0"/>
+          <a:chExt cx="0" cy="0"/>
+        </a:xfrm>
+      </p:grpSpPr>
+      <p:sp>
+        <p:nvSpPr>
+          <p:cNvPr id="2" name="标题 1">
+            <a:extLst>
+              <a:ext uri="{FF2B5EF4-FFF2-40B4-BE49-F238E27FC236}">
+                <a16:creationId xmlns:a16="http://schemas.microsoft.com/office/drawing/2014/main" id="{702B5110-73C9-0CE9-C637-69A4EBC76B33}"/>
+              </a:ext>
+            </a:extLst>
+          </p:cNvPr>
+          <p:cNvSpPr>
+            <a:spLocks noGrp="1"/>
+          </p:cNvSpPr>
+          <p:nvPr>
+            <p:ph type="title"/>
+          </p:nvPr>
+        </p:nvSpPr>
+        <p:spPr/>
+        <p:txBody>
+          <a:bodyPr/>
+          <a:lstStyle/>
+          <a:p>
+            <a:r>
+              <a:rPr lang="zh-CN" altLang="en-US" dirty="0"/>
+              <a:t>三、把握记叙的线索和顺序</a:t>
+            </a:r>
+          </a:p>
+        </p:txBody>
+      </p:sp>
+      <p:sp>
+        <p:nvSpPr>
+          <p:cNvPr id="3" name="内容占位符 2">
+            <a:extLst>
+              <a:ext uri="{FF2B5EF4-FFF2-40B4-BE49-F238E27FC236}">
+                <a16:creationId xmlns:a16="http://schemas.microsoft.com/office/drawing/2014/main" id="{D9825F42-F791-7A40-FA6B-8BBFAD69F0D8}"/>
+              </a:ext>
+            </a:extLst>
+          </p:cNvPr>
+          <p:cNvSpPr>
+            <a:spLocks noGrp="1"/>
+          </p:cNvSpPr>
+          <p:nvPr>
+            <p:ph idx="1"/>
+          </p:nvPr>
+        </p:nvSpPr>
+        <p:spPr/>
+        <p:txBody>
+          <a:bodyPr/>
+          <a:lstStyle/>
+          <a:p>
+            <a:r>
+              <a:rPr lang="zh-CN" altLang="en-US" dirty="0"/>
+              <a:t>线索类型：</a:t>
+            </a:r>
+          </a:p>
+          <a:p>
+            <a:r>
+              <a:rPr lang="zh-CN" altLang="en-US" dirty="0"/>
+              <a:t> </a:t>
+            </a:r>
+            <a:r>
+              <a:rPr lang="en-US" altLang="zh-CN" dirty="0"/>
+              <a:t>A.</a:t>
+            </a:r>
+            <a:r>
+              <a:rPr lang="zh-CN" altLang="en-US" dirty="0"/>
+              <a:t>以时间的发展变化为线索</a:t>
+            </a:r>
+          </a:p>
+          <a:p>
+            <a:r>
+              <a:rPr lang="en-US" altLang="zh-CN" dirty="0"/>
+              <a:t>B.</a:t>
+            </a:r>
+            <a:r>
+              <a:rPr lang="zh-CN" altLang="en-US" dirty="0"/>
+              <a:t>以地点的转移为线索</a:t>
+            </a:r>
+          </a:p>
+          <a:p>
+            <a:r>
+              <a:rPr lang="en-US" altLang="zh-CN" dirty="0"/>
+              <a:t>C.</a:t>
+            </a:r>
+            <a:r>
+              <a:rPr lang="zh-CN" altLang="en-US" dirty="0"/>
+              <a:t>以人物为线索</a:t>
+            </a:r>
+          </a:p>
+          <a:p>
+            <a:r>
+              <a:rPr lang="en-US" altLang="zh-CN" dirty="0"/>
+              <a:t>D.</a:t>
+            </a:r>
+            <a:r>
+              <a:rPr lang="zh-CN" altLang="en-US" dirty="0"/>
+              <a:t>以某个具体的事物为线索</a:t>
+            </a:r>
+          </a:p>
+          <a:p>
+            <a:r>
+              <a:rPr lang="en-US" altLang="zh-CN" dirty="0"/>
+              <a:t>E.</a:t>
+            </a:r>
+            <a:r>
+              <a:rPr lang="zh-CN" altLang="en-US" dirty="0"/>
+              <a:t>以感情的变化为线索</a:t>
+            </a:r>
+          </a:p>
+          <a:p>
+            <a:r>
+              <a:rPr lang="en-US" altLang="zh-CN" dirty="0"/>
+              <a:t>F.</a:t>
+            </a:r>
+            <a:r>
+              <a:rPr lang="zh-CN" altLang="en-US" dirty="0"/>
+              <a:t>以某个核心事件为线索</a:t>
+            </a:r>
+          </a:p>
+          <a:p>
+            <a:endParaRPr lang="zh-CN" altLang="en-US" dirty="0"/>
+          </a:p>
+        </p:txBody>
+      </p:sp>
+    </p:spTree>
+    <p:extLst>
+      <p:ext uri="{BB962C8B-B14F-4D97-AF65-F5344CB8AC3E}">
+        <p14:creationId xmlns:p14="http://schemas.microsoft.com/office/powerpoint/2010/main" val="2955021244"/>
+      </p:ext>
+    </p:extLst>
+  </p:cSld>
+  <p:clrMapOvr>
+    <a:masterClrMapping/>
+  </p:clrMapOvr>
+</p:sld>
+</file>
+
+<file path=ppt/slides/slide16.xml><?xml version="1.0" encoding="utf-8"?>
+<p:sld xmlns:a="http://schemas.openxmlformats.org/drawingml/2006/main" xmlns:r="http://schemas.openxmlformats.org/officeDocument/2006/relationships" xmlns:p="http://schemas.openxmlformats.org/presentationml/2006/main">
+  <p:cSld>
+    <p:spTree>
+      <p:nvGrpSpPr>
+        <p:cNvPr id="1" name=""/>
+        <p:cNvGrpSpPr/>
+        <p:nvPr/>
+      </p:nvGrpSpPr>
+      <p:grpSpPr>
+        <a:xfrm>
+          <a:off x="0" y="0"/>
+          <a:ext cx="0" cy="0"/>
+          <a:chOff x="0" y="0"/>
+          <a:chExt cx="0" cy="0"/>
+        </a:xfrm>
+      </p:grpSpPr>
+      <p:sp>
+        <p:nvSpPr>
+          <p:cNvPr id="2" name="标题 1">
+            <a:extLst>
+              <a:ext uri="{FF2B5EF4-FFF2-40B4-BE49-F238E27FC236}">
+                <a16:creationId xmlns:a16="http://schemas.microsoft.com/office/drawing/2014/main" id="{702B5110-73C9-0CE9-C637-69A4EBC76B33}"/>
+              </a:ext>
+            </a:extLst>
+          </p:cNvPr>
+          <p:cNvSpPr>
+            <a:spLocks noGrp="1"/>
+          </p:cNvSpPr>
+          <p:nvPr>
+            <p:ph type="title"/>
+          </p:nvPr>
+        </p:nvSpPr>
+        <p:spPr/>
+        <p:txBody>
+          <a:bodyPr/>
+          <a:lstStyle/>
+          <a:p>
+            <a:r>
+              <a:rPr lang="zh-CN" altLang="en-US" dirty="0"/>
+              <a:t>线索的作用：</a:t>
+            </a:r>
+          </a:p>
+        </p:txBody>
+      </p:sp>
+      <p:sp>
+        <p:nvSpPr>
+          <p:cNvPr id="3" name="内容占位符 2">
+            <a:extLst>
+              <a:ext uri="{FF2B5EF4-FFF2-40B4-BE49-F238E27FC236}">
+                <a16:creationId xmlns:a16="http://schemas.microsoft.com/office/drawing/2014/main" id="{D9825F42-F791-7A40-FA6B-8BBFAD69F0D8}"/>
+              </a:ext>
+            </a:extLst>
+          </p:cNvPr>
+          <p:cNvSpPr>
+            <a:spLocks noGrp="1"/>
+          </p:cNvSpPr>
+          <p:nvPr>
+            <p:ph idx="1"/>
+          </p:nvPr>
+        </p:nvSpPr>
+        <p:spPr/>
+        <p:txBody>
+          <a:bodyPr/>
+          <a:lstStyle/>
+          <a:p>
+            <a:r>
+              <a:rPr lang="zh-CN" altLang="en-US" dirty="0"/>
+              <a:t>把文中的人物和事件有机地连在一起，使文章条理清晰，层次分明，推动情节的发展。</a:t>
+            </a:r>
+          </a:p>
+        </p:txBody>
+      </p:sp>
+    </p:spTree>
+    <p:extLst>
+      <p:ext uri="{BB962C8B-B14F-4D97-AF65-F5344CB8AC3E}">
+        <p14:creationId xmlns:p14="http://schemas.microsoft.com/office/powerpoint/2010/main" val="660697917"/>
+      </p:ext>
+    </p:extLst>
+  </p:cSld>
+  <p:clrMapOvr>
+    <a:masterClrMapping/>
+  </p:clrMapOvr>
+</p:sld>
+</file>
+
+<file path=ppt/slides/slide17.xml><?xml version="1.0" encoding="utf-8"?>
+<p:sld xmlns:a="http://schemas.openxmlformats.org/drawingml/2006/main" xmlns:r="http://schemas.openxmlformats.org/officeDocument/2006/relationships" xmlns:p="http://schemas.openxmlformats.org/presentationml/2006/main">
+  <p:cSld>
+    <p:spTree>
+      <p:nvGrpSpPr>
+        <p:cNvPr id="1" name=""/>
+        <p:cNvGrpSpPr/>
+        <p:nvPr/>
+      </p:nvGrpSpPr>
+      <p:grpSpPr>
+        <a:xfrm>
+          <a:off x="0" y="0"/>
+          <a:ext cx="0" cy="0"/>
+          <a:chOff x="0" y="0"/>
+          <a:chExt cx="0" cy="0"/>
+        </a:xfrm>
+      </p:grpSpPr>
+      <p:sp>
+        <p:nvSpPr>
+          <p:cNvPr id="2" name="标题 1">
+            <a:extLst>
+              <a:ext uri="{FF2B5EF4-FFF2-40B4-BE49-F238E27FC236}">
+                <a16:creationId xmlns:a16="http://schemas.microsoft.com/office/drawing/2014/main" id="{702B5110-73C9-0CE9-C637-69A4EBC76B33}"/>
+              </a:ext>
+            </a:extLst>
+          </p:cNvPr>
+          <p:cNvSpPr>
+            <a:spLocks noGrp="1"/>
+          </p:cNvSpPr>
+          <p:nvPr>
+            <p:ph type="title"/>
+          </p:nvPr>
+        </p:nvSpPr>
+        <p:spPr/>
+        <p:txBody>
+          <a:bodyPr/>
+          <a:lstStyle/>
+          <a:p>
+            <a:r>
+              <a:rPr lang="zh-CN" altLang="en-US" dirty="0"/>
+              <a:t>（</a:t>
+            </a:r>
+            <a:r>
+              <a:rPr lang="en-US" altLang="zh-CN" dirty="0"/>
+              <a:t>2</a:t>
+            </a:r>
+            <a:r>
+              <a:rPr lang="zh-CN" altLang="en-US" dirty="0"/>
+              <a:t>）记叙顺序及作用</a:t>
+            </a:r>
+          </a:p>
+        </p:txBody>
+      </p:sp>
+      <p:sp>
+        <p:nvSpPr>
+          <p:cNvPr id="3" name="内容占位符 2">
+            <a:extLst>
+              <a:ext uri="{FF2B5EF4-FFF2-40B4-BE49-F238E27FC236}">
+                <a16:creationId xmlns:a16="http://schemas.microsoft.com/office/drawing/2014/main" id="{D9825F42-F791-7A40-FA6B-8BBFAD69F0D8}"/>
+              </a:ext>
+            </a:extLst>
+          </p:cNvPr>
+          <p:cNvSpPr>
+            <a:spLocks noGrp="1"/>
+          </p:cNvSpPr>
+          <p:nvPr>
+            <p:ph idx="1"/>
+          </p:nvPr>
+        </p:nvSpPr>
+        <p:spPr/>
+        <p:txBody>
+          <a:bodyPr/>
+          <a:lstStyle/>
+          <a:p>
+            <a:r>
+              <a:rPr lang="en-US" altLang="zh-CN" dirty="0"/>
+              <a:t>A.</a:t>
+            </a:r>
+            <a:r>
+              <a:rPr lang="zh-CN" altLang="en-US" dirty="0"/>
+              <a:t>顺叙</a:t>
+            </a:r>
+            <a:r>
+              <a:rPr lang="en-US" altLang="zh-CN" dirty="0"/>
+              <a:t>(</a:t>
+            </a:r>
+            <a:r>
+              <a:rPr lang="zh-CN" altLang="en-US" dirty="0"/>
+              <a:t>按事情发展先后顺序</a:t>
+            </a:r>
+            <a:r>
+              <a:rPr lang="en-US" altLang="zh-CN" dirty="0"/>
+              <a:t>)</a:t>
+            </a:r>
+          </a:p>
+          <a:p>
+            <a:r>
+              <a:rPr lang="zh-CN" altLang="en-US" dirty="0"/>
+              <a:t>作用：叙事有头尾，条理清晰，脉络清楚、印象深刻。  </a:t>
+            </a:r>
+          </a:p>
+          <a:p>
+            <a:r>
+              <a:rPr lang="en-US" altLang="zh-CN" dirty="0"/>
+              <a:t>B.</a:t>
+            </a:r>
+            <a:r>
+              <a:rPr lang="zh-CN" altLang="en-US" dirty="0"/>
+              <a:t>倒叙</a:t>
+            </a:r>
+            <a:r>
+              <a:rPr lang="en-US" altLang="zh-CN" dirty="0"/>
+              <a:t>:</a:t>
+            </a:r>
+          </a:p>
+          <a:p>
+            <a:r>
+              <a:rPr lang="zh-CN" altLang="en-US" dirty="0"/>
+              <a:t>作用：造成了</a:t>
+            </a:r>
+            <a:r>
+              <a:rPr lang="en-US" altLang="zh-CN" dirty="0"/>
+              <a:t>……</a:t>
+            </a:r>
+            <a:r>
+              <a:rPr lang="zh-CN" altLang="en-US" dirty="0"/>
+              <a:t>的悬念，使故事情节更曲折</a:t>
+            </a:r>
+            <a:r>
+              <a:rPr lang="en-US" altLang="zh-CN" dirty="0"/>
+              <a:t>,</a:t>
+            </a:r>
+            <a:r>
+              <a:rPr lang="zh-CN" altLang="en-US" dirty="0"/>
+              <a:t>增强了文章的可读性</a:t>
+            </a:r>
+            <a:r>
+              <a:rPr lang="en-US" altLang="zh-CN" dirty="0"/>
+              <a:t>. </a:t>
+            </a:r>
+          </a:p>
+          <a:p>
+            <a:r>
+              <a:rPr lang="en-US" altLang="zh-CN" dirty="0"/>
+              <a:t>C.</a:t>
+            </a:r>
+            <a:r>
+              <a:rPr lang="zh-CN" altLang="en-US" dirty="0"/>
+              <a:t>插叙</a:t>
+            </a:r>
+          </a:p>
+          <a:p>
+            <a:r>
+              <a:rPr lang="zh-CN" altLang="en-US" dirty="0"/>
+              <a:t>作用：补充交代了</a:t>
+            </a:r>
+            <a:r>
+              <a:rPr lang="en-US" altLang="zh-CN" dirty="0"/>
+              <a:t>……</a:t>
+            </a:r>
+            <a:r>
+              <a:rPr lang="zh-CN" altLang="en-US" dirty="0"/>
+              <a:t>使人物形象更丰富，使中心更突出。</a:t>
+            </a:r>
+          </a:p>
+          <a:p>
+            <a:r>
+              <a:rPr lang="en-US" altLang="zh-CN" dirty="0"/>
+              <a:t>【</a:t>
+            </a:r>
+            <a:r>
+              <a:rPr lang="zh-CN" altLang="en-US" dirty="0"/>
+              <a:t>答题公式</a:t>
+            </a:r>
+            <a:r>
+              <a:rPr lang="en-US" altLang="zh-CN" dirty="0"/>
+              <a:t>】</a:t>
+            </a:r>
+            <a:r>
+              <a:rPr lang="zh-CN" altLang="en-US" dirty="0"/>
+              <a:t>顺序名称</a:t>
+            </a:r>
+            <a:r>
+              <a:rPr lang="en-US" altLang="zh-CN" dirty="0"/>
+              <a:t>+</a:t>
+            </a:r>
+            <a:r>
+              <a:rPr lang="zh-CN" altLang="en-US" dirty="0"/>
+              <a:t>作用</a:t>
+            </a:r>
+          </a:p>
+          <a:p>
+            <a:endParaRPr lang="zh-CN" altLang="en-US" dirty="0"/>
+          </a:p>
+        </p:txBody>
+      </p:sp>
+    </p:spTree>
+    <p:extLst>
+      <p:ext uri="{BB962C8B-B14F-4D97-AF65-F5344CB8AC3E}">
+        <p14:creationId xmlns:p14="http://schemas.microsoft.com/office/powerpoint/2010/main" val="3865071651"/>
+      </p:ext>
+    </p:extLst>
+  </p:cSld>
+  <p:clrMapOvr>
+    <a:masterClrMapping/>
+  </p:clrMapOvr>
+</p:sld>
+</file>
+
+<file path=ppt/slides/slide18.xml><?xml version="1.0" encoding="utf-8"?>
+<p:sld xmlns:a="http://schemas.openxmlformats.org/drawingml/2006/main" xmlns:r="http://schemas.openxmlformats.org/officeDocument/2006/relationships" xmlns:p="http://schemas.openxmlformats.org/presentationml/2006/main">
+  <p:cSld>
+    <p:spTree>
+      <p:nvGrpSpPr>
+        <p:cNvPr id="1" name=""/>
+        <p:cNvGrpSpPr/>
+        <p:nvPr/>
+      </p:nvGrpSpPr>
+      <p:grpSpPr>
+        <a:xfrm>
+          <a:off x="0" y="0"/>
+          <a:ext cx="0" cy="0"/>
+          <a:chOff x="0" y="0"/>
+          <a:chExt cx="0" cy="0"/>
+        </a:xfrm>
+      </p:grpSpPr>
+      <p:sp>
+        <p:nvSpPr>
+          <p:cNvPr id="2" name="标题 1">
+            <a:extLst>
+              <a:ext uri="{FF2B5EF4-FFF2-40B4-BE49-F238E27FC236}">
+                <a16:creationId xmlns:a16="http://schemas.microsoft.com/office/drawing/2014/main" id="{702B5110-73C9-0CE9-C637-69A4EBC76B33}"/>
+              </a:ext>
+            </a:extLst>
+          </p:cNvPr>
+          <p:cNvSpPr>
+            <a:spLocks noGrp="1"/>
+          </p:cNvSpPr>
+          <p:nvPr>
+            <p:ph type="title"/>
+          </p:nvPr>
+        </p:nvSpPr>
+        <p:spPr/>
+        <p:txBody>
+          <a:bodyPr/>
+          <a:lstStyle/>
+          <a:p>
+            <a:r>
+              <a:rPr lang="zh-CN" altLang="en-US" dirty="0"/>
+              <a:t>四、记叙的人称及作用</a:t>
+            </a:r>
+          </a:p>
+        </p:txBody>
+      </p:sp>
+      <p:sp>
+        <p:nvSpPr>
+          <p:cNvPr id="3" name="内容占位符 2">
+            <a:extLst>
+              <a:ext uri="{FF2B5EF4-FFF2-40B4-BE49-F238E27FC236}">
+                <a16:creationId xmlns:a16="http://schemas.microsoft.com/office/drawing/2014/main" id="{D9825F42-F791-7A40-FA6B-8BBFAD69F0D8}"/>
+              </a:ext>
+            </a:extLst>
+          </p:cNvPr>
+          <p:cNvSpPr>
+            <a:spLocks noGrp="1"/>
+          </p:cNvSpPr>
+          <p:nvPr>
+            <p:ph idx="1"/>
+          </p:nvPr>
+        </p:nvSpPr>
+        <p:spPr/>
+        <p:txBody>
+          <a:bodyPr/>
+          <a:lstStyle/>
+          <a:p>
+            <a:r>
+              <a:rPr lang="zh-CN" altLang="en-US" dirty="0"/>
+              <a:t>人称作用：</a:t>
+            </a:r>
+          </a:p>
+          <a:p>
+            <a:r>
+              <a:rPr lang="zh-CN" altLang="en-US" dirty="0"/>
+              <a:t>第一人称：使文章内容显得更真实，给人身临其境之感，便于直接抒发感情，增强了文章的真实性和感染力。  </a:t>
+            </a:r>
+          </a:p>
+          <a:p>
+            <a:r>
+              <a:rPr lang="zh-CN" altLang="en-US" dirty="0"/>
+              <a:t>第二人称：便于作者与文中的人物或读者感情交流，显得特别亲切、感人。 </a:t>
+            </a:r>
+          </a:p>
+          <a:p>
+            <a:r>
+              <a:rPr lang="zh-CN" altLang="en-US" dirty="0"/>
+              <a:t>第三人称：不受时间、空间限制，能够比较自由灵活的反映客观内容，有比较宽广的活动范围。</a:t>
+            </a:r>
+          </a:p>
+          <a:p>
+            <a:endParaRPr lang="zh-CN" altLang="en-US" dirty="0"/>
+          </a:p>
+        </p:txBody>
+      </p:sp>
+    </p:spTree>
+    <p:extLst>
+      <p:ext uri="{BB962C8B-B14F-4D97-AF65-F5344CB8AC3E}">
+        <p14:creationId xmlns:p14="http://schemas.microsoft.com/office/powerpoint/2010/main" val="1517448986"/>
+      </p:ext>
+    </p:extLst>
+  </p:cSld>
+  <p:clrMapOvr>
+    <a:masterClrMapping/>
+  </p:clrMapOvr>
+</p:sld>
+</file>
+
+<file path=ppt/slides/slide19.xml><?xml version="1.0" encoding="utf-8"?>
+<p:sld xmlns:a="http://schemas.openxmlformats.org/drawingml/2006/main" xmlns:r="http://schemas.openxmlformats.org/officeDocument/2006/relationships" xmlns:p="http://schemas.openxmlformats.org/presentationml/2006/main">
+  <p:cSld>
+    <p:spTree>
+      <p:nvGrpSpPr>
+        <p:cNvPr id="1" name=""/>
+        <p:cNvGrpSpPr/>
+        <p:nvPr/>
+      </p:nvGrpSpPr>
+      <p:grpSpPr>
+        <a:xfrm>
+          <a:off x="0" y="0"/>
+          <a:ext cx="0" cy="0"/>
+          <a:chOff x="0" y="0"/>
+          <a:chExt cx="0" cy="0"/>
+        </a:xfrm>
+      </p:grpSpPr>
+      <p:sp>
+        <p:nvSpPr>
+          <p:cNvPr id="2" name="标题 1">
+            <a:extLst>
+              <a:ext uri="{FF2B5EF4-FFF2-40B4-BE49-F238E27FC236}">
+                <a16:creationId xmlns:a16="http://schemas.microsoft.com/office/drawing/2014/main" id="{702B5110-73C9-0CE9-C637-69A4EBC76B33}"/>
+              </a:ext>
+            </a:extLst>
+          </p:cNvPr>
+          <p:cNvSpPr>
+            <a:spLocks noGrp="1"/>
+          </p:cNvSpPr>
+          <p:nvPr>
+            <p:ph type="title"/>
+          </p:nvPr>
+        </p:nvSpPr>
+        <p:spPr/>
+        <p:txBody>
+          <a:bodyPr/>
+          <a:lstStyle/>
+          <a:p>
+            <a:r>
+              <a:rPr lang="zh-CN" altLang="en-US" dirty="0"/>
+              <a:t>五、人物形象</a:t>
+            </a:r>
+          </a:p>
+        </p:txBody>
+      </p:sp>
+      <p:sp>
+        <p:nvSpPr>
+          <p:cNvPr id="3" name="内容占位符 2">
+            <a:extLst>
+              <a:ext uri="{FF2B5EF4-FFF2-40B4-BE49-F238E27FC236}">
+                <a16:creationId xmlns:a16="http://schemas.microsoft.com/office/drawing/2014/main" id="{D9825F42-F791-7A40-FA6B-8BBFAD69F0D8}"/>
+              </a:ext>
+            </a:extLst>
+          </p:cNvPr>
+          <p:cNvSpPr>
+            <a:spLocks noGrp="1"/>
+          </p:cNvSpPr>
+          <p:nvPr>
+            <p:ph idx="1"/>
+          </p:nvPr>
+        </p:nvSpPr>
+        <p:spPr/>
+        <p:txBody>
+          <a:bodyPr>
+            <a:normAutofit/>
+          </a:bodyPr>
+          <a:lstStyle/>
+          <a:p>
+            <a:r>
+              <a:rPr lang="zh-CN" altLang="en-US" dirty="0"/>
+              <a:t>（</a:t>
+            </a:r>
+            <a:r>
+              <a:rPr lang="en-US" altLang="zh-CN" dirty="0"/>
+              <a:t>1</a:t>
+            </a:r>
+            <a:r>
+              <a:rPr lang="zh-CN" altLang="en-US" dirty="0"/>
+              <a:t>）次要人物的作用</a:t>
+            </a:r>
+          </a:p>
+          <a:p>
+            <a:r>
+              <a:rPr lang="zh-CN" altLang="en-US" dirty="0"/>
+              <a:t>第一人称：“我”，是贯穿全文的人物，其作用是线索人物，是故事的见证者，增强了文章的真实性。</a:t>
+            </a:r>
+          </a:p>
+          <a:p>
+            <a:r>
+              <a:rPr lang="zh-CN" altLang="en-US" dirty="0"/>
+              <a:t>（</a:t>
+            </a:r>
+            <a:r>
+              <a:rPr lang="en-US" altLang="zh-CN" dirty="0"/>
+              <a:t>2</a:t>
+            </a:r>
+            <a:r>
+              <a:rPr lang="zh-CN" altLang="en-US" dirty="0"/>
+              <a:t>）分析小说对人物进行描写的方法及作用</a:t>
+            </a:r>
+          </a:p>
+          <a:p>
+            <a:r>
+              <a:rPr lang="en-US" altLang="zh-CN" dirty="0"/>
+              <a:t>A.</a:t>
+            </a:r>
+            <a:r>
+              <a:rPr lang="zh-CN" altLang="en-US" dirty="0"/>
+              <a:t>肖像（外貌、神态）描写：交代了人物的</a:t>
+            </a:r>
+            <a:r>
+              <a:rPr lang="en-US" altLang="zh-CN" dirty="0"/>
+              <a:t>xx</a:t>
+            </a:r>
+            <a:r>
+              <a:rPr lang="zh-CN" altLang="en-US" dirty="0"/>
+              <a:t>身份、</a:t>
+            </a:r>
+            <a:r>
+              <a:rPr lang="en-US" altLang="zh-CN" dirty="0"/>
+              <a:t>xx</a:t>
+            </a:r>
+            <a:r>
+              <a:rPr lang="zh-CN" altLang="en-US" dirty="0"/>
+              <a:t>地位、</a:t>
+            </a:r>
+            <a:r>
+              <a:rPr lang="en-US" altLang="zh-CN" dirty="0"/>
+              <a:t>xx</a:t>
+            </a:r>
+            <a:r>
+              <a:rPr lang="zh-CN" altLang="en-US" dirty="0"/>
+              <a:t>处境、</a:t>
+            </a:r>
+            <a:r>
+              <a:rPr lang="en-US" altLang="zh-CN" dirty="0"/>
+              <a:t>xx</a:t>
+            </a:r>
+            <a:r>
+              <a:rPr lang="zh-CN" altLang="en-US" dirty="0"/>
+              <a:t>经历以及</a:t>
+            </a:r>
+            <a:r>
+              <a:rPr lang="en-US" altLang="zh-CN" dirty="0"/>
+              <a:t>xx</a:t>
+            </a:r>
+            <a:r>
+              <a:rPr lang="zh-CN" altLang="en-US" dirty="0"/>
+              <a:t>心理状态、</a:t>
+            </a:r>
+            <a:r>
+              <a:rPr lang="en-US" altLang="zh-CN" dirty="0"/>
+              <a:t>xx</a:t>
+            </a:r>
+            <a:r>
+              <a:rPr lang="zh-CN" altLang="en-US" dirty="0"/>
+              <a:t>思想性格等情况。</a:t>
+            </a:r>
+          </a:p>
+          <a:p>
+            <a:r>
+              <a:rPr lang="en-US" altLang="zh-CN" dirty="0"/>
+              <a:t>B.</a:t>
+            </a:r>
+            <a:r>
+              <a:rPr lang="zh-CN" altLang="en-US" dirty="0"/>
+              <a:t>语言描写和动作描写：生动形象地表现出人物的</a:t>
+            </a:r>
+            <a:r>
+              <a:rPr lang="en-US" altLang="zh-CN" dirty="0"/>
+              <a:t>xx</a:t>
+            </a:r>
+            <a:r>
+              <a:rPr lang="zh-CN" altLang="en-US" dirty="0"/>
+              <a:t>心理（心情），并反映人物的</a:t>
+            </a:r>
+            <a:r>
+              <a:rPr lang="en-US" altLang="zh-CN" dirty="0"/>
+              <a:t>XX</a:t>
+            </a:r>
+            <a:r>
+              <a:rPr lang="zh-CN" altLang="en-US" dirty="0"/>
+              <a:t>性格特征或</a:t>
+            </a:r>
+            <a:r>
+              <a:rPr lang="en-US" altLang="zh-CN" dirty="0"/>
+              <a:t>XX</a:t>
+            </a:r>
+            <a:r>
+              <a:rPr lang="zh-CN" altLang="en-US" dirty="0"/>
+              <a:t>精神品质，有时还推动了情节的发展。</a:t>
+            </a:r>
+          </a:p>
+          <a:p>
+            <a:endParaRPr lang="zh-CN" altLang="en-US" dirty="0"/>
+          </a:p>
+        </p:txBody>
+      </p:sp>
+    </p:spTree>
+    <p:extLst>
+      <p:ext uri="{BB962C8B-B14F-4D97-AF65-F5344CB8AC3E}">
+        <p14:creationId xmlns:p14="http://schemas.microsoft.com/office/powerpoint/2010/main" val="1249040720"/>
+      </p:ext>
+    </p:extLst>
+  </p:cSld>
+  <p:clrMapOvr>
+    <a:masterClrMapping/>
+  </p:clrMapOvr>
+</p:sld>
+</file>
+
 <file path=ppt/slides/slide2.xml><?xml version="1.0" encoding="utf-8"?>
 <p:sld xmlns:a="http://schemas.openxmlformats.org/drawingml/2006/main" xmlns:r="http://schemas.openxmlformats.org/officeDocument/2006/relationships" xmlns:p="http://schemas.openxmlformats.org/presentationml/2006/main">
   <p:cSld>
@@ -3637,6 +4919,1571 @@
     <p:extLst>
       <p:ext uri="{BB962C8B-B14F-4D97-AF65-F5344CB8AC3E}">
         <p14:creationId xmlns:p14="http://schemas.microsoft.com/office/powerpoint/2010/main" val="1368030633"/>
+      </p:ext>
+    </p:extLst>
+  </p:cSld>
+  <p:clrMapOvr>
+    <a:masterClrMapping/>
+  </p:clrMapOvr>
+</p:sld>
+</file>
+
+<file path=ppt/slides/slide20.xml><?xml version="1.0" encoding="utf-8"?>
+<p:sld xmlns:a="http://schemas.openxmlformats.org/drawingml/2006/main" xmlns:r="http://schemas.openxmlformats.org/officeDocument/2006/relationships" xmlns:p="http://schemas.openxmlformats.org/presentationml/2006/main">
+  <p:cSld>
+    <p:spTree>
+      <p:nvGrpSpPr>
+        <p:cNvPr id="1" name=""/>
+        <p:cNvGrpSpPr/>
+        <p:nvPr/>
+      </p:nvGrpSpPr>
+      <p:grpSpPr>
+        <a:xfrm>
+          <a:off x="0" y="0"/>
+          <a:ext cx="0" cy="0"/>
+          <a:chOff x="0" y="0"/>
+          <a:chExt cx="0" cy="0"/>
+        </a:xfrm>
+      </p:grpSpPr>
+      <p:sp>
+        <p:nvSpPr>
+          <p:cNvPr id="2" name="标题 1">
+            <a:extLst>
+              <a:ext uri="{FF2B5EF4-FFF2-40B4-BE49-F238E27FC236}">
+                <a16:creationId xmlns:a16="http://schemas.microsoft.com/office/drawing/2014/main" id="{702B5110-73C9-0CE9-C637-69A4EBC76B33}"/>
+              </a:ext>
+            </a:extLst>
+          </p:cNvPr>
+          <p:cNvSpPr>
+            <a:spLocks noGrp="1"/>
+          </p:cNvSpPr>
+          <p:nvPr>
+            <p:ph type="title"/>
+          </p:nvPr>
+        </p:nvSpPr>
+        <p:spPr/>
+        <p:txBody>
+          <a:bodyPr/>
+          <a:lstStyle/>
+          <a:p>
+            <a:endParaRPr lang="zh-CN" altLang="en-US" dirty="0"/>
+          </a:p>
+        </p:txBody>
+      </p:sp>
+      <p:sp>
+        <p:nvSpPr>
+          <p:cNvPr id="3" name="内容占位符 2">
+            <a:extLst>
+              <a:ext uri="{FF2B5EF4-FFF2-40B4-BE49-F238E27FC236}">
+                <a16:creationId xmlns:a16="http://schemas.microsoft.com/office/drawing/2014/main" id="{D9825F42-F791-7A40-FA6B-8BBFAD69F0D8}"/>
+              </a:ext>
+            </a:extLst>
+          </p:cNvPr>
+          <p:cNvSpPr>
+            <a:spLocks noGrp="1"/>
+          </p:cNvSpPr>
+          <p:nvPr>
+            <p:ph idx="1"/>
+          </p:nvPr>
+        </p:nvSpPr>
+        <p:spPr/>
+        <p:txBody>
+          <a:bodyPr/>
+          <a:lstStyle/>
+          <a:p>
+            <a:r>
+              <a:rPr lang="en-US" altLang="zh-CN" dirty="0"/>
+              <a:t>C.</a:t>
+            </a:r>
+            <a:r>
+              <a:rPr lang="zh-CN" altLang="en-US" dirty="0"/>
+              <a:t>心理描写：形象生动地反映出人物的</a:t>
+            </a:r>
+            <a:r>
+              <a:rPr lang="en-US" altLang="zh-CN" dirty="0"/>
+              <a:t>XX</a:t>
+            </a:r>
+            <a:r>
+              <a:rPr lang="zh-CN" altLang="en-US" dirty="0"/>
+              <a:t>思想，揭示了人物的</a:t>
+            </a:r>
+            <a:r>
+              <a:rPr lang="en-US" altLang="zh-CN" dirty="0"/>
+              <a:t>XX</a:t>
+            </a:r>
+            <a:r>
+              <a:rPr lang="zh-CN" altLang="en-US" dirty="0"/>
+              <a:t>性格或</a:t>
+            </a:r>
+            <a:r>
+              <a:rPr lang="en-US" altLang="zh-CN" dirty="0"/>
+              <a:t>XX</a:t>
+            </a:r>
+            <a:r>
+              <a:rPr lang="zh-CN" altLang="en-US" dirty="0"/>
+              <a:t>品质。</a:t>
+            </a:r>
+          </a:p>
+          <a:p>
+            <a:r>
+              <a:rPr lang="en-US" altLang="zh-CN" dirty="0"/>
+              <a:t>【</a:t>
+            </a:r>
+            <a:r>
+              <a:rPr lang="zh-CN" altLang="en-US" dirty="0"/>
+              <a:t>答题公式</a:t>
+            </a:r>
+            <a:r>
+              <a:rPr lang="en-US" altLang="zh-CN" dirty="0"/>
+              <a:t>】</a:t>
+            </a:r>
+            <a:r>
+              <a:rPr lang="zh-CN" altLang="en-US" dirty="0"/>
+              <a:t>描写方法</a:t>
+            </a:r>
+            <a:r>
+              <a:rPr lang="en-US" altLang="zh-CN" dirty="0"/>
+              <a:t>+</a:t>
+            </a:r>
+            <a:r>
+              <a:rPr lang="zh-CN" altLang="en-US" dirty="0"/>
+              <a:t>该描写方法的代表词语</a:t>
+            </a:r>
+            <a:r>
+              <a:rPr lang="en-US" altLang="zh-CN" dirty="0"/>
+              <a:t>+</a:t>
+            </a:r>
+            <a:r>
+              <a:rPr lang="zh-CN" altLang="en-US" dirty="0"/>
+              <a:t>效果词（生动形象、生动传神、细腻传神等）</a:t>
+            </a:r>
+            <a:r>
+              <a:rPr lang="en-US" altLang="zh-CN" dirty="0"/>
+              <a:t>+</a:t>
+            </a:r>
+            <a:r>
+              <a:rPr lang="zh-CN" altLang="en-US" dirty="0"/>
+              <a:t>人物的性格（心情、心理等）</a:t>
+            </a:r>
+          </a:p>
+          <a:p>
+            <a:endParaRPr lang="zh-CN" altLang="en-US" dirty="0"/>
+          </a:p>
+        </p:txBody>
+      </p:sp>
+    </p:spTree>
+    <p:extLst>
+      <p:ext uri="{BB962C8B-B14F-4D97-AF65-F5344CB8AC3E}">
+        <p14:creationId xmlns:p14="http://schemas.microsoft.com/office/powerpoint/2010/main" val="714444292"/>
+      </p:ext>
+    </p:extLst>
+  </p:cSld>
+  <p:clrMapOvr>
+    <a:masterClrMapping/>
+  </p:clrMapOvr>
+</p:sld>
+</file>
+
+<file path=ppt/slides/slide21.xml><?xml version="1.0" encoding="utf-8"?>
+<p:sld xmlns:a="http://schemas.openxmlformats.org/drawingml/2006/main" xmlns:r="http://schemas.openxmlformats.org/officeDocument/2006/relationships" xmlns:p="http://schemas.openxmlformats.org/presentationml/2006/main">
+  <p:cSld>
+    <p:spTree>
+      <p:nvGrpSpPr>
+        <p:cNvPr id="1" name=""/>
+        <p:cNvGrpSpPr/>
+        <p:nvPr/>
+      </p:nvGrpSpPr>
+      <p:grpSpPr>
+        <a:xfrm>
+          <a:off x="0" y="0"/>
+          <a:ext cx="0" cy="0"/>
+          <a:chOff x="0" y="0"/>
+          <a:chExt cx="0" cy="0"/>
+        </a:xfrm>
+      </p:grpSpPr>
+      <p:sp>
+        <p:nvSpPr>
+          <p:cNvPr id="2" name="标题 1">
+            <a:extLst>
+              <a:ext uri="{FF2B5EF4-FFF2-40B4-BE49-F238E27FC236}">
+                <a16:creationId xmlns:a16="http://schemas.microsoft.com/office/drawing/2014/main" id="{702B5110-73C9-0CE9-C637-69A4EBC76B33}"/>
+              </a:ext>
+            </a:extLst>
+          </p:cNvPr>
+          <p:cNvSpPr>
+            <a:spLocks noGrp="1"/>
+          </p:cNvSpPr>
+          <p:nvPr>
+            <p:ph type="title"/>
+          </p:nvPr>
+        </p:nvSpPr>
+        <p:spPr/>
+        <p:txBody>
+          <a:bodyPr/>
+          <a:lstStyle/>
+          <a:p>
+            <a:r>
+              <a:rPr lang="zh-CN" altLang="en-US" dirty="0"/>
+              <a:t>六、文章的主题</a:t>
+            </a:r>
+          </a:p>
+        </p:txBody>
+      </p:sp>
+      <p:sp>
+        <p:nvSpPr>
+          <p:cNvPr id="3" name="内容占位符 2">
+            <a:extLst>
+              <a:ext uri="{FF2B5EF4-FFF2-40B4-BE49-F238E27FC236}">
+                <a16:creationId xmlns:a16="http://schemas.microsoft.com/office/drawing/2014/main" id="{D9825F42-F791-7A40-FA6B-8BBFAD69F0D8}"/>
+              </a:ext>
+            </a:extLst>
+          </p:cNvPr>
+          <p:cNvSpPr>
+            <a:spLocks noGrp="1"/>
+          </p:cNvSpPr>
+          <p:nvPr>
+            <p:ph idx="1"/>
+          </p:nvPr>
+        </p:nvSpPr>
+        <p:spPr/>
+        <p:txBody>
+          <a:bodyPr/>
+          <a:lstStyle/>
+          <a:p>
+            <a:r>
+              <a:rPr lang="zh-CN" altLang="en-US" dirty="0"/>
+              <a:t>中心思想概括：</a:t>
+            </a:r>
+          </a:p>
+          <a:p>
+            <a:r>
+              <a:rPr lang="zh-CN" altLang="en-US" dirty="0"/>
+              <a:t>①写人为主：文章通过叙述主人公的</a:t>
+            </a:r>
+            <a:r>
+              <a:rPr lang="en-US" altLang="zh-CN" dirty="0"/>
+              <a:t>······</a:t>
+            </a:r>
+            <a:r>
+              <a:rPr lang="zh-CN" altLang="en-US" dirty="0"/>
+              <a:t>事件（内容）</a:t>
+            </a:r>
+            <a:r>
+              <a:rPr lang="en-US" altLang="zh-CN" dirty="0"/>
+              <a:t>+</a:t>
+            </a:r>
+            <a:r>
+              <a:rPr lang="zh-CN" altLang="en-US" dirty="0"/>
+              <a:t>表现出主人公</a:t>
+            </a:r>
+            <a:r>
+              <a:rPr lang="en-US" altLang="zh-CN" dirty="0"/>
+              <a:t>······</a:t>
+            </a:r>
+            <a:r>
+              <a:rPr lang="zh-CN" altLang="en-US" dirty="0"/>
+              <a:t>的思想品质（或表达了作者对主人公</a:t>
+            </a:r>
+            <a:r>
+              <a:rPr lang="en-US" altLang="zh-CN" dirty="0"/>
+              <a:t>······</a:t>
+            </a:r>
+            <a:r>
+              <a:rPr lang="zh-CN" altLang="en-US" dirty="0"/>
+              <a:t>的思想感情）</a:t>
+            </a:r>
+          </a:p>
+          <a:p>
+            <a:r>
+              <a:rPr lang="zh-CN" altLang="en-US" dirty="0"/>
+              <a:t>②记事为主：通过叙述</a:t>
+            </a:r>
+            <a:r>
+              <a:rPr lang="en-US" altLang="zh-CN" dirty="0"/>
+              <a:t>······</a:t>
+            </a:r>
+            <a:r>
+              <a:rPr lang="zh-CN" altLang="en-US" dirty="0"/>
+              <a:t>故事（内容）</a:t>
+            </a:r>
+            <a:r>
+              <a:rPr lang="en-US" altLang="zh-CN" dirty="0"/>
+              <a:t>+</a:t>
+            </a:r>
+            <a:r>
+              <a:rPr lang="zh-CN" altLang="en-US" dirty="0"/>
+              <a:t>告诉了我们</a:t>
+            </a:r>
+            <a:r>
+              <a:rPr lang="en-US" altLang="zh-CN" dirty="0"/>
+              <a:t>······</a:t>
+            </a:r>
+            <a:r>
+              <a:rPr lang="zh-CN" altLang="en-US" dirty="0"/>
+              <a:t>的道理。</a:t>
+            </a:r>
+          </a:p>
+          <a:p>
+            <a:r>
+              <a:rPr lang="zh-CN" altLang="en-US" dirty="0"/>
+              <a:t>③写景状物：通过描写了</a:t>
+            </a:r>
+            <a:r>
+              <a:rPr lang="en-US" altLang="zh-CN" dirty="0"/>
+              <a:t>······</a:t>
+            </a:r>
+            <a:r>
+              <a:rPr lang="zh-CN" altLang="en-US" dirty="0"/>
+              <a:t>景或物（内容）</a:t>
+            </a:r>
+            <a:r>
+              <a:rPr lang="en-US" altLang="zh-CN" dirty="0"/>
+              <a:t>+</a:t>
+            </a:r>
+            <a:r>
+              <a:rPr lang="zh-CN" altLang="en-US" dirty="0"/>
+              <a:t>抒发了作者</a:t>
+            </a:r>
+            <a:r>
+              <a:rPr lang="en-US" altLang="zh-CN" dirty="0"/>
+              <a:t>······</a:t>
+            </a:r>
+            <a:r>
+              <a:rPr lang="zh-CN" altLang="en-US" dirty="0"/>
+              <a:t>的情感（或者寄托了作者</a:t>
+            </a:r>
+            <a:r>
+              <a:rPr lang="en-US" altLang="zh-CN" dirty="0"/>
+              <a:t>······</a:t>
+            </a:r>
+            <a:r>
+              <a:rPr lang="zh-CN" altLang="en-US" dirty="0"/>
+              <a:t>的思想感情）</a:t>
+            </a:r>
+          </a:p>
+          <a:p>
+            <a:endParaRPr lang="zh-CN" altLang="en-US" dirty="0"/>
+          </a:p>
+        </p:txBody>
+      </p:sp>
+    </p:spTree>
+    <p:extLst>
+      <p:ext uri="{BB962C8B-B14F-4D97-AF65-F5344CB8AC3E}">
+        <p14:creationId xmlns:p14="http://schemas.microsoft.com/office/powerpoint/2010/main" val="2420938733"/>
+      </p:ext>
+    </p:extLst>
+  </p:cSld>
+  <p:clrMapOvr>
+    <a:masterClrMapping/>
+  </p:clrMapOvr>
+</p:sld>
+</file>
+
+<file path=ppt/slides/slide22.xml><?xml version="1.0" encoding="utf-8"?>
+<p:sld xmlns:a="http://schemas.openxmlformats.org/drawingml/2006/main" xmlns:r="http://schemas.openxmlformats.org/officeDocument/2006/relationships" xmlns:p="http://schemas.openxmlformats.org/presentationml/2006/main">
+  <p:cSld>
+    <p:spTree>
+      <p:nvGrpSpPr>
+        <p:cNvPr id="1" name=""/>
+        <p:cNvGrpSpPr/>
+        <p:nvPr/>
+      </p:nvGrpSpPr>
+      <p:grpSpPr>
+        <a:xfrm>
+          <a:off x="0" y="0"/>
+          <a:ext cx="0" cy="0"/>
+          <a:chOff x="0" y="0"/>
+          <a:chExt cx="0" cy="0"/>
+        </a:xfrm>
+      </p:grpSpPr>
+      <p:sp>
+        <p:nvSpPr>
+          <p:cNvPr id="2" name="标题 1">
+            <a:extLst>
+              <a:ext uri="{FF2B5EF4-FFF2-40B4-BE49-F238E27FC236}">
+                <a16:creationId xmlns:a16="http://schemas.microsoft.com/office/drawing/2014/main" id="{702B5110-73C9-0CE9-C637-69A4EBC76B33}"/>
+              </a:ext>
+            </a:extLst>
+          </p:cNvPr>
+          <p:cNvSpPr>
+            <a:spLocks noGrp="1"/>
+          </p:cNvSpPr>
+          <p:nvPr>
+            <p:ph type="title"/>
+          </p:nvPr>
+        </p:nvSpPr>
+        <p:spPr/>
+        <p:txBody>
+          <a:bodyPr/>
+          <a:lstStyle/>
+          <a:p>
+            <a:r>
+              <a:rPr lang="zh-CN" altLang="en-US" dirty="0"/>
+              <a:t>七、修辞方法及作用</a:t>
+            </a:r>
+          </a:p>
+        </p:txBody>
+      </p:sp>
+      <p:sp>
+        <p:nvSpPr>
+          <p:cNvPr id="3" name="内容占位符 2">
+            <a:extLst>
+              <a:ext uri="{FF2B5EF4-FFF2-40B4-BE49-F238E27FC236}">
+                <a16:creationId xmlns:a16="http://schemas.microsoft.com/office/drawing/2014/main" id="{D9825F42-F791-7A40-FA6B-8BBFAD69F0D8}"/>
+              </a:ext>
+            </a:extLst>
+          </p:cNvPr>
+          <p:cNvSpPr>
+            <a:spLocks noGrp="1"/>
+          </p:cNvSpPr>
+          <p:nvPr>
+            <p:ph idx="1"/>
+          </p:nvPr>
+        </p:nvSpPr>
+        <p:spPr/>
+        <p:txBody>
+          <a:bodyPr/>
+          <a:lstStyle/>
+          <a:p>
+            <a:r>
+              <a:rPr lang="en-US" altLang="zh-CN" dirty="0"/>
+              <a:t>A.</a:t>
+            </a:r>
+            <a:r>
+              <a:rPr lang="zh-CN" altLang="en-US" dirty="0"/>
+              <a:t>比喻：生动形象</a:t>
+            </a:r>
+          </a:p>
+          <a:p>
+            <a:r>
+              <a:rPr lang="en-US" altLang="zh-CN" dirty="0"/>
+              <a:t>B.</a:t>
+            </a:r>
+            <a:r>
+              <a:rPr lang="zh-CN" altLang="en-US" dirty="0"/>
+              <a:t>比拟：生动形象</a:t>
+            </a:r>
+          </a:p>
+          <a:p>
+            <a:r>
+              <a:rPr lang="en-US" altLang="zh-CN" dirty="0"/>
+              <a:t>C.</a:t>
+            </a:r>
+            <a:r>
+              <a:rPr lang="zh-CN" altLang="en-US" dirty="0"/>
+              <a:t>夸张：突出事物本质，烘托气氛，加强渲染力，引起联想效果。</a:t>
+            </a:r>
+          </a:p>
+          <a:p>
+            <a:r>
+              <a:rPr lang="en-US" altLang="zh-CN" dirty="0"/>
+              <a:t>D.</a:t>
+            </a:r>
+            <a:r>
+              <a:rPr lang="zh-CN" altLang="en-US" dirty="0"/>
+              <a:t>排比：加强语势，使文章的节奏感加强，更利于表达强烈的感情。</a:t>
+            </a:r>
+          </a:p>
+          <a:p>
+            <a:r>
+              <a:rPr lang="en-US" altLang="zh-CN" dirty="0"/>
+              <a:t>E.</a:t>
+            </a:r>
+            <a:r>
+              <a:rPr lang="zh-CN" altLang="en-US" dirty="0"/>
+              <a:t>对偶：整齐匀称，节奏感强，高度概括，易于记忆，有音乐美。</a:t>
+            </a:r>
+          </a:p>
+          <a:p>
+            <a:r>
+              <a:rPr lang="en-US" altLang="zh-CN" dirty="0"/>
+              <a:t>F.</a:t>
+            </a:r>
+            <a:r>
+              <a:rPr lang="zh-CN" altLang="en-US" dirty="0"/>
+              <a:t>反复：强调突出某种事物或某种感情。</a:t>
+            </a:r>
+          </a:p>
+          <a:p>
+            <a:endParaRPr lang="zh-CN" altLang="en-US" dirty="0"/>
+          </a:p>
+        </p:txBody>
+      </p:sp>
+    </p:spTree>
+    <p:extLst>
+      <p:ext uri="{BB962C8B-B14F-4D97-AF65-F5344CB8AC3E}">
+        <p14:creationId xmlns:p14="http://schemas.microsoft.com/office/powerpoint/2010/main" val="664373643"/>
+      </p:ext>
+    </p:extLst>
+  </p:cSld>
+  <p:clrMapOvr>
+    <a:masterClrMapping/>
+  </p:clrMapOvr>
+</p:sld>
+</file>
+
+<file path=ppt/slides/slide23.xml><?xml version="1.0" encoding="utf-8"?>
+<p:sld xmlns:a="http://schemas.openxmlformats.org/drawingml/2006/main" xmlns:r="http://schemas.openxmlformats.org/officeDocument/2006/relationships" xmlns:p="http://schemas.openxmlformats.org/presentationml/2006/main">
+  <p:cSld>
+    <p:spTree>
+      <p:nvGrpSpPr>
+        <p:cNvPr id="1" name=""/>
+        <p:cNvGrpSpPr/>
+        <p:nvPr/>
+      </p:nvGrpSpPr>
+      <p:grpSpPr>
+        <a:xfrm>
+          <a:off x="0" y="0"/>
+          <a:ext cx="0" cy="0"/>
+          <a:chOff x="0" y="0"/>
+          <a:chExt cx="0" cy="0"/>
+        </a:xfrm>
+      </p:grpSpPr>
+      <p:sp>
+        <p:nvSpPr>
+          <p:cNvPr id="2" name="标题 1">
+            <a:extLst>
+              <a:ext uri="{FF2B5EF4-FFF2-40B4-BE49-F238E27FC236}">
+                <a16:creationId xmlns:a16="http://schemas.microsoft.com/office/drawing/2014/main" id="{702B5110-73C9-0CE9-C637-69A4EBC76B33}"/>
+              </a:ext>
+            </a:extLst>
+          </p:cNvPr>
+          <p:cNvSpPr>
+            <a:spLocks noGrp="1"/>
+          </p:cNvSpPr>
+          <p:nvPr>
+            <p:ph type="title"/>
+          </p:nvPr>
+        </p:nvSpPr>
+        <p:spPr/>
+        <p:txBody>
+          <a:bodyPr/>
+          <a:lstStyle/>
+          <a:p>
+            <a:endParaRPr lang="zh-CN" altLang="en-US" dirty="0"/>
+          </a:p>
+        </p:txBody>
+      </p:sp>
+      <p:sp>
+        <p:nvSpPr>
+          <p:cNvPr id="3" name="内容占位符 2">
+            <a:extLst>
+              <a:ext uri="{FF2B5EF4-FFF2-40B4-BE49-F238E27FC236}">
+                <a16:creationId xmlns:a16="http://schemas.microsoft.com/office/drawing/2014/main" id="{D9825F42-F791-7A40-FA6B-8BBFAD69F0D8}"/>
+              </a:ext>
+            </a:extLst>
+          </p:cNvPr>
+          <p:cNvSpPr>
+            <a:spLocks noGrp="1"/>
+          </p:cNvSpPr>
+          <p:nvPr>
+            <p:ph idx="1"/>
+          </p:nvPr>
+        </p:nvSpPr>
+        <p:spPr/>
+        <p:txBody>
+          <a:bodyPr/>
+          <a:lstStyle/>
+          <a:p>
+            <a:r>
+              <a:rPr lang="en-US" altLang="zh-CN" dirty="0"/>
+              <a:t>G.</a:t>
+            </a:r>
+            <a:r>
+              <a:rPr lang="zh-CN" altLang="en-US" dirty="0"/>
+              <a:t>设问：引起注意，引发读者思考。</a:t>
+            </a:r>
+          </a:p>
+          <a:p>
+            <a:r>
+              <a:rPr lang="en-US" altLang="zh-CN" dirty="0"/>
+              <a:t>H.</a:t>
+            </a:r>
+            <a:r>
+              <a:rPr lang="zh-CN" altLang="en-US" dirty="0"/>
+              <a:t>反问：加强语气，发人深思，激发读者感情，加深读者印象，增强文章的气势和说服力。</a:t>
+            </a:r>
+          </a:p>
+          <a:p>
+            <a:r>
+              <a:rPr lang="en-US" altLang="zh-CN" dirty="0"/>
+              <a:t>R.</a:t>
+            </a:r>
+            <a:r>
+              <a:rPr lang="zh-CN" altLang="en-US" dirty="0"/>
+              <a:t>引用：语言凝练，言简意赅，增强文章的诗情画意或者文化内涵，有时候也加强真实性或起印证作用。</a:t>
+            </a:r>
+          </a:p>
+          <a:p>
+            <a:r>
+              <a:rPr lang="en-US" altLang="zh-CN" dirty="0"/>
+              <a:t>J.</a:t>
+            </a:r>
+            <a:r>
+              <a:rPr lang="zh-CN" altLang="en-US" dirty="0"/>
+              <a:t>反语：加强表达效果，产生幽默感、讽刺性或更加强烈地表示亲密有好的感情。</a:t>
+            </a:r>
+          </a:p>
+          <a:p>
+            <a:endParaRPr lang="zh-CN" altLang="en-US" dirty="0"/>
+          </a:p>
+        </p:txBody>
+      </p:sp>
+    </p:spTree>
+    <p:extLst>
+      <p:ext uri="{BB962C8B-B14F-4D97-AF65-F5344CB8AC3E}">
+        <p14:creationId xmlns:p14="http://schemas.microsoft.com/office/powerpoint/2010/main" val="4054262711"/>
+      </p:ext>
+    </p:extLst>
+  </p:cSld>
+  <p:clrMapOvr>
+    <a:masterClrMapping/>
+  </p:clrMapOvr>
+</p:sld>
+</file>
+
+<file path=ppt/slides/slide24.xml><?xml version="1.0" encoding="utf-8"?>
+<p:sld xmlns:a="http://schemas.openxmlformats.org/drawingml/2006/main" xmlns:r="http://schemas.openxmlformats.org/officeDocument/2006/relationships" xmlns:p="http://schemas.openxmlformats.org/presentationml/2006/main">
+  <p:cSld>
+    <p:spTree>
+      <p:nvGrpSpPr>
+        <p:cNvPr id="1" name=""/>
+        <p:cNvGrpSpPr/>
+        <p:nvPr/>
+      </p:nvGrpSpPr>
+      <p:grpSpPr>
+        <a:xfrm>
+          <a:off x="0" y="0"/>
+          <a:ext cx="0" cy="0"/>
+          <a:chOff x="0" y="0"/>
+          <a:chExt cx="0" cy="0"/>
+        </a:xfrm>
+      </p:grpSpPr>
+      <p:sp>
+        <p:nvSpPr>
+          <p:cNvPr id="2" name="标题 1">
+            <a:extLst>
+              <a:ext uri="{FF2B5EF4-FFF2-40B4-BE49-F238E27FC236}">
+                <a16:creationId xmlns:a16="http://schemas.microsoft.com/office/drawing/2014/main" id="{702B5110-73C9-0CE9-C637-69A4EBC76B33}"/>
+              </a:ext>
+            </a:extLst>
+          </p:cNvPr>
+          <p:cNvSpPr>
+            <a:spLocks noGrp="1"/>
+          </p:cNvSpPr>
+          <p:nvPr>
+            <p:ph type="title"/>
+          </p:nvPr>
+        </p:nvSpPr>
+        <p:spPr/>
+        <p:txBody>
+          <a:bodyPr/>
+          <a:lstStyle/>
+          <a:p>
+            <a:endParaRPr lang="zh-CN" altLang="en-US" dirty="0"/>
+          </a:p>
+        </p:txBody>
+      </p:sp>
+      <p:sp>
+        <p:nvSpPr>
+          <p:cNvPr id="3" name="内容占位符 2">
+            <a:extLst>
+              <a:ext uri="{FF2B5EF4-FFF2-40B4-BE49-F238E27FC236}">
+                <a16:creationId xmlns:a16="http://schemas.microsoft.com/office/drawing/2014/main" id="{D9825F42-F791-7A40-FA6B-8BBFAD69F0D8}"/>
+              </a:ext>
+            </a:extLst>
+          </p:cNvPr>
+          <p:cNvSpPr>
+            <a:spLocks noGrp="1"/>
+          </p:cNvSpPr>
+          <p:nvPr>
+            <p:ph idx="1"/>
+          </p:nvPr>
+        </p:nvSpPr>
+        <p:spPr/>
+        <p:txBody>
+          <a:bodyPr/>
+          <a:lstStyle/>
+          <a:p>
+            <a:r>
+              <a:rPr lang="en-US" altLang="zh-CN" dirty="0"/>
+              <a:t>【</a:t>
+            </a:r>
+            <a:r>
+              <a:rPr lang="zh-CN" altLang="en-US" dirty="0"/>
+              <a:t>答题公式</a:t>
+            </a:r>
+            <a:r>
+              <a:rPr lang="en-US" altLang="zh-CN" dirty="0"/>
+              <a:t>】</a:t>
+            </a:r>
+            <a:r>
+              <a:rPr lang="zh-CN" altLang="en-US" dirty="0"/>
+              <a:t>修辞方法</a:t>
+            </a:r>
+            <a:r>
+              <a:rPr lang="en-US" altLang="zh-CN" dirty="0"/>
+              <a:t>+</a:t>
+            </a:r>
+            <a:r>
+              <a:rPr lang="zh-CN" altLang="en-US" dirty="0"/>
+              <a:t>结合具体的题对修辞进行描述</a:t>
+            </a:r>
+            <a:r>
+              <a:rPr lang="en-US" altLang="zh-CN" dirty="0"/>
+              <a:t>+</a:t>
+            </a:r>
+            <a:r>
+              <a:rPr lang="zh-CN" altLang="en-US" dirty="0"/>
+              <a:t>效果词</a:t>
+            </a:r>
+            <a:r>
+              <a:rPr lang="en-US" altLang="zh-CN" dirty="0"/>
+              <a:t>+</a:t>
+            </a:r>
+            <a:r>
+              <a:rPr lang="zh-CN" altLang="en-US" dirty="0"/>
+              <a:t>写出了人或事物的</a:t>
+            </a:r>
+            <a:r>
+              <a:rPr lang="en-US" altLang="zh-CN" dirty="0"/>
+              <a:t>XX</a:t>
+            </a:r>
+            <a:r>
+              <a:rPr lang="zh-CN" altLang="en-US" dirty="0"/>
+              <a:t>特点</a:t>
+            </a:r>
+            <a:r>
+              <a:rPr lang="en-US" altLang="zh-CN" dirty="0"/>
+              <a:t>+</a:t>
+            </a:r>
+            <a:r>
+              <a:rPr lang="zh-CN" altLang="en-US" dirty="0"/>
+              <a:t>表达（抒发）了作者的</a:t>
+            </a:r>
+            <a:r>
+              <a:rPr lang="en-US" altLang="zh-CN" dirty="0"/>
+              <a:t>XX</a:t>
+            </a:r>
+            <a:r>
+              <a:rPr lang="zh-CN" altLang="en-US" dirty="0"/>
+              <a:t>感情等（或写出了人物的</a:t>
+            </a:r>
+            <a:r>
+              <a:rPr lang="en-US" altLang="zh-CN" dirty="0"/>
+              <a:t>XX</a:t>
+            </a:r>
+            <a:r>
+              <a:rPr lang="zh-CN" altLang="en-US" dirty="0"/>
+              <a:t>性格等）。</a:t>
+            </a:r>
+          </a:p>
+        </p:txBody>
+      </p:sp>
+    </p:spTree>
+    <p:extLst>
+      <p:ext uri="{BB962C8B-B14F-4D97-AF65-F5344CB8AC3E}">
+        <p14:creationId xmlns:p14="http://schemas.microsoft.com/office/powerpoint/2010/main" val="1138741781"/>
+      </p:ext>
+    </p:extLst>
+  </p:cSld>
+  <p:clrMapOvr>
+    <a:masterClrMapping/>
+  </p:clrMapOvr>
+</p:sld>
+</file>
+
+<file path=ppt/slides/slide25.xml><?xml version="1.0" encoding="utf-8"?>
+<p:sld xmlns:a="http://schemas.openxmlformats.org/drawingml/2006/main" xmlns:r="http://schemas.openxmlformats.org/officeDocument/2006/relationships" xmlns:p="http://schemas.openxmlformats.org/presentationml/2006/main">
+  <p:cSld>
+    <p:spTree>
+      <p:nvGrpSpPr>
+        <p:cNvPr id="1" name=""/>
+        <p:cNvGrpSpPr/>
+        <p:nvPr/>
+      </p:nvGrpSpPr>
+      <p:grpSpPr>
+        <a:xfrm>
+          <a:off x="0" y="0"/>
+          <a:ext cx="0" cy="0"/>
+          <a:chOff x="0" y="0"/>
+          <a:chExt cx="0" cy="0"/>
+        </a:xfrm>
+      </p:grpSpPr>
+      <p:sp>
+        <p:nvSpPr>
+          <p:cNvPr id="2" name="标题 1">
+            <a:extLst>
+              <a:ext uri="{FF2B5EF4-FFF2-40B4-BE49-F238E27FC236}">
+                <a16:creationId xmlns:a16="http://schemas.microsoft.com/office/drawing/2014/main" id="{702B5110-73C9-0CE9-C637-69A4EBC76B33}"/>
+              </a:ext>
+            </a:extLst>
+          </p:cNvPr>
+          <p:cNvSpPr>
+            <a:spLocks noGrp="1"/>
+          </p:cNvSpPr>
+          <p:nvPr>
+            <p:ph type="title"/>
+          </p:nvPr>
+        </p:nvSpPr>
+        <p:spPr/>
+        <p:txBody>
+          <a:bodyPr/>
+          <a:lstStyle/>
+          <a:p>
+            <a:r>
+              <a:rPr lang="zh-CN" altLang="en-US" dirty="0"/>
+              <a:t>注意：对于单个的句子也可采用下列公式：</a:t>
+            </a:r>
+          </a:p>
+        </p:txBody>
+      </p:sp>
+      <p:sp>
+        <p:nvSpPr>
+          <p:cNvPr id="3" name="内容占位符 2">
+            <a:extLst>
+              <a:ext uri="{FF2B5EF4-FFF2-40B4-BE49-F238E27FC236}">
+                <a16:creationId xmlns:a16="http://schemas.microsoft.com/office/drawing/2014/main" id="{D9825F42-F791-7A40-FA6B-8BBFAD69F0D8}"/>
+              </a:ext>
+            </a:extLst>
+          </p:cNvPr>
+          <p:cNvSpPr>
+            <a:spLocks noGrp="1"/>
+          </p:cNvSpPr>
+          <p:nvPr>
+            <p:ph idx="1"/>
+          </p:nvPr>
+        </p:nvSpPr>
+        <p:spPr>
+          <a:xfrm>
+            <a:off x="838200" y="1825625"/>
+            <a:ext cx="10515600" cy="4430796"/>
+          </a:xfrm>
+        </p:spPr>
+        <p:txBody>
+          <a:bodyPr>
+            <a:normAutofit fontScale="92500"/>
+          </a:bodyPr>
+          <a:lstStyle/>
+          <a:p>
+            <a:r>
+              <a:rPr lang="zh-CN" altLang="en-US" dirty="0"/>
+              <a:t>比喻：</a:t>
+            </a:r>
+            <a:r>
+              <a:rPr lang="en-US" altLang="zh-CN" dirty="0"/>
+              <a:t>……</a:t>
+            </a:r>
+            <a:r>
+              <a:rPr lang="zh-CN" altLang="en-US" dirty="0"/>
+              <a:t>采用了比喻的修辞手法</a:t>
+            </a:r>
+            <a:r>
+              <a:rPr lang="en-US" altLang="zh-CN" dirty="0"/>
+              <a:t>,</a:t>
+            </a:r>
+            <a:r>
+              <a:rPr lang="zh-CN" altLang="en-US" dirty="0"/>
+              <a:t>将什么比做什么，形象生动描写了</a:t>
+            </a:r>
+            <a:r>
+              <a:rPr lang="en-US" altLang="zh-CN" dirty="0"/>
+              <a:t>……</a:t>
+            </a:r>
+            <a:r>
+              <a:rPr lang="zh-CN" altLang="en-US" dirty="0"/>
+              <a:t>，表现了作者对</a:t>
+            </a:r>
+            <a:r>
+              <a:rPr lang="en-US" altLang="zh-CN" dirty="0"/>
+              <a:t>……</a:t>
+            </a:r>
+            <a:r>
+              <a:rPr lang="zh-CN" altLang="en-US" dirty="0"/>
+              <a:t>的感情。  </a:t>
+            </a:r>
+          </a:p>
+          <a:p>
+            <a:r>
+              <a:rPr lang="zh-CN" altLang="en-US" dirty="0"/>
+              <a:t>拟人：</a:t>
+            </a:r>
+            <a:r>
+              <a:rPr lang="en-US" altLang="zh-CN" dirty="0"/>
+              <a:t>……</a:t>
+            </a:r>
+            <a:r>
+              <a:rPr lang="zh-CN" altLang="en-US" dirty="0"/>
+              <a:t>采用了拟人的修辞手法，将</a:t>
+            </a:r>
+            <a:r>
+              <a:rPr lang="en-US" altLang="zh-CN" dirty="0"/>
+              <a:t>……</a:t>
+            </a:r>
+            <a:r>
+              <a:rPr lang="zh-CN" altLang="en-US" dirty="0"/>
+              <a:t>赋与人的情感与性格来写，表现了作者对</a:t>
+            </a:r>
+            <a:r>
+              <a:rPr lang="en-US" altLang="zh-CN" dirty="0"/>
+              <a:t>……</a:t>
+            </a:r>
+            <a:r>
+              <a:rPr lang="zh-CN" altLang="en-US" dirty="0"/>
+              <a:t>的感情，十分形象，生动（或栩栩如生，逼真）。  </a:t>
+            </a:r>
+          </a:p>
+          <a:p>
+            <a:r>
+              <a:rPr lang="zh-CN" altLang="en-US" dirty="0"/>
+              <a:t>夸张：</a:t>
+            </a:r>
+            <a:r>
+              <a:rPr lang="en-US" altLang="zh-CN" dirty="0"/>
+              <a:t>……</a:t>
+            </a:r>
+            <a:r>
+              <a:rPr lang="zh-CN" altLang="en-US" dirty="0"/>
+              <a:t>采用了夸张的修辞手法，描写了</a:t>
+            </a:r>
+            <a:r>
+              <a:rPr lang="en-US" altLang="zh-CN" dirty="0"/>
+              <a:t>……</a:t>
+            </a:r>
+            <a:r>
+              <a:rPr lang="zh-CN" altLang="en-US" dirty="0"/>
+              <a:t>，表达了作者</a:t>
+            </a:r>
+            <a:r>
+              <a:rPr lang="en-US" altLang="zh-CN" dirty="0"/>
+              <a:t>……</a:t>
+            </a:r>
+            <a:r>
+              <a:rPr lang="zh-CN" altLang="en-US" dirty="0"/>
+              <a:t>的情感，联想奇特，富于形象感。</a:t>
+            </a:r>
+          </a:p>
+          <a:p>
+            <a:r>
+              <a:rPr lang="zh-CN" altLang="en-US" dirty="0"/>
+              <a:t>引用：增强语言说服力  </a:t>
+            </a:r>
+          </a:p>
+          <a:p>
+            <a:r>
+              <a:rPr lang="zh-CN" altLang="en-US" dirty="0"/>
+              <a:t>排比：</a:t>
+            </a:r>
+            <a:r>
+              <a:rPr lang="en-US" altLang="zh-CN" dirty="0"/>
+              <a:t>……</a:t>
+            </a:r>
+            <a:r>
+              <a:rPr lang="zh-CN" altLang="en-US" dirty="0"/>
+              <a:t>采用了排比的修辞手法，描写了</a:t>
+            </a:r>
+            <a:r>
+              <a:rPr lang="en-US" altLang="zh-CN" dirty="0"/>
+              <a:t>……</a:t>
+            </a:r>
+            <a:r>
+              <a:rPr lang="zh-CN" altLang="en-US" dirty="0"/>
+              <a:t>的情景，集中地表达了作者</a:t>
+            </a:r>
+            <a:r>
+              <a:rPr lang="en-US" altLang="zh-CN" dirty="0"/>
+              <a:t>……</a:t>
+            </a:r>
+            <a:r>
+              <a:rPr lang="zh-CN" altLang="en-US" dirty="0"/>
+              <a:t>的感情，节奏明快，增强了语言的气势。  </a:t>
+            </a:r>
+          </a:p>
+          <a:p>
+            <a:r>
+              <a:rPr lang="zh-CN" altLang="en-US" dirty="0"/>
+              <a:t>设问：自问自答，引起读者思考 ，使文章有起伏。 </a:t>
+            </a:r>
+          </a:p>
+        </p:txBody>
+      </p:sp>
+    </p:spTree>
+    <p:extLst>
+      <p:ext uri="{BB962C8B-B14F-4D97-AF65-F5344CB8AC3E}">
+        <p14:creationId xmlns:p14="http://schemas.microsoft.com/office/powerpoint/2010/main" val="2253795256"/>
+      </p:ext>
+    </p:extLst>
+  </p:cSld>
+  <p:clrMapOvr>
+    <a:masterClrMapping/>
+  </p:clrMapOvr>
+</p:sld>
+</file>
+
+<file path=ppt/slides/slide26.xml><?xml version="1.0" encoding="utf-8"?>
+<p:sld xmlns:a="http://schemas.openxmlformats.org/drawingml/2006/main" xmlns:r="http://schemas.openxmlformats.org/officeDocument/2006/relationships" xmlns:p="http://schemas.openxmlformats.org/presentationml/2006/main">
+  <p:cSld>
+    <p:spTree>
+      <p:nvGrpSpPr>
+        <p:cNvPr id="1" name=""/>
+        <p:cNvGrpSpPr/>
+        <p:nvPr/>
+      </p:nvGrpSpPr>
+      <p:grpSpPr>
+        <a:xfrm>
+          <a:off x="0" y="0"/>
+          <a:ext cx="0" cy="0"/>
+          <a:chOff x="0" y="0"/>
+          <a:chExt cx="0" cy="0"/>
+        </a:xfrm>
+      </p:grpSpPr>
+      <p:sp>
+        <p:nvSpPr>
+          <p:cNvPr id="2" name="标题 1">
+            <a:extLst>
+              <a:ext uri="{FF2B5EF4-FFF2-40B4-BE49-F238E27FC236}">
+                <a16:creationId xmlns:a16="http://schemas.microsoft.com/office/drawing/2014/main" id="{702B5110-73C9-0CE9-C637-69A4EBC76B33}"/>
+              </a:ext>
+            </a:extLst>
+          </p:cNvPr>
+          <p:cNvSpPr>
+            <a:spLocks noGrp="1"/>
+          </p:cNvSpPr>
+          <p:nvPr>
+            <p:ph type="title"/>
+          </p:nvPr>
+        </p:nvSpPr>
+        <p:spPr/>
+        <p:txBody>
+          <a:bodyPr/>
+          <a:lstStyle/>
+          <a:p>
+            <a:endParaRPr lang="zh-CN" altLang="en-US" dirty="0"/>
+          </a:p>
+        </p:txBody>
+      </p:sp>
+      <p:sp>
+        <p:nvSpPr>
+          <p:cNvPr id="3" name="内容占位符 2">
+            <a:extLst>
+              <a:ext uri="{FF2B5EF4-FFF2-40B4-BE49-F238E27FC236}">
+                <a16:creationId xmlns:a16="http://schemas.microsoft.com/office/drawing/2014/main" id="{D9825F42-F791-7A40-FA6B-8BBFAD69F0D8}"/>
+              </a:ext>
+            </a:extLst>
+          </p:cNvPr>
+          <p:cNvSpPr>
+            <a:spLocks noGrp="1"/>
+          </p:cNvSpPr>
+          <p:nvPr>
+            <p:ph idx="1"/>
+          </p:nvPr>
+        </p:nvSpPr>
+        <p:spPr/>
+        <p:txBody>
+          <a:bodyPr/>
+          <a:lstStyle/>
+          <a:p>
+            <a:r>
+              <a:rPr lang="zh-CN" altLang="en-US" dirty="0"/>
+              <a:t>反问：</a:t>
+            </a:r>
+            <a:r>
+              <a:rPr lang="en-US" altLang="zh-CN" dirty="0"/>
+              <a:t>……</a:t>
+            </a:r>
+            <a:r>
+              <a:rPr lang="zh-CN" altLang="en-US" dirty="0"/>
+              <a:t>采用了反问的修辞手法，用反问的句式把作者</a:t>
+            </a:r>
+            <a:r>
+              <a:rPr lang="en-US" altLang="zh-CN" dirty="0"/>
+              <a:t>……</a:t>
+            </a:r>
+            <a:r>
+              <a:rPr lang="zh-CN" altLang="en-US" dirty="0"/>
+              <a:t>的感情表达出来，语气更强烈，表达的思想也更强烈。使文章有起伏。  </a:t>
+            </a:r>
+          </a:p>
+          <a:p>
+            <a:r>
+              <a:rPr lang="zh-CN" altLang="en-US" dirty="0"/>
+              <a:t>对偶：</a:t>
+            </a:r>
+            <a:r>
+              <a:rPr lang="en-US" altLang="zh-CN" dirty="0"/>
+              <a:t>……</a:t>
+            </a:r>
+            <a:r>
+              <a:rPr lang="zh-CN" altLang="en-US" dirty="0"/>
+              <a:t>采用了对偶的修辞手法，描写了</a:t>
+            </a:r>
+            <a:r>
+              <a:rPr lang="en-US" altLang="zh-CN" dirty="0"/>
+              <a:t>……</a:t>
+            </a:r>
+            <a:r>
+              <a:rPr lang="zh-CN" altLang="en-US" dirty="0"/>
+              <a:t>，抒发了作者对</a:t>
+            </a:r>
+            <a:r>
+              <a:rPr lang="en-US" altLang="zh-CN" dirty="0"/>
+              <a:t>……</a:t>
+            </a:r>
+            <a:r>
+              <a:rPr lang="zh-CN" altLang="en-US" dirty="0"/>
+              <a:t>的感情，节奏明快，富于音乐美。</a:t>
+            </a:r>
+            <a:r>
+              <a:rPr lang="en-US" altLang="zh-CN" dirty="0"/>
+              <a:t>(</a:t>
+            </a:r>
+            <a:r>
+              <a:rPr lang="zh-CN" altLang="en-US" dirty="0"/>
+              <a:t>红色的字体为效果词，在赏析句子时是得分点</a:t>
+            </a:r>
+            <a:r>
+              <a:rPr lang="en-US" altLang="zh-CN" dirty="0"/>
+              <a:t>)  </a:t>
+            </a:r>
+          </a:p>
+          <a:p>
+            <a:r>
+              <a:rPr lang="zh-CN" altLang="en-US" dirty="0"/>
+              <a:t>模式</a:t>
+            </a:r>
+            <a:r>
+              <a:rPr lang="en-US" altLang="zh-CN" dirty="0"/>
+              <a:t>: (1).</a:t>
+            </a:r>
+            <a:r>
+              <a:rPr lang="zh-CN" altLang="en-US" dirty="0"/>
+              <a:t>点明何种表现手法 </a:t>
+            </a:r>
+            <a:r>
+              <a:rPr lang="en-US" altLang="zh-CN" dirty="0"/>
+              <a:t>(2). </a:t>
+            </a:r>
+            <a:r>
+              <a:rPr lang="zh-CN" altLang="en-US" dirty="0"/>
+              <a:t>表现了什么内容</a:t>
+            </a:r>
+            <a:r>
+              <a:rPr lang="en-US" altLang="zh-CN" dirty="0"/>
+              <a:t>(3).</a:t>
+            </a:r>
+            <a:r>
+              <a:rPr lang="zh-CN" altLang="en-US" dirty="0"/>
+              <a:t>表达了怎样的感情</a:t>
+            </a:r>
+            <a:r>
+              <a:rPr lang="en-US" altLang="zh-CN" dirty="0"/>
+              <a:t>? </a:t>
+            </a:r>
+            <a:r>
+              <a:rPr lang="zh-CN" altLang="en-US" dirty="0"/>
+              <a:t>如：此句运用了    ，从而生动形象表现了     ，表达了        。</a:t>
+            </a:r>
+          </a:p>
+          <a:p>
+            <a:r>
+              <a:rPr lang="zh-CN" altLang="en-US" dirty="0"/>
+              <a:t>（注意：修辞手法的考查主要在赏析句子的时候用到。但是赏析句子不能仅仅局限于修辞手法，还要有描写手法、表现手法等）</a:t>
+            </a:r>
+          </a:p>
+          <a:p>
+            <a:endParaRPr lang="zh-CN" altLang="en-US" dirty="0"/>
+          </a:p>
+        </p:txBody>
+      </p:sp>
+    </p:spTree>
+    <p:extLst>
+      <p:ext uri="{BB962C8B-B14F-4D97-AF65-F5344CB8AC3E}">
+        <p14:creationId xmlns:p14="http://schemas.microsoft.com/office/powerpoint/2010/main" val="3531315546"/>
+      </p:ext>
+    </p:extLst>
+  </p:cSld>
+  <p:clrMapOvr>
+    <a:masterClrMapping/>
+  </p:clrMapOvr>
+</p:sld>
+</file>
+
+<file path=ppt/slides/slide27.xml><?xml version="1.0" encoding="utf-8"?>
+<p:sld xmlns:a="http://schemas.openxmlformats.org/drawingml/2006/main" xmlns:r="http://schemas.openxmlformats.org/officeDocument/2006/relationships" xmlns:p="http://schemas.openxmlformats.org/presentationml/2006/main">
+  <p:cSld>
+    <p:spTree>
+      <p:nvGrpSpPr>
+        <p:cNvPr id="1" name=""/>
+        <p:cNvGrpSpPr/>
+        <p:nvPr/>
+      </p:nvGrpSpPr>
+      <p:grpSpPr>
+        <a:xfrm>
+          <a:off x="0" y="0"/>
+          <a:ext cx="0" cy="0"/>
+          <a:chOff x="0" y="0"/>
+          <a:chExt cx="0" cy="0"/>
+        </a:xfrm>
+      </p:grpSpPr>
+      <p:sp>
+        <p:nvSpPr>
+          <p:cNvPr id="2" name="标题 1">
+            <a:extLst>
+              <a:ext uri="{FF2B5EF4-FFF2-40B4-BE49-F238E27FC236}">
+                <a16:creationId xmlns:a16="http://schemas.microsoft.com/office/drawing/2014/main" id="{702B5110-73C9-0CE9-C637-69A4EBC76B33}"/>
+              </a:ext>
+            </a:extLst>
+          </p:cNvPr>
+          <p:cNvSpPr>
+            <a:spLocks noGrp="1"/>
+          </p:cNvSpPr>
+          <p:nvPr>
+            <p:ph type="title"/>
+          </p:nvPr>
+        </p:nvSpPr>
+        <p:spPr/>
+        <p:txBody>
+          <a:bodyPr/>
+          <a:lstStyle/>
+          <a:p>
+            <a:r>
+              <a:rPr lang="zh-CN" altLang="en-US" dirty="0"/>
+              <a:t>八，理解重要词语的含义和作用</a:t>
+            </a:r>
+          </a:p>
+        </p:txBody>
+      </p:sp>
+      <p:sp>
+        <p:nvSpPr>
+          <p:cNvPr id="3" name="内容占位符 2">
+            <a:extLst>
+              <a:ext uri="{FF2B5EF4-FFF2-40B4-BE49-F238E27FC236}">
+                <a16:creationId xmlns:a16="http://schemas.microsoft.com/office/drawing/2014/main" id="{D9825F42-F791-7A40-FA6B-8BBFAD69F0D8}"/>
+              </a:ext>
+            </a:extLst>
+          </p:cNvPr>
+          <p:cNvSpPr>
+            <a:spLocks noGrp="1"/>
+          </p:cNvSpPr>
+          <p:nvPr>
+            <p:ph idx="1"/>
+          </p:nvPr>
+        </p:nvSpPr>
+        <p:spPr/>
+        <p:txBody>
+          <a:bodyPr/>
+          <a:lstStyle/>
+          <a:p>
+            <a:r>
+              <a:rPr lang="zh-CN" altLang="en-US" dirty="0"/>
+              <a:t>（</a:t>
+            </a:r>
+            <a:r>
+              <a:rPr lang="en-US" altLang="zh-CN" dirty="0"/>
+              <a:t>1</a:t>
+            </a:r>
+            <a:r>
+              <a:rPr lang="zh-CN" altLang="en-US" dirty="0"/>
+              <a:t>）某句话中某个词换成另一个行吗？为什么？ </a:t>
+            </a:r>
+          </a:p>
+          <a:p>
+            <a:r>
+              <a:rPr lang="zh-CN" altLang="en-US" dirty="0"/>
+              <a:t>动词：不行。因为该词准确生动具体地写出了</a:t>
+            </a:r>
+            <a:r>
+              <a:rPr lang="en-US" altLang="zh-CN" dirty="0"/>
+              <a:t>…… </a:t>
+            </a:r>
+          </a:p>
+          <a:p>
+            <a:r>
+              <a:rPr lang="zh-CN" altLang="en-US" dirty="0"/>
+              <a:t>形容词：不行。因为该词生动形象地描写了</a:t>
+            </a:r>
+            <a:r>
+              <a:rPr lang="en-US" altLang="zh-CN" dirty="0"/>
+              <a:t>……  </a:t>
+            </a:r>
+          </a:p>
+          <a:p>
+            <a:r>
+              <a:rPr lang="zh-CN" altLang="en-US" dirty="0"/>
+              <a:t>副词（大都，非常、只有等）：不行。因为该词准确地说明了</a:t>
+            </a:r>
+            <a:r>
+              <a:rPr lang="en-US" altLang="zh-CN" dirty="0"/>
+              <a:t>……</a:t>
+            </a:r>
+            <a:r>
+              <a:rPr lang="zh-CN" altLang="en-US" dirty="0"/>
+              <a:t>的情况（表程度，表限制，表时间，表范围等），换了后就变成</a:t>
+            </a:r>
+            <a:r>
+              <a:rPr lang="en-US" altLang="zh-CN" dirty="0"/>
+              <a:t>……</a:t>
+            </a:r>
+            <a:r>
+              <a:rPr lang="zh-CN" altLang="en-US" dirty="0"/>
+              <a:t>，与事实不符。</a:t>
+            </a:r>
+          </a:p>
+          <a:p>
+            <a:endParaRPr lang="zh-CN" altLang="en-US" dirty="0"/>
+          </a:p>
+        </p:txBody>
+      </p:sp>
+    </p:spTree>
+    <p:extLst>
+      <p:ext uri="{BB962C8B-B14F-4D97-AF65-F5344CB8AC3E}">
+        <p14:creationId xmlns:p14="http://schemas.microsoft.com/office/powerpoint/2010/main" val="767618831"/>
+      </p:ext>
+    </p:extLst>
+  </p:cSld>
+  <p:clrMapOvr>
+    <a:masterClrMapping/>
+  </p:clrMapOvr>
+</p:sld>
+</file>
+
+<file path=ppt/slides/slide28.xml><?xml version="1.0" encoding="utf-8"?>
+<p:sld xmlns:a="http://schemas.openxmlformats.org/drawingml/2006/main" xmlns:r="http://schemas.openxmlformats.org/officeDocument/2006/relationships" xmlns:p="http://schemas.openxmlformats.org/presentationml/2006/main">
+  <p:cSld>
+    <p:spTree>
+      <p:nvGrpSpPr>
+        <p:cNvPr id="1" name=""/>
+        <p:cNvGrpSpPr/>
+        <p:nvPr/>
+      </p:nvGrpSpPr>
+      <p:grpSpPr>
+        <a:xfrm>
+          <a:off x="0" y="0"/>
+          <a:ext cx="0" cy="0"/>
+          <a:chOff x="0" y="0"/>
+          <a:chExt cx="0" cy="0"/>
+        </a:xfrm>
+      </p:grpSpPr>
+      <p:sp>
+        <p:nvSpPr>
+          <p:cNvPr id="2" name="标题 1">
+            <a:extLst>
+              <a:ext uri="{FF2B5EF4-FFF2-40B4-BE49-F238E27FC236}">
+                <a16:creationId xmlns:a16="http://schemas.microsoft.com/office/drawing/2014/main" id="{702B5110-73C9-0CE9-C637-69A4EBC76B33}"/>
+              </a:ext>
+            </a:extLst>
+          </p:cNvPr>
+          <p:cNvSpPr>
+            <a:spLocks noGrp="1"/>
+          </p:cNvSpPr>
+          <p:nvPr>
+            <p:ph type="title"/>
+          </p:nvPr>
+        </p:nvSpPr>
+        <p:spPr/>
+        <p:txBody>
+          <a:bodyPr/>
+          <a:lstStyle/>
+          <a:p>
+            <a:endParaRPr lang="zh-CN" altLang="en-US" dirty="0"/>
+          </a:p>
+        </p:txBody>
+      </p:sp>
+      <p:sp>
+        <p:nvSpPr>
+          <p:cNvPr id="3" name="内容占位符 2">
+            <a:extLst>
+              <a:ext uri="{FF2B5EF4-FFF2-40B4-BE49-F238E27FC236}">
+                <a16:creationId xmlns:a16="http://schemas.microsoft.com/office/drawing/2014/main" id="{D9825F42-F791-7A40-FA6B-8BBFAD69F0D8}"/>
+              </a:ext>
+            </a:extLst>
+          </p:cNvPr>
+          <p:cNvSpPr>
+            <a:spLocks noGrp="1"/>
+          </p:cNvSpPr>
+          <p:nvPr>
+            <p:ph idx="1"/>
+          </p:nvPr>
+        </p:nvSpPr>
+        <p:spPr/>
+        <p:txBody>
+          <a:bodyPr/>
+          <a:lstStyle/>
+          <a:p>
+            <a:r>
+              <a:rPr lang="zh-CN" altLang="en-US" dirty="0"/>
+              <a:t>（</a:t>
+            </a:r>
+            <a:r>
+              <a:rPr lang="en-US" altLang="zh-CN" dirty="0"/>
+              <a:t>2</a:t>
+            </a:r>
+            <a:r>
+              <a:rPr lang="zh-CN" altLang="en-US" dirty="0"/>
+              <a:t>）一句话中某两三个词的顺序能否调换？为什么？     </a:t>
+            </a:r>
+          </a:p>
+          <a:p>
+            <a:r>
+              <a:rPr lang="zh-CN" altLang="en-US" dirty="0"/>
+              <a:t>不能。因为：  </a:t>
+            </a:r>
+          </a:p>
+          <a:p>
+            <a:r>
+              <a:rPr lang="en-US" altLang="zh-CN" dirty="0"/>
+              <a:t>a.</a:t>
+            </a:r>
+            <a:r>
+              <a:rPr lang="zh-CN" altLang="en-US" dirty="0"/>
+              <a:t>与人们认识事物的（由浅入深、由表入里、由现象到本质）规律不一致。</a:t>
+            </a:r>
+          </a:p>
+          <a:p>
+            <a:r>
+              <a:rPr lang="en-US" altLang="zh-CN" dirty="0"/>
+              <a:t>b.</a:t>
+            </a:r>
+            <a:r>
+              <a:rPr lang="zh-CN" altLang="en-US" dirty="0"/>
+              <a:t>该词与上文是一一对应的关系。</a:t>
+            </a:r>
+          </a:p>
+          <a:p>
+            <a:r>
+              <a:rPr lang="en-US" altLang="zh-CN" dirty="0"/>
+              <a:t>c.</a:t>
+            </a:r>
+            <a:r>
+              <a:rPr lang="zh-CN" altLang="en-US" dirty="0"/>
+              <a:t>这些词是递进关系，环环相扣，不能互换。</a:t>
+            </a:r>
+          </a:p>
+          <a:p>
+            <a:endParaRPr lang="zh-CN" altLang="en-US" dirty="0"/>
+          </a:p>
+        </p:txBody>
+      </p:sp>
+    </p:spTree>
+    <p:extLst>
+      <p:ext uri="{BB962C8B-B14F-4D97-AF65-F5344CB8AC3E}">
+        <p14:creationId xmlns:p14="http://schemas.microsoft.com/office/powerpoint/2010/main" val="2071944578"/>
+      </p:ext>
+    </p:extLst>
+  </p:cSld>
+  <p:clrMapOvr>
+    <a:masterClrMapping/>
+  </p:clrMapOvr>
+</p:sld>
+</file>
+
+<file path=ppt/slides/slide29.xml><?xml version="1.0" encoding="utf-8"?>
+<p:sld xmlns:a="http://schemas.openxmlformats.org/drawingml/2006/main" xmlns:r="http://schemas.openxmlformats.org/officeDocument/2006/relationships" xmlns:p="http://schemas.openxmlformats.org/presentationml/2006/main">
+  <p:cSld>
+    <p:spTree>
+      <p:nvGrpSpPr>
+        <p:cNvPr id="1" name=""/>
+        <p:cNvGrpSpPr/>
+        <p:nvPr/>
+      </p:nvGrpSpPr>
+      <p:grpSpPr>
+        <a:xfrm>
+          <a:off x="0" y="0"/>
+          <a:ext cx="0" cy="0"/>
+          <a:chOff x="0" y="0"/>
+          <a:chExt cx="0" cy="0"/>
+        </a:xfrm>
+      </p:grpSpPr>
+      <p:sp>
+        <p:nvSpPr>
+          <p:cNvPr id="2" name="标题 1">
+            <a:extLst>
+              <a:ext uri="{FF2B5EF4-FFF2-40B4-BE49-F238E27FC236}">
+                <a16:creationId xmlns:a16="http://schemas.microsoft.com/office/drawing/2014/main" id="{702B5110-73C9-0CE9-C637-69A4EBC76B33}"/>
+              </a:ext>
+            </a:extLst>
+          </p:cNvPr>
+          <p:cNvSpPr>
+            <a:spLocks noGrp="1"/>
+          </p:cNvSpPr>
+          <p:nvPr>
+            <p:ph type="title"/>
+          </p:nvPr>
+        </p:nvSpPr>
+        <p:spPr/>
+        <p:txBody>
+          <a:bodyPr/>
+          <a:lstStyle/>
+          <a:p>
+            <a:endParaRPr lang="zh-CN" altLang="en-US" dirty="0"/>
+          </a:p>
+        </p:txBody>
+      </p:sp>
+      <p:sp>
+        <p:nvSpPr>
+          <p:cNvPr id="3" name="内容占位符 2">
+            <a:extLst>
+              <a:ext uri="{FF2B5EF4-FFF2-40B4-BE49-F238E27FC236}">
+                <a16:creationId xmlns:a16="http://schemas.microsoft.com/office/drawing/2014/main" id="{D9825F42-F791-7A40-FA6B-8BBFAD69F0D8}"/>
+              </a:ext>
+            </a:extLst>
+          </p:cNvPr>
+          <p:cNvSpPr>
+            <a:spLocks noGrp="1"/>
+          </p:cNvSpPr>
+          <p:nvPr>
+            <p:ph idx="1"/>
+          </p:nvPr>
+        </p:nvSpPr>
+        <p:spPr/>
+        <p:txBody>
+          <a:bodyPr/>
+          <a:lstStyle/>
+          <a:p>
+            <a:r>
+              <a:rPr lang="zh-CN" altLang="en-US" dirty="0"/>
+              <a:t>（</a:t>
+            </a:r>
+            <a:r>
+              <a:rPr lang="en-US" altLang="zh-CN" dirty="0"/>
+              <a:t>3</a:t>
+            </a:r>
+            <a:r>
+              <a:rPr lang="zh-CN" altLang="en-US" dirty="0"/>
+              <a:t>）理解词语在选文中的意思和在语境中的含义：</a:t>
+            </a:r>
+          </a:p>
+          <a:p>
+            <a:r>
+              <a:rPr lang="zh-CN" altLang="en-US" dirty="0"/>
+              <a:t>解答这类题目，要注意两点：一是这个词可能不再具有词典中的含义，而是特定语境中的特殊含义。二是要理解词语的语境含义首先必须正确理解词语所在的语境。如</a:t>
+            </a:r>
+            <a:r>
+              <a:rPr lang="en-US" altLang="zh-CN" dirty="0"/>
+              <a:t>《</a:t>
+            </a:r>
+            <a:r>
+              <a:rPr lang="zh-CN" altLang="en-US" dirty="0"/>
+              <a:t>藤野先生</a:t>
+            </a:r>
+            <a:r>
+              <a:rPr lang="en-US" altLang="zh-CN" dirty="0"/>
+              <a:t>》</a:t>
+            </a:r>
+            <a:r>
+              <a:rPr lang="zh-CN" altLang="en-US" dirty="0"/>
+              <a:t>一文中“实在是标致极了”一句中的“标致”。</a:t>
+            </a:r>
+          </a:p>
+          <a:p>
+            <a:endParaRPr lang="zh-CN" altLang="en-US" dirty="0"/>
+          </a:p>
+        </p:txBody>
+      </p:sp>
+    </p:spTree>
+    <p:extLst>
+      <p:ext uri="{BB962C8B-B14F-4D97-AF65-F5344CB8AC3E}">
+        <p14:creationId xmlns:p14="http://schemas.microsoft.com/office/powerpoint/2010/main" val="2804992657"/>
       </p:ext>
     </p:extLst>
   </p:cSld>
@@ -3759,6 +6606,1603 @@
 </p:sld>
 </file>
 
+<file path=ppt/slides/slide30.xml><?xml version="1.0" encoding="utf-8"?>
+<p:sld xmlns:a="http://schemas.openxmlformats.org/drawingml/2006/main" xmlns:r="http://schemas.openxmlformats.org/officeDocument/2006/relationships" xmlns:p="http://schemas.openxmlformats.org/presentationml/2006/main">
+  <p:cSld>
+    <p:spTree>
+      <p:nvGrpSpPr>
+        <p:cNvPr id="1" name=""/>
+        <p:cNvGrpSpPr/>
+        <p:nvPr/>
+      </p:nvGrpSpPr>
+      <p:grpSpPr>
+        <a:xfrm>
+          <a:off x="0" y="0"/>
+          <a:ext cx="0" cy="0"/>
+          <a:chOff x="0" y="0"/>
+          <a:chExt cx="0" cy="0"/>
+        </a:xfrm>
+      </p:grpSpPr>
+      <p:sp>
+        <p:nvSpPr>
+          <p:cNvPr id="2" name="标题 1">
+            <a:extLst>
+              <a:ext uri="{FF2B5EF4-FFF2-40B4-BE49-F238E27FC236}">
+                <a16:creationId xmlns:a16="http://schemas.microsoft.com/office/drawing/2014/main" id="{702B5110-73C9-0CE9-C637-69A4EBC76B33}"/>
+              </a:ext>
+            </a:extLst>
+          </p:cNvPr>
+          <p:cNvSpPr>
+            <a:spLocks noGrp="1"/>
+          </p:cNvSpPr>
+          <p:nvPr>
+            <p:ph type="title"/>
+          </p:nvPr>
+        </p:nvSpPr>
+        <p:spPr/>
+        <p:txBody>
+          <a:bodyPr/>
+          <a:lstStyle/>
+          <a:p>
+            <a:r>
+              <a:rPr lang="zh-CN" altLang="en-US" dirty="0"/>
+              <a:t>九，理解重要句子的含义和作用</a:t>
+            </a:r>
+          </a:p>
+        </p:txBody>
+      </p:sp>
+      <p:sp>
+        <p:nvSpPr>
+          <p:cNvPr id="3" name="内容占位符 2">
+            <a:extLst>
+              <a:ext uri="{FF2B5EF4-FFF2-40B4-BE49-F238E27FC236}">
+                <a16:creationId xmlns:a16="http://schemas.microsoft.com/office/drawing/2014/main" id="{D9825F42-F791-7A40-FA6B-8BBFAD69F0D8}"/>
+              </a:ext>
+            </a:extLst>
+          </p:cNvPr>
+          <p:cNvSpPr>
+            <a:spLocks noGrp="1"/>
+          </p:cNvSpPr>
+          <p:nvPr>
+            <p:ph idx="1"/>
+          </p:nvPr>
+        </p:nvSpPr>
+        <p:spPr/>
+        <p:txBody>
+          <a:bodyPr/>
+          <a:lstStyle/>
+          <a:p>
+            <a:pPr indent="267970" algn="just">
+              <a:lnSpc>
+                <a:spcPts val="2500"/>
+              </a:lnSpc>
+            </a:pPr>
+            <a:r>
+              <a:rPr lang="zh-CN" altLang="zh-CN" sz="2800" b="1" kern="100" dirty="0">
+                <a:solidFill>
+                  <a:srgbClr val="FF0000"/>
+                </a:solidFill>
+                <a:effectLst/>
+                <a:latin typeface="Times New Roman" panose="02020603050405020304" pitchFamily="18" charset="0"/>
+                <a:ea typeface="楷体_GB2312"/>
+              </a:rPr>
+              <a:t>（</a:t>
+            </a:r>
+            <a:r>
+              <a:rPr lang="en-US" altLang="zh-CN" sz="2800" b="1" kern="100" dirty="0">
+                <a:solidFill>
+                  <a:srgbClr val="FF0000"/>
+                </a:solidFill>
+                <a:effectLst/>
+                <a:latin typeface="Times New Roman" panose="02020603050405020304" pitchFamily="18" charset="0"/>
+                <a:ea typeface="楷体_GB2312"/>
+              </a:rPr>
+              <a:t>1</a:t>
+            </a:r>
+            <a:r>
+              <a:rPr lang="zh-CN" altLang="zh-CN" sz="2800" b="1" kern="100" dirty="0">
+                <a:solidFill>
+                  <a:srgbClr val="FF0000"/>
+                </a:solidFill>
+                <a:effectLst/>
+                <a:latin typeface="Times New Roman" panose="02020603050405020304" pitchFamily="18" charset="0"/>
+                <a:ea typeface="楷体_GB2312"/>
+              </a:rPr>
+              <a:t>）理解重要句子的含义</a:t>
+            </a:r>
+            <a:endParaRPr lang="zh-CN" altLang="zh-CN" sz="1800" kern="100" dirty="0">
+              <a:effectLst/>
+              <a:latin typeface="Times New Roman" panose="02020603050405020304" pitchFamily="18" charset="0"/>
+              <a:ea typeface="宋体" panose="02010600030101010101" pitchFamily="2" charset="-122"/>
+            </a:endParaRPr>
+          </a:p>
+          <a:p>
+            <a:pPr indent="267970" algn="just">
+              <a:lnSpc>
+                <a:spcPts val="2500"/>
+              </a:lnSpc>
+            </a:pPr>
+            <a:r>
+              <a:rPr lang="en-US" altLang="zh-CN" sz="2800" b="1" kern="100" dirty="0">
+                <a:solidFill>
+                  <a:srgbClr val="FF0000"/>
+                </a:solidFill>
+                <a:effectLst/>
+                <a:latin typeface="楷体_GB2312"/>
+                <a:ea typeface="宋体" panose="02010600030101010101" pitchFamily="2" charset="-122"/>
+              </a:rPr>
+              <a:t> </a:t>
+            </a:r>
+            <a:r>
+              <a:rPr lang="zh-CN" altLang="zh-CN" sz="2800" b="1" kern="100" dirty="0">
+                <a:solidFill>
+                  <a:srgbClr val="FF0000"/>
+                </a:solidFill>
+                <a:effectLst/>
+                <a:latin typeface="Times New Roman" panose="02020603050405020304" pitchFamily="18" charset="0"/>
+                <a:ea typeface="楷体_GB2312"/>
+              </a:rPr>
+              <a:t>【答题公式】</a:t>
+            </a:r>
+            <a:endParaRPr lang="zh-CN" altLang="zh-CN" sz="1800" kern="100" dirty="0">
+              <a:effectLst/>
+              <a:latin typeface="Times New Roman" panose="02020603050405020304" pitchFamily="18" charset="0"/>
+              <a:ea typeface="宋体" panose="02010600030101010101" pitchFamily="2" charset="-122"/>
+            </a:endParaRPr>
+          </a:p>
+          <a:p>
+            <a:pPr indent="267970" algn="just">
+              <a:lnSpc>
+                <a:spcPts val="2500"/>
+              </a:lnSpc>
+            </a:pPr>
+            <a:r>
+              <a:rPr lang="en-US" altLang="zh-CN" sz="2800" b="1" kern="100" dirty="0">
+                <a:solidFill>
+                  <a:srgbClr val="FF0000"/>
+                </a:solidFill>
+                <a:effectLst/>
+                <a:latin typeface="楷体_GB2312"/>
+                <a:ea typeface="宋体" panose="02010600030101010101" pitchFamily="2" charset="-122"/>
+              </a:rPr>
+              <a:t>  A.</a:t>
+            </a:r>
+            <a:r>
+              <a:rPr lang="zh-CN" altLang="zh-CN" sz="2800" b="1" kern="100" dirty="0">
+                <a:solidFill>
+                  <a:srgbClr val="FF0000"/>
+                </a:solidFill>
+                <a:effectLst/>
+                <a:latin typeface="Times New Roman" panose="02020603050405020304" pitchFamily="18" charset="0"/>
+                <a:ea typeface="楷体_GB2312"/>
+              </a:rPr>
+              <a:t>有修辞的句子：这句话运用了</a:t>
+            </a:r>
+            <a:r>
+              <a:rPr lang="en-US" altLang="zh-CN" sz="2800" b="1" kern="100" dirty="0">
+                <a:solidFill>
+                  <a:srgbClr val="FF0000"/>
+                </a:solidFill>
+                <a:effectLst/>
+                <a:latin typeface="Times New Roman" panose="02020603050405020304" pitchFamily="18" charset="0"/>
+                <a:ea typeface="楷体_GB2312"/>
+              </a:rPr>
+              <a:t>XX</a:t>
+            </a:r>
+            <a:r>
+              <a:rPr lang="zh-CN" altLang="zh-CN" sz="2800" b="1" kern="100" dirty="0">
+                <a:solidFill>
+                  <a:srgbClr val="FF0000"/>
+                </a:solidFill>
+                <a:effectLst/>
+                <a:latin typeface="Times New Roman" panose="02020603050405020304" pitchFamily="18" charset="0"/>
+                <a:ea typeface="楷体_GB2312"/>
+              </a:rPr>
+              <a:t>修辞</a:t>
+            </a:r>
+            <a:r>
+              <a:rPr lang="en-US" altLang="zh-CN" sz="2800" b="1" kern="100" dirty="0">
+                <a:solidFill>
+                  <a:srgbClr val="FF0000"/>
+                </a:solidFill>
+                <a:effectLst/>
+                <a:latin typeface="Times New Roman" panose="02020603050405020304" pitchFamily="18" charset="0"/>
+                <a:ea typeface="楷体_GB2312"/>
+              </a:rPr>
+              <a:t>+</a:t>
+            </a:r>
+            <a:r>
+              <a:rPr lang="zh-CN" altLang="zh-CN" sz="2800" b="1" kern="100" dirty="0">
+                <a:solidFill>
+                  <a:srgbClr val="FF0000"/>
+                </a:solidFill>
+                <a:effectLst/>
+                <a:latin typeface="Times New Roman" panose="02020603050405020304" pitchFamily="18" charset="0"/>
+                <a:ea typeface="楷体_GB2312"/>
+              </a:rPr>
+              <a:t>效果词</a:t>
+            </a:r>
+            <a:r>
+              <a:rPr lang="en-US" altLang="zh-CN" sz="2800" b="1" kern="100" dirty="0">
+                <a:solidFill>
+                  <a:srgbClr val="FF0000"/>
+                </a:solidFill>
+                <a:effectLst/>
+                <a:latin typeface="Times New Roman" panose="02020603050405020304" pitchFamily="18" charset="0"/>
+                <a:ea typeface="楷体_GB2312"/>
+              </a:rPr>
+              <a:t>+</a:t>
+            </a:r>
+            <a:r>
+              <a:rPr lang="zh-CN" altLang="zh-CN" sz="2800" b="1" kern="100" dirty="0">
+                <a:solidFill>
+                  <a:srgbClr val="FF0000"/>
+                </a:solidFill>
+                <a:effectLst/>
+                <a:latin typeface="Times New Roman" panose="02020603050405020304" pitchFamily="18" charset="0"/>
+                <a:ea typeface="楷体_GB2312"/>
+              </a:rPr>
+              <a:t>句子的语境义</a:t>
+            </a:r>
+            <a:r>
+              <a:rPr lang="en-US" altLang="zh-CN" sz="2800" b="1" kern="100" dirty="0">
+                <a:solidFill>
+                  <a:srgbClr val="FF0000"/>
+                </a:solidFill>
+                <a:effectLst/>
+                <a:latin typeface="Times New Roman" panose="02020603050405020304" pitchFamily="18" charset="0"/>
+                <a:ea typeface="楷体_GB2312"/>
+              </a:rPr>
+              <a:t>+</a:t>
+            </a:r>
+            <a:r>
+              <a:rPr lang="zh-CN" altLang="zh-CN" sz="2800" b="1" kern="100" dirty="0">
+                <a:solidFill>
+                  <a:srgbClr val="FF0000"/>
+                </a:solidFill>
+                <a:effectLst/>
+                <a:latin typeface="Times New Roman" panose="02020603050405020304" pitchFamily="18" charset="0"/>
+                <a:ea typeface="楷体_GB2312"/>
+              </a:rPr>
+              <a:t>深层含义（即文章的中心思想）</a:t>
+            </a:r>
+            <a:endParaRPr lang="zh-CN" altLang="zh-CN" sz="1800" kern="100" dirty="0">
+              <a:effectLst/>
+              <a:latin typeface="Times New Roman" panose="02020603050405020304" pitchFamily="18" charset="0"/>
+              <a:ea typeface="宋体" panose="02010600030101010101" pitchFamily="2" charset="-122"/>
+            </a:endParaRPr>
+          </a:p>
+          <a:p>
+            <a:pPr indent="446405" algn="just">
+              <a:lnSpc>
+                <a:spcPts val="2500"/>
+              </a:lnSpc>
+            </a:pPr>
+            <a:r>
+              <a:rPr lang="en-US" altLang="zh-CN" sz="2800" b="1" kern="100" dirty="0">
+                <a:solidFill>
+                  <a:srgbClr val="FF0000"/>
+                </a:solidFill>
+                <a:effectLst/>
+                <a:latin typeface="楷体_GB2312"/>
+                <a:ea typeface="宋体" panose="02010600030101010101" pitchFamily="2" charset="-122"/>
+              </a:rPr>
+              <a:t>B.</a:t>
+            </a:r>
+            <a:r>
+              <a:rPr lang="zh-CN" altLang="zh-CN" sz="2800" b="1" kern="100" dirty="0">
+                <a:solidFill>
+                  <a:srgbClr val="FF0000"/>
+                </a:solidFill>
+                <a:effectLst/>
+                <a:latin typeface="Times New Roman" panose="02020603050405020304" pitchFamily="18" charset="0"/>
+                <a:ea typeface="楷体_GB2312"/>
+              </a:rPr>
+              <a:t>没有修辞的句子：表层含义</a:t>
+            </a:r>
+            <a:r>
+              <a:rPr lang="en-US" altLang="zh-CN" sz="2800" b="1" kern="100" dirty="0">
+                <a:solidFill>
+                  <a:srgbClr val="FF0000"/>
+                </a:solidFill>
+                <a:effectLst/>
+                <a:latin typeface="Times New Roman" panose="02020603050405020304" pitchFamily="18" charset="0"/>
+                <a:ea typeface="楷体_GB2312"/>
+              </a:rPr>
+              <a:t>+</a:t>
+            </a:r>
+            <a:r>
+              <a:rPr lang="zh-CN" altLang="zh-CN" sz="2800" b="1" kern="100" dirty="0">
+                <a:solidFill>
+                  <a:srgbClr val="FF0000"/>
+                </a:solidFill>
+                <a:effectLst/>
+                <a:latin typeface="Times New Roman" panose="02020603050405020304" pitchFamily="18" charset="0"/>
+                <a:ea typeface="楷体_GB2312"/>
+              </a:rPr>
+              <a:t>深层含义（根据情况有时还要答出句子在全文的结构作用）</a:t>
+            </a:r>
+            <a:endParaRPr lang="zh-CN" altLang="zh-CN" sz="1800" kern="100" dirty="0">
+              <a:effectLst/>
+              <a:latin typeface="Times New Roman" panose="02020603050405020304" pitchFamily="18" charset="0"/>
+              <a:ea typeface="宋体" panose="02010600030101010101" pitchFamily="2" charset="-122"/>
+            </a:endParaRPr>
+          </a:p>
+          <a:p>
+            <a:endParaRPr lang="zh-CN" altLang="en-US" dirty="0"/>
+          </a:p>
+        </p:txBody>
+      </p:sp>
+    </p:spTree>
+    <p:extLst>
+      <p:ext uri="{BB962C8B-B14F-4D97-AF65-F5344CB8AC3E}">
+        <p14:creationId xmlns:p14="http://schemas.microsoft.com/office/powerpoint/2010/main" val="2532959168"/>
+      </p:ext>
+    </p:extLst>
+  </p:cSld>
+  <p:clrMapOvr>
+    <a:masterClrMapping/>
+  </p:clrMapOvr>
+</p:sld>
+</file>
+
+<file path=ppt/slides/slide31.xml><?xml version="1.0" encoding="utf-8"?>
+<p:sld xmlns:a="http://schemas.openxmlformats.org/drawingml/2006/main" xmlns:r="http://schemas.openxmlformats.org/officeDocument/2006/relationships" xmlns:p="http://schemas.openxmlformats.org/presentationml/2006/main">
+  <p:cSld>
+    <p:spTree>
+      <p:nvGrpSpPr>
+        <p:cNvPr id="1" name=""/>
+        <p:cNvGrpSpPr/>
+        <p:nvPr/>
+      </p:nvGrpSpPr>
+      <p:grpSpPr>
+        <a:xfrm>
+          <a:off x="0" y="0"/>
+          <a:ext cx="0" cy="0"/>
+          <a:chOff x="0" y="0"/>
+          <a:chExt cx="0" cy="0"/>
+        </a:xfrm>
+      </p:grpSpPr>
+      <p:sp>
+        <p:nvSpPr>
+          <p:cNvPr id="2" name="标题 1">
+            <a:extLst>
+              <a:ext uri="{FF2B5EF4-FFF2-40B4-BE49-F238E27FC236}">
+                <a16:creationId xmlns:a16="http://schemas.microsoft.com/office/drawing/2014/main" id="{702B5110-73C9-0CE9-C637-69A4EBC76B33}"/>
+              </a:ext>
+            </a:extLst>
+          </p:cNvPr>
+          <p:cNvSpPr>
+            <a:spLocks noGrp="1"/>
+          </p:cNvSpPr>
+          <p:nvPr>
+            <p:ph type="title"/>
+          </p:nvPr>
+        </p:nvSpPr>
+        <p:spPr/>
+        <p:txBody>
+          <a:bodyPr/>
+          <a:lstStyle/>
+          <a:p>
+            <a:r>
+              <a:rPr lang="zh-CN" altLang="en-US" dirty="0"/>
+              <a:t>（</a:t>
+            </a:r>
+            <a:r>
+              <a:rPr lang="en-US" altLang="zh-CN" dirty="0"/>
+              <a:t>2</a:t>
+            </a:r>
+            <a:r>
+              <a:rPr lang="zh-CN" altLang="en-US" dirty="0"/>
+              <a:t>）记叙文中抒情的作用 </a:t>
+            </a:r>
+          </a:p>
+        </p:txBody>
+      </p:sp>
+      <p:sp>
+        <p:nvSpPr>
+          <p:cNvPr id="3" name="内容占位符 2">
+            <a:extLst>
+              <a:ext uri="{FF2B5EF4-FFF2-40B4-BE49-F238E27FC236}">
+                <a16:creationId xmlns:a16="http://schemas.microsoft.com/office/drawing/2014/main" id="{D9825F42-F791-7A40-FA6B-8BBFAD69F0D8}"/>
+              </a:ext>
+            </a:extLst>
+          </p:cNvPr>
+          <p:cNvSpPr>
+            <a:spLocks noGrp="1"/>
+          </p:cNvSpPr>
+          <p:nvPr>
+            <p:ph idx="1"/>
+          </p:nvPr>
+        </p:nvSpPr>
+        <p:spPr/>
+        <p:txBody>
+          <a:bodyPr/>
+          <a:lstStyle/>
+          <a:p>
+            <a:r>
+              <a:rPr lang="zh-CN" altLang="en-US" dirty="0"/>
+              <a:t>抒发作者真挚深沉的情感，引发读者的感情共鸣，使文章具有强大的感染力。 </a:t>
+            </a:r>
+          </a:p>
+        </p:txBody>
+      </p:sp>
+    </p:spTree>
+    <p:extLst>
+      <p:ext uri="{BB962C8B-B14F-4D97-AF65-F5344CB8AC3E}">
+        <p14:creationId xmlns:p14="http://schemas.microsoft.com/office/powerpoint/2010/main" val="963290489"/>
+      </p:ext>
+    </p:extLst>
+  </p:cSld>
+  <p:clrMapOvr>
+    <a:masterClrMapping/>
+  </p:clrMapOvr>
+</p:sld>
+</file>
+
+<file path=ppt/slides/slide32.xml><?xml version="1.0" encoding="utf-8"?>
+<p:sld xmlns:a="http://schemas.openxmlformats.org/drawingml/2006/main" xmlns:r="http://schemas.openxmlformats.org/officeDocument/2006/relationships" xmlns:p="http://schemas.openxmlformats.org/presentationml/2006/main">
+  <p:cSld>
+    <p:spTree>
+      <p:nvGrpSpPr>
+        <p:cNvPr id="1" name=""/>
+        <p:cNvGrpSpPr/>
+        <p:nvPr/>
+      </p:nvGrpSpPr>
+      <p:grpSpPr>
+        <a:xfrm>
+          <a:off x="0" y="0"/>
+          <a:ext cx="0" cy="0"/>
+          <a:chOff x="0" y="0"/>
+          <a:chExt cx="0" cy="0"/>
+        </a:xfrm>
+      </p:grpSpPr>
+      <p:sp>
+        <p:nvSpPr>
+          <p:cNvPr id="2" name="标题 1">
+            <a:extLst>
+              <a:ext uri="{FF2B5EF4-FFF2-40B4-BE49-F238E27FC236}">
+                <a16:creationId xmlns:a16="http://schemas.microsoft.com/office/drawing/2014/main" id="{702B5110-73C9-0CE9-C637-69A4EBC76B33}"/>
+              </a:ext>
+            </a:extLst>
+          </p:cNvPr>
+          <p:cNvSpPr>
+            <a:spLocks noGrp="1"/>
+          </p:cNvSpPr>
+          <p:nvPr>
+            <p:ph type="title"/>
+          </p:nvPr>
+        </p:nvSpPr>
+        <p:spPr/>
+        <p:txBody>
+          <a:bodyPr/>
+          <a:lstStyle/>
+          <a:p>
+            <a:r>
+              <a:rPr lang="zh-CN" altLang="en-US" dirty="0"/>
+              <a:t>（</a:t>
+            </a:r>
+            <a:r>
+              <a:rPr lang="en-US" altLang="zh-CN" dirty="0"/>
+              <a:t>3</a:t>
+            </a:r>
+            <a:r>
+              <a:rPr lang="zh-CN" altLang="en-US" dirty="0"/>
+              <a:t>）记叙文中议论的作用    </a:t>
+            </a:r>
+            <a:br>
+              <a:rPr lang="zh-CN" altLang="en-US" dirty="0"/>
+            </a:br>
+            <a:endParaRPr lang="zh-CN" altLang="en-US" dirty="0"/>
+          </a:p>
+        </p:txBody>
+      </p:sp>
+      <p:sp>
+        <p:nvSpPr>
+          <p:cNvPr id="3" name="内容占位符 2">
+            <a:extLst>
+              <a:ext uri="{FF2B5EF4-FFF2-40B4-BE49-F238E27FC236}">
+                <a16:creationId xmlns:a16="http://schemas.microsoft.com/office/drawing/2014/main" id="{D9825F42-F791-7A40-FA6B-8BBFAD69F0D8}"/>
+              </a:ext>
+            </a:extLst>
+          </p:cNvPr>
+          <p:cNvSpPr>
+            <a:spLocks noGrp="1"/>
+          </p:cNvSpPr>
+          <p:nvPr>
+            <p:ph idx="1"/>
+          </p:nvPr>
+        </p:nvSpPr>
+        <p:spPr/>
+        <p:txBody>
+          <a:bodyPr/>
+          <a:lstStyle/>
+          <a:p>
+            <a:r>
+              <a:rPr lang="zh-CN" altLang="en-US" dirty="0"/>
+              <a:t>引发读者思考，点明人物或事件的意义，突出中心，升华主题，起到画龙点睛的作用。</a:t>
+            </a:r>
+          </a:p>
+          <a:p>
+            <a:r>
+              <a:rPr lang="zh-CN" altLang="en-US" dirty="0"/>
+              <a:t>记叙文中穿插议论的作用</a:t>
+            </a:r>
+            <a:r>
+              <a:rPr lang="en-US" altLang="zh-CN" dirty="0"/>
+              <a:t>:</a:t>
+            </a:r>
+            <a:r>
+              <a:rPr lang="zh-CN" altLang="en-US" dirty="0"/>
+              <a:t>结构上承上启下</a:t>
+            </a:r>
+            <a:r>
+              <a:rPr lang="en-US" altLang="zh-CN" dirty="0"/>
+              <a:t>;</a:t>
+            </a:r>
+            <a:r>
+              <a:rPr lang="zh-CN" altLang="en-US" dirty="0"/>
+              <a:t>内容上画龙点睛</a:t>
+            </a:r>
+            <a:r>
+              <a:rPr lang="en-US" altLang="zh-CN" dirty="0"/>
+              <a:t>.</a:t>
+            </a:r>
+          </a:p>
+          <a:p>
+            <a:endParaRPr lang="zh-CN" altLang="en-US" dirty="0"/>
+          </a:p>
+        </p:txBody>
+      </p:sp>
+    </p:spTree>
+    <p:extLst>
+      <p:ext uri="{BB962C8B-B14F-4D97-AF65-F5344CB8AC3E}">
+        <p14:creationId xmlns:p14="http://schemas.microsoft.com/office/powerpoint/2010/main" val="863946767"/>
+      </p:ext>
+    </p:extLst>
+  </p:cSld>
+  <p:clrMapOvr>
+    <a:masterClrMapping/>
+  </p:clrMapOvr>
+</p:sld>
+</file>
+
+<file path=ppt/slides/slide33.xml><?xml version="1.0" encoding="utf-8"?>
+<p:sld xmlns:a="http://schemas.openxmlformats.org/drawingml/2006/main" xmlns:r="http://schemas.openxmlformats.org/officeDocument/2006/relationships" xmlns:p="http://schemas.openxmlformats.org/presentationml/2006/main">
+  <p:cSld>
+    <p:spTree>
+      <p:nvGrpSpPr>
+        <p:cNvPr id="1" name=""/>
+        <p:cNvGrpSpPr/>
+        <p:nvPr/>
+      </p:nvGrpSpPr>
+      <p:grpSpPr>
+        <a:xfrm>
+          <a:off x="0" y="0"/>
+          <a:ext cx="0" cy="0"/>
+          <a:chOff x="0" y="0"/>
+          <a:chExt cx="0" cy="0"/>
+        </a:xfrm>
+      </p:grpSpPr>
+      <p:sp>
+        <p:nvSpPr>
+          <p:cNvPr id="2" name="标题 1">
+            <a:extLst>
+              <a:ext uri="{FF2B5EF4-FFF2-40B4-BE49-F238E27FC236}">
+                <a16:creationId xmlns:a16="http://schemas.microsoft.com/office/drawing/2014/main" id="{702B5110-73C9-0CE9-C637-69A4EBC76B33}"/>
+              </a:ext>
+            </a:extLst>
+          </p:cNvPr>
+          <p:cNvSpPr>
+            <a:spLocks noGrp="1"/>
+          </p:cNvSpPr>
+          <p:nvPr>
+            <p:ph type="title"/>
+          </p:nvPr>
+        </p:nvSpPr>
+        <p:spPr/>
+        <p:txBody>
+          <a:bodyPr/>
+          <a:lstStyle/>
+          <a:p>
+            <a:r>
+              <a:rPr lang="zh-CN" altLang="en-US" dirty="0"/>
+              <a:t>十，景物描写的作用</a:t>
+            </a:r>
+          </a:p>
+        </p:txBody>
+      </p:sp>
+      <p:sp>
+        <p:nvSpPr>
+          <p:cNvPr id="3" name="内容占位符 2">
+            <a:extLst>
+              <a:ext uri="{FF2B5EF4-FFF2-40B4-BE49-F238E27FC236}">
+                <a16:creationId xmlns:a16="http://schemas.microsoft.com/office/drawing/2014/main" id="{D9825F42-F791-7A40-FA6B-8BBFAD69F0D8}"/>
+              </a:ext>
+            </a:extLst>
+          </p:cNvPr>
+          <p:cNvSpPr>
+            <a:spLocks noGrp="1"/>
+          </p:cNvSpPr>
+          <p:nvPr>
+            <p:ph idx="1"/>
+          </p:nvPr>
+        </p:nvSpPr>
+        <p:spPr/>
+        <p:txBody>
+          <a:bodyPr/>
+          <a:lstStyle/>
+          <a:p>
+            <a:r>
+              <a:rPr lang="zh-CN" altLang="en-US" dirty="0"/>
+              <a:t> </a:t>
+            </a:r>
+            <a:r>
+              <a:rPr lang="en-US" altLang="zh-CN" dirty="0"/>
+              <a:t>1.</a:t>
+            </a:r>
+            <a:r>
+              <a:rPr lang="zh-CN" altLang="en-US" dirty="0"/>
+              <a:t>交代事情发生的地点或背景，增加事情的真实性。</a:t>
+            </a:r>
+          </a:p>
+          <a:p>
+            <a:r>
+              <a:rPr lang="en-US" altLang="zh-CN" dirty="0"/>
+              <a:t>2.</a:t>
+            </a:r>
+            <a:r>
+              <a:rPr lang="zh-CN" altLang="en-US" dirty="0"/>
+              <a:t>渲染气氛。</a:t>
+            </a:r>
+          </a:p>
+          <a:p>
+            <a:r>
+              <a:rPr lang="en-US" altLang="zh-CN" dirty="0"/>
+              <a:t>3.</a:t>
+            </a:r>
+            <a:r>
+              <a:rPr lang="zh-CN" altLang="en-US" dirty="0"/>
+              <a:t>烘托人物心情。</a:t>
+            </a:r>
+          </a:p>
+          <a:p>
+            <a:r>
+              <a:rPr lang="en-US" altLang="zh-CN" dirty="0"/>
+              <a:t>4.</a:t>
+            </a:r>
+            <a:r>
+              <a:rPr lang="zh-CN" altLang="en-US" dirty="0"/>
+              <a:t>反映人物的性格或品质。</a:t>
+            </a:r>
+          </a:p>
+          <a:p>
+            <a:r>
+              <a:rPr lang="en-US" altLang="zh-CN" dirty="0"/>
+              <a:t>5.</a:t>
+            </a:r>
+            <a:r>
+              <a:rPr lang="zh-CN" altLang="en-US" dirty="0"/>
+              <a:t>为下文做铺垫。</a:t>
+            </a:r>
+          </a:p>
+          <a:p>
+            <a:r>
+              <a:rPr lang="en-US" altLang="zh-CN" dirty="0"/>
+              <a:t>6.</a:t>
+            </a:r>
+            <a:r>
+              <a:rPr lang="zh-CN" altLang="en-US" dirty="0"/>
+              <a:t>推动情节的发展。</a:t>
+            </a:r>
+          </a:p>
+          <a:p>
+            <a:r>
+              <a:rPr lang="en-US" altLang="zh-CN" dirty="0"/>
+              <a:t>7.</a:t>
+            </a:r>
+            <a:r>
+              <a:rPr lang="zh-CN" altLang="en-US" dirty="0"/>
+              <a:t>深化作品的主题。</a:t>
+            </a:r>
+          </a:p>
+          <a:p>
+            <a:r>
+              <a:rPr lang="en-US" altLang="zh-CN" dirty="0"/>
+              <a:t>8.</a:t>
+            </a:r>
+            <a:r>
+              <a:rPr lang="zh-CN" altLang="en-US" dirty="0"/>
+              <a:t>具有象征意义。</a:t>
+            </a:r>
+          </a:p>
+          <a:p>
+            <a:endParaRPr lang="zh-CN" altLang="en-US" dirty="0"/>
+          </a:p>
+        </p:txBody>
+      </p:sp>
+    </p:spTree>
+    <p:extLst>
+      <p:ext uri="{BB962C8B-B14F-4D97-AF65-F5344CB8AC3E}">
+        <p14:creationId xmlns:p14="http://schemas.microsoft.com/office/powerpoint/2010/main" val="3202100951"/>
+      </p:ext>
+    </p:extLst>
+  </p:cSld>
+  <p:clrMapOvr>
+    <a:masterClrMapping/>
+  </p:clrMapOvr>
+</p:sld>
+</file>
+
+<file path=ppt/slides/slide34.xml><?xml version="1.0" encoding="utf-8"?>
+<p:sld xmlns:a="http://schemas.openxmlformats.org/drawingml/2006/main" xmlns:r="http://schemas.openxmlformats.org/officeDocument/2006/relationships" xmlns:p="http://schemas.openxmlformats.org/presentationml/2006/main">
+  <p:cSld>
+    <p:spTree>
+      <p:nvGrpSpPr>
+        <p:cNvPr id="1" name=""/>
+        <p:cNvGrpSpPr/>
+        <p:nvPr/>
+      </p:nvGrpSpPr>
+      <p:grpSpPr>
+        <a:xfrm>
+          <a:off x="0" y="0"/>
+          <a:ext cx="0" cy="0"/>
+          <a:chOff x="0" y="0"/>
+          <a:chExt cx="0" cy="0"/>
+        </a:xfrm>
+      </p:grpSpPr>
+      <p:sp>
+        <p:nvSpPr>
+          <p:cNvPr id="2" name="标题 1">
+            <a:extLst>
+              <a:ext uri="{FF2B5EF4-FFF2-40B4-BE49-F238E27FC236}">
+                <a16:creationId xmlns:a16="http://schemas.microsoft.com/office/drawing/2014/main" id="{702B5110-73C9-0CE9-C637-69A4EBC76B33}"/>
+              </a:ext>
+            </a:extLst>
+          </p:cNvPr>
+          <p:cNvSpPr>
+            <a:spLocks noGrp="1"/>
+          </p:cNvSpPr>
+          <p:nvPr>
+            <p:ph type="title"/>
+          </p:nvPr>
+        </p:nvSpPr>
+        <p:spPr/>
+        <p:txBody>
+          <a:bodyPr/>
+          <a:lstStyle/>
+          <a:p>
+            <a:endParaRPr lang="zh-CN" altLang="en-US" dirty="0"/>
+          </a:p>
+        </p:txBody>
+      </p:sp>
+      <p:sp>
+        <p:nvSpPr>
+          <p:cNvPr id="3" name="内容占位符 2">
+            <a:extLst>
+              <a:ext uri="{FF2B5EF4-FFF2-40B4-BE49-F238E27FC236}">
+                <a16:creationId xmlns:a16="http://schemas.microsoft.com/office/drawing/2014/main" id="{D9825F42-F791-7A40-FA6B-8BBFAD69F0D8}"/>
+              </a:ext>
+            </a:extLst>
+          </p:cNvPr>
+          <p:cNvSpPr>
+            <a:spLocks noGrp="1"/>
+          </p:cNvSpPr>
+          <p:nvPr>
+            <p:ph idx="1"/>
+          </p:nvPr>
+        </p:nvSpPr>
+        <p:spPr/>
+        <p:txBody>
+          <a:bodyPr/>
+          <a:lstStyle/>
+          <a:p>
+            <a:r>
+              <a:rPr lang="en-US" altLang="zh-CN" dirty="0"/>
+              <a:t>【</a:t>
+            </a:r>
+            <a:r>
+              <a:rPr lang="zh-CN" altLang="en-US" dirty="0"/>
+              <a:t>答题公式</a:t>
+            </a:r>
+            <a:r>
+              <a:rPr lang="en-US" altLang="zh-CN" dirty="0"/>
+              <a:t>】</a:t>
+            </a:r>
+          </a:p>
+          <a:p>
+            <a:r>
+              <a:rPr lang="en-US" altLang="zh-CN" dirty="0"/>
+              <a:t>①……</a:t>
+            </a:r>
+            <a:r>
+              <a:rPr lang="zh-CN" altLang="en-US" dirty="0"/>
+              <a:t>的景物描写，写出了</a:t>
+            </a:r>
+            <a:r>
+              <a:rPr lang="en-US" altLang="zh-CN" dirty="0"/>
+              <a:t>……</a:t>
+            </a:r>
+            <a:r>
+              <a:rPr lang="zh-CN" altLang="en-US" dirty="0"/>
+              <a:t>的景色（或环境），烘托了人物</a:t>
+            </a:r>
+            <a:r>
+              <a:rPr lang="en-US" altLang="zh-CN" dirty="0"/>
+              <a:t>……</a:t>
+            </a:r>
+            <a:r>
+              <a:rPr lang="zh-CN" altLang="en-US" dirty="0"/>
+              <a:t>的性格和品质。</a:t>
+            </a:r>
+          </a:p>
+          <a:p>
+            <a:r>
+              <a:rPr lang="zh-CN" altLang="en-US" dirty="0"/>
+              <a:t>     ②</a:t>
+            </a:r>
+            <a:r>
+              <a:rPr lang="en-US" altLang="zh-CN" dirty="0"/>
+              <a:t>……</a:t>
+            </a:r>
+            <a:r>
+              <a:rPr lang="zh-CN" altLang="en-US" dirty="0"/>
+              <a:t>的景物描写，结合人物心理活动，表现人物</a:t>
+            </a:r>
+            <a:r>
+              <a:rPr lang="en-US" altLang="zh-CN" dirty="0"/>
+              <a:t>……</a:t>
+            </a:r>
+            <a:r>
+              <a:rPr lang="zh-CN" altLang="en-US" dirty="0"/>
+              <a:t>的性格和精神。</a:t>
+            </a:r>
+          </a:p>
+          <a:p>
+            <a:r>
+              <a:rPr lang="zh-CN" altLang="en-US" dirty="0"/>
+              <a:t>③</a:t>
+            </a:r>
+            <a:r>
+              <a:rPr lang="en-US" altLang="zh-CN" dirty="0"/>
+              <a:t>……</a:t>
+            </a:r>
+            <a:r>
+              <a:rPr lang="zh-CN" altLang="en-US" dirty="0"/>
+              <a:t>的景物描写，反映了</a:t>
+            </a:r>
+            <a:r>
+              <a:rPr lang="en-US" altLang="zh-CN" dirty="0"/>
+              <a:t>……</a:t>
+            </a:r>
+            <a:r>
+              <a:rPr lang="zh-CN" altLang="en-US" dirty="0"/>
+              <a:t>的情景，为全文定下了</a:t>
+            </a:r>
+            <a:r>
+              <a:rPr lang="en-US" altLang="zh-CN" dirty="0"/>
+              <a:t>……</a:t>
+            </a:r>
+            <a:r>
+              <a:rPr lang="zh-CN" altLang="en-US" dirty="0"/>
+              <a:t>的感情基调。 </a:t>
+            </a:r>
+          </a:p>
+          <a:p>
+            <a:endParaRPr lang="zh-CN" altLang="en-US" dirty="0"/>
+          </a:p>
+        </p:txBody>
+      </p:sp>
+    </p:spTree>
+    <p:extLst>
+      <p:ext uri="{BB962C8B-B14F-4D97-AF65-F5344CB8AC3E}">
+        <p14:creationId xmlns:p14="http://schemas.microsoft.com/office/powerpoint/2010/main" val="1949750642"/>
+      </p:ext>
+    </p:extLst>
+  </p:cSld>
+  <p:clrMapOvr>
+    <a:masterClrMapping/>
+  </p:clrMapOvr>
+</p:sld>
+</file>
+
+<file path=ppt/slides/slide35.xml><?xml version="1.0" encoding="utf-8"?>
+<p:sld xmlns:a="http://schemas.openxmlformats.org/drawingml/2006/main" xmlns:r="http://schemas.openxmlformats.org/officeDocument/2006/relationships" xmlns:p="http://schemas.openxmlformats.org/presentationml/2006/main">
+  <p:cSld>
+    <p:spTree>
+      <p:nvGrpSpPr>
+        <p:cNvPr id="1" name=""/>
+        <p:cNvGrpSpPr/>
+        <p:nvPr/>
+      </p:nvGrpSpPr>
+      <p:grpSpPr>
+        <a:xfrm>
+          <a:off x="0" y="0"/>
+          <a:ext cx="0" cy="0"/>
+          <a:chOff x="0" y="0"/>
+          <a:chExt cx="0" cy="0"/>
+        </a:xfrm>
+      </p:grpSpPr>
+      <p:sp>
+        <p:nvSpPr>
+          <p:cNvPr id="2" name="标题 1">
+            <a:extLst>
+              <a:ext uri="{FF2B5EF4-FFF2-40B4-BE49-F238E27FC236}">
+                <a16:creationId xmlns:a16="http://schemas.microsoft.com/office/drawing/2014/main" id="{702B5110-73C9-0CE9-C637-69A4EBC76B33}"/>
+              </a:ext>
+            </a:extLst>
+          </p:cNvPr>
+          <p:cNvSpPr>
+            <a:spLocks noGrp="1"/>
+          </p:cNvSpPr>
+          <p:nvPr>
+            <p:ph type="title"/>
+          </p:nvPr>
+        </p:nvSpPr>
+        <p:spPr/>
+        <p:txBody>
+          <a:bodyPr/>
+          <a:lstStyle/>
+          <a:p>
+            <a:r>
+              <a:rPr lang="zh-CN" altLang="en-US" dirty="0"/>
+              <a:t>十一</a:t>
+            </a:r>
+            <a:r>
+              <a:rPr lang="en-US" altLang="zh-CN" dirty="0"/>
+              <a:t>.</a:t>
+            </a:r>
+            <a:r>
+              <a:rPr lang="zh-CN" altLang="en-US" dirty="0"/>
+              <a:t>文章题目的理解和作用</a:t>
+            </a:r>
+          </a:p>
+        </p:txBody>
+      </p:sp>
+      <p:sp>
+        <p:nvSpPr>
+          <p:cNvPr id="3" name="内容占位符 2">
+            <a:extLst>
+              <a:ext uri="{FF2B5EF4-FFF2-40B4-BE49-F238E27FC236}">
+                <a16:creationId xmlns:a16="http://schemas.microsoft.com/office/drawing/2014/main" id="{D9825F42-F791-7A40-FA6B-8BBFAD69F0D8}"/>
+              </a:ext>
+            </a:extLst>
+          </p:cNvPr>
+          <p:cNvSpPr>
+            <a:spLocks noGrp="1"/>
+          </p:cNvSpPr>
+          <p:nvPr>
+            <p:ph idx="1"/>
+          </p:nvPr>
+        </p:nvSpPr>
+        <p:spPr/>
+        <p:txBody>
+          <a:bodyPr>
+            <a:normAutofit lnSpcReduction="10000"/>
+          </a:bodyPr>
+          <a:lstStyle/>
+          <a:p>
+            <a:r>
+              <a:rPr lang="en-US" altLang="zh-CN" dirty="0"/>
+              <a:t>1.</a:t>
+            </a:r>
+            <a:r>
+              <a:rPr lang="zh-CN" altLang="en-US" dirty="0"/>
+              <a:t>点明故事发生的地点。</a:t>
+            </a:r>
+          </a:p>
+          <a:p>
+            <a:r>
+              <a:rPr lang="en-US" altLang="zh-CN" dirty="0"/>
+              <a:t>2.</a:t>
+            </a:r>
+            <a:r>
+              <a:rPr lang="zh-CN" altLang="en-US" dirty="0"/>
+              <a:t>点明作者的情感。</a:t>
+            </a:r>
+          </a:p>
+          <a:p>
+            <a:r>
+              <a:rPr lang="en-US" altLang="zh-CN" dirty="0"/>
+              <a:t>3.</a:t>
+            </a:r>
+            <a:r>
+              <a:rPr lang="zh-CN" altLang="en-US" dirty="0"/>
+              <a:t>概括文章的主要内容。</a:t>
+            </a:r>
+          </a:p>
+          <a:p>
+            <a:r>
+              <a:rPr lang="en-US" altLang="zh-CN" dirty="0"/>
+              <a:t>4.</a:t>
+            </a:r>
+            <a:r>
+              <a:rPr lang="zh-CN" altLang="en-US" dirty="0"/>
+              <a:t>点明文章的线索。</a:t>
+            </a:r>
+          </a:p>
+          <a:p>
+            <a:r>
+              <a:rPr lang="en-US" altLang="zh-CN" dirty="0"/>
+              <a:t>5.</a:t>
+            </a:r>
+            <a:r>
+              <a:rPr lang="zh-CN" altLang="en-US" dirty="0"/>
+              <a:t>揭示（或暗示）文章的中心。</a:t>
+            </a:r>
+          </a:p>
+          <a:p>
+            <a:r>
+              <a:rPr lang="en-US" altLang="zh-CN" dirty="0"/>
+              <a:t>6.</a:t>
+            </a:r>
+            <a:r>
+              <a:rPr lang="zh-CN" altLang="en-US" dirty="0"/>
+              <a:t>设置悬念，吸引读者。</a:t>
+            </a:r>
+          </a:p>
+          <a:p>
+            <a:r>
+              <a:rPr lang="en-US" altLang="zh-CN" dirty="0"/>
+              <a:t>7.</a:t>
+            </a:r>
+            <a:r>
+              <a:rPr lang="zh-CN" altLang="en-US" dirty="0"/>
+              <a:t>交代故事发生的环境。</a:t>
+            </a:r>
+          </a:p>
+          <a:p>
+            <a:r>
+              <a:rPr lang="en-US" altLang="zh-CN" dirty="0"/>
+              <a:t>8.</a:t>
+            </a:r>
+            <a:r>
+              <a:rPr lang="zh-CN" altLang="en-US" dirty="0"/>
+              <a:t>交代描写对象。</a:t>
+            </a:r>
+          </a:p>
+          <a:p>
+            <a:r>
+              <a:rPr lang="en-US" altLang="zh-CN" dirty="0"/>
+              <a:t>9.</a:t>
+            </a:r>
+            <a:r>
+              <a:rPr lang="zh-CN" altLang="en-US" dirty="0"/>
+              <a:t>题目中运用了修辞的，要还原它的本义后再分析作用。</a:t>
+            </a:r>
+          </a:p>
+          <a:p>
+            <a:endParaRPr lang="zh-CN" altLang="en-US" dirty="0"/>
+          </a:p>
+        </p:txBody>
+      </p:sp>
+    </p:spTree>
+    <p:extLst>
+      <p:ext uri="{BB962C8B-B14F-4D97-AF65-F5344CB8AC3E}">
+        <p14:creationId xmlns:p14="http://schemas.microsoft.com/office/powerpoint/2010/main" val="1237823134"/>
+      </p:ext>
+    </p:extLst>
+  </p:cSld>
+  <p:clrMapOvr>
+    <a:masterClrMapping/>
+  </p:clrMapOvr>
+</p:sld>
+</file>
+
+<file path=ppt/slides/slide36.xml><?xml version="1.0" encoding="utf-8"?>
+<p:sld xmlns:a="http://schemas.openxmlformats.org/drawingml/2006/main" xmlns:r="http://schemas.openxmlformats.org/officeDocument/2006/relationships" xmlns:p="http://schemas.openxmlformats.org/presentationml/2006/main">
+  <p:cSld>
+    <p:spTree>
+      <p:nvGrpSpPr>
+        <p:cNvPr id="1" name=""/>
+        <p:cNvGrpSpPr/>
+        <p:nvPr/>
+      </p:nvGrpSpPr>
+      <p:grpSpPr>
+        <a:xfrm>
+          <a:off x="0" y="0"/>
+          <a:ext cx="0" cy="0"/>
+          <a:chOff x="0" y="0"/>
+          <a:chExt cx="0" cy="0"/>
+        </a:xfrm>
+      </p:grpSpPr>
+      <p:sp>
+        <p:nvSpPr>
+          <p:cNvPr id="2" name="标题 1">
+            <a:extLst>
+              <a:ext uri="{FF2B5EF4-FFF2-40B4-BE49-F238E27FC236}">
+                <a16:creationId xmlns:a16="http://schemas.microsoft.com/office/drawing/2014/main" id="{702B5110-73C9-0CE9-C637-69A4EBC76B33}"/>
+              </a:ext>
+            </a:extLst>
+          </p:cNvPr>
+          <p:cNvSpPr>
+            <a:spLocks noGrp="1"/>
+          </p:cNvSpPr>
+          <p:nvPr>
+            <p:ph type="title"/>
+          </p:nvPr>
+        </p:nvSpPr>
+        <p:spPr/>
+        <p:txBody>
+          <a:bodyPr/>
+          <a:lstStyle/>
+          <a:p>
+            <a:endParaRPr lang="zh-CN" altLang="en-US" dirty="0"/>
+          </a:p>
+        </p:txBody>
+      </p:sp>
+      <p:sp>
+        <p:nvSpPr>
+          <p:cNvPr id="3" name="内容占位符 2">
+            <a:extLst>
+              <a:ext uri="{FF2B5EF4-FFF2-40B4-BE49-F238E27FC236}">
+                <a16:creationId xmlns:a16="http://schemas.microsoft.com/office/drawing/2014/main" id="{D9825F42-F791-7A40-FA6B-8BBFAD69F0D8}"/>
+              </a:ext>
+            </a:extLst>
+          </p:cNvPr>
+          <p:cNvSpPr>
+            <a:spLocks noGrp="1"/>
+          </p:cNvSpPr>
+          <p:nvPr>
+            <p:ph idx="1"/>
+          </p:nvPr>
+        </p:nvSpPr>
+        <p:spPr/>
+        <p:txBody>
+          <a:bodyPr/>
+          <a:lstStyle/>
+          <a:p>
+            <a:r>
+              <a:rPr lang="en-US" altLang="zh-CN" dirty="0"/>
+              <a:t>【</a:t>
+            </a:r>
+            <a:r>
+              <a:rPr lang="zh-CN" altLang="en-US" dirty="0"/>
+              <a:t>答题公式</a:t>
+            </a:r>
+            <a:r>
+              <a:rPr lang="en-US" altLang="zh-CN" dirty="0"/>
+              <a:t>】</a:t>
+            </a:r>
+            <a:r>
+              <a:rPr lang="zh-CN" altLang="en-US" dirty="0"/>
+              <a:t>表层含义（句子的表面义和语境义）</a:t>
+            </a:r>
+            <a:r>
+              <a:rPr lang="en-US" altLang="zh-CN" dirty="0"/>
+              <a:t>+</a:t>
+            </a:r>
+            <a:r>
+              <a:rPr lang="zh-CN" altLang="en-US" dirty="0"/>
+              <a:t>深层含义（全文所要表达的中心）</a:t>
+            </a:r>
+          </a:p>
+          <a:p>
+            <a:endParaRPr lang="zh-CN" altLang="en-US" dirty="0"/>
+          </a:p>
+        </p:txBody>
+      </p:sp>
+    </p:spTree>
+    <p:extLst>
+      <p:ext uri="{BB962C8B-B14F-4D97-AF65-F5344CB8AC3E}">
+        <p14:creationId xmlns:p14="http://schemas.microsoft.com/office/powerpoint/2010/main" val="1445197557"/>
+      </p:ext>
+    </p:extLst>
+  </p:cSld>
+  <p:clrMapOvr>
+    <a:masterClrMapping/>
+  </p:clrMapOvr>
+</p:sld>
+</file>
+
+<file path=ppt/slides/slide37.xml><?xml version="1.0" encoding="utf-8"?>
+<p:sld xmlns:a="http://schemas.openxmlformats.org/drawingml/2006/main" xmlns:r="http://schemas.openxmlformats.org/officeDocument/2006/relationships" xmlns:p="http://schemas.openxmlformats.org/presentationml/2006/main">
+  <p:cSld>
+    <p:spTree>
+      <p:nvGrpSpPr>
+        <p:cNvPr id="1" name=""/>
+        <p:cNvGrpSpPr/>
+        <p:nvPr/>
+      </p:nvGrpSpPr>
+      <p:grpSpPr>
+        <a:xfrm>
+          <a:off x="0" y="0"/>
+          <a:ext cx="0" cy="0"/>
+          <a:chOff x="0" y="0"/>
+          <a:chExt cx="0" cy="0"/>
+        </a:xfrm>
+      </p:grpSpPr>
+      <p:sp>
+        <p:nvSpPr>
+          <p:cNvPr id="2" name="标题 1">
+            <a:extLst>
+              <a:ext uri="{FF2B5EF4-FFF2-40B4-BE49-F238E27FC236}">
+                <a16:creationId xmlns:a16="http://schemas.microsoft.com/office/drawing/2014/main" id="{702B5110-73C9-0CE9-C637-69A4EBC76B33}"/>
+              </a:ext>
+            </a:extLst>
+          </p:cNvPr>
+          <p:cNvSpPr>
+            <a:spLocks noGrp="1"/>
+          </p:cNvSpPr>
+          <p:nvPr>
+            <p:ph type="title"/>
+          </p:nvPr>
+        </p:nvSpPr>
+        <p:spPr/>
+        <p:txBody>
+          <a:bodyPr/>
+          <a:lstStyle/>
+          <a:p>
+            <a:r>
+              <a:rPr lang="zh-CN" altLang="en-US" dirty="0"/>
+              <a:t>十二</a:t>
+            </a:r>
+            <a:r>
+              <a:rPr lang="en-US" altLang="zh-CN" dirty="0"/>
+              <a:t>.</a:t>
+            </a:r>
+            <a:r>
+              <a:rPr lang="zh-CN" altLang="en-US" dirty="0"/>
+              <a:t>文章的开头、中间、结尾段（句）的作用</a:t>
+            </a:r>
+          </a:p>
+        </p:txBody>
+      </p:sp>
+      <p:sp>
+        <p:nvSpPr>
+          <p:cNvPr id="3" name="内容占位符 2">
+            <a:extLst>
+              <a:ext uri="{FF2B5EF4-FFF2-40B4-BE49-F238E27FC236}">
+                <a16:creationId xmlns:a16="http://schemas.microsoft.com/office/drawing/2014/main" id="{D9825F42-F791-7A40-FA6B-8BBFAD69F0D8}"/>
+              </a:ext>
+            </a:extLst>
+          </p:cNvPr>
+          <p:cNvSpPr>
+            <a:spLocks noGrp="1"/>
+          </p:cNvSpPr>
+          <p:nvPr>
+            <p:ph idx="1"/>
+          </p:nvPr>
+        </p:nvSpPr>
+        <p:spPr/>
+        <p:txBody>
+          <a:bodyPr/>
+          <a:lstStyle/>
+          <a:p>
+            <a:r>
+              <a:rPr lang="zh-CN" altLang="en-US" dirty="0"/>
+              <a:t>（一）记叙文开头段（句）的作用：</a:t>
+            </a:r>
+          </a:p>
+          <a:p>
+            <a:r>
+              <a:rPr lang="en-US" altLang="zh-CN" dirty="0"/>
+              <a:t>1.</a:t>
+            </a:r>
+            <a:r>
+              <a:rPr lang="zh-CN" altLang="en-US" dirty="0"/>
+              <a:t>开篇点题。</a:t>
+            </a:r>
+          </a:p>
+          <a:p>
+            <a:r>
+              <a:rPr lang="en-US" altLang="zh-CN" dirty="0"/>
+              <a:t>2.</a:t>
+            </a:r>
+            <a:r>
+              <a:rPr lang="zh-CN" altLang="en-US" dirty="0"/>
+              <a:t>总领下文或统领下文。</a:t>
+            </a:r>
+          </a:p>
+          <a:p>
+            <a:r>
+              <a:rPr lang="en-US" altLang="zh-CN" dirty="0"/>
+              <a:t>3.</a:t>
+            </a:r>
+            <a:r>
+              <a:rPr lang="zh-CN" altLang="en-US" dirty="0"/>
+              <a:t>引出下文，为下文做铺垫。</a:t>
+            </a:r>
+          </a:p>
+          <a:p>
+            <a:r>
+              <a:rPr lang="en-US" altLang="zh-CN" dirty="0"/>
+              <a:t>4.</a:t>
+            </a:r>
+            <a:r>
+              <a:rPr lang="zh-CN" altLang="en-US" dirty="0"/>
+              <a:t>设置悬念，引起读者的兴趣或思考。</a:t>
+            </a:r>
+          </a:p>
+          <a:p>
+            <a:r>
+              <a:rPr lang="en-US" altLang="zh-CN" dirty="0"/>
+              <a:t>5.</a:t>
+            </a:r>
+            <a:r>
+              <a:rPr lang="zh-CN" altLang="en-US" dirty="0"/>
+              <a:t>奠定全文的感情基调。</a:t>
+            </a:r>
+          </a:p>
+          <a:p>
+            <a:endParaRPr lang="zh-CN" altLang="en-US" dirty="0"/>
+          </a:p>
+        </p:txBody>
+      </p:sp>
+    </p:spTree>
+    <p:extLst>
+      <p:ext uri="{BB962C8B-B14F-4D97-AF65-F5344CB8AC3E}">
+        <p14:creationId xmlns:p14="http://schemas.microsoft.com/office/powerpoint/2010/main" val="2811151254"/>
+      </p:ext>
+    </p:extLst>
+  </p:cSld>
+  <p:clrMapOvr>
+    <a:masterClrMapping/>
+  </p:clrMapOvr>
+</p:sld>
+</file>
+
+<file path=ppt/slides/slide38.xml><?xml version="1.0" encoding="utf-8"?>
+<p:sld xmlns:a="http://schemas.openxmlformats.org/drawingml/2006/main" xmlns:r="http://schemas.openxmlformats.org/officeDocument/2006/relationships" xmlns:p="http://schemas.openxmlformats.org/presentationml/2006/main">
+  <p:cSld>
+    <p:spTree>
+      <p:nvGrpSpPr>
+        <p:cNvPr id="1" name=""/>
+        <p:cNvGrpSpPr/>
+        <p:nvPr/>
+      </p:nvGrpSpPr>
+      <p:grpSpPr>
+        <a:xfrm>
+          <a:off x="0" y="0"/>
+          <a:ext cx="0" cy="0"/>
+          <a:chOff x="0" y="0"/>
+          <a:chExt cx="0" cy="0"/>
+        </a:xfrm>
+      </p:grpSpPr>
+      <p:sp>
+        <p:nvSpPr>
+          <p:cNvPr id="2" name="标题 1">
+            <a:extLst>
+              <a:ext uri="{FF2B5EF4-FFF2-40B4-BE49-F238E27FC236}">
+                <a16:creationId xmlns:a16="http://schemas.microsoft.com/office/drawing/2014/main" id="{702B5110-73C9-0CE9-C637-69A4EBC76B33}"/>
+              </a:ext>
+            </a:extLst>
+          </p:cNvPr>
+          <p:cNvSpPr>
+            <a:spLocks noGrp="1"/>
+          </p:cNvSpPr>
+          <p:nvPr>
+            <p:ph type="title"/>
+          </p:nvPr>
+        </p:nvSpPr>
+        <p:spPr/>
+        <p:txBody>
+          <a:bodyPr/>
+          <a:lstStyle/>
+          <a:p>
+            <a:r>
+              <a:rPr lang="zh-CN" altLang="en-US" dirty="0"/>
+              <a:t>（二）记叙文中间段（句）的作用</a:t>
+            </a:r>
+          </a:p>
+        </p:txBody>
+      </p:sp>
+      <p:sp>
+        <p:nvSpPr>
+          <p:cNvPr id="3" name="内容占位符 2">
+            <a:extLst>
+              <a:ext uri="{FF2B5EF4-FFF2-40B4-BE49-F238E27FC236}">
+                <a16:creationId xmlns:a16="http://schemas.microsoft.com/office/drawing/2014/main" id="{D9825F42-F791-7A40-FA6B-8BBFAD69F0D8}"/>
+              </a:ext>
+            </a:extLst>
+          </p:cNvPr>
+          <p:cNvSpPr>
+            <a:spLocks noGrp="1"/>
+          </p:cNvSpPr>
+          <p:nvPr>
+            <p:ph idx="1"/>
+          </p:nvPr>
+        </p:nvSpPr>
+        <p:spPr/>
+        <p:txBody>
+          <a:bodyPr/>
+          <a:lstStyle/>
+          <a:p>
+            <a:r>
+              <a:rPr lang="zh-CN" altLang="en-US" dirty="0"/>
+              <a:t>单独成段起承上启下的过渡作用（要指明哪句是承接上文的什么内容，哪句开启下文的什么内容）。</a:t>
+            </a:r>
+          </a:p>
+        </p:txBody>
+      </p:sp>
+    </p:spTree>
+    <p:extLst>
+      <p:ext uri="{BB962C8B-B14F-4D97-AF65-F5344CB8AC3E}">
+        <p14:creationId xmlns:p14="http://schemas.microsoft.com/office/powerpoint/2010/main" val="552236134"/>
+      </p:ext>
+    </p:extLst>
+  </p:cSld>
+  <p:clrMapOvr>
+    <a:masterClrMapping/>
+  </p:clrMapOvr>
+</p:sld>
+</file>
+
+<file path=ppt/slides/slide39.xml><?xml version="1.0" encoding="utf-8"?>
+<p:sld xmlns:a="http://schemas.openxmlformats.org/drawingml/2006/main" xmlns:r="http://schemas.openxmlformats.org/officeDocument/2006/relationships" xmlns:p="http://schemas.openxmlformats.org/presentationml/2006/main">
+  <p:cSld>
+    <p:spTree>
+      <p:nvGrpSpPr>
+        <p:cNvPr id="1" name=""/>
+        <p:cNvGrpSpPr/>
+        <p:nvPr/>
+      </p:nvGrpSpPr>
+      <p:grpSpPr>
+        <a:xfrm>
+          <a:off x="0" y="0"/>
+          <a:ext cx="0" cy="0"/>
+          <a:chOff x="0" y="0"/>
+          <a:chExt cx="0" cy="0"/>
+        </a:xfrm>
+      </p:grpSpPr>
+      <p:sp>
+        <p:nvSpPr>
+          <p:cNvPr id="2" name="标题 1">
+            <a:extLst>
+              <a:ext uri="{FF2B5EF4-FFF2-40B4-BE49-F238E27FC236}">
+                <a16:creationId xmlns:a16="http://schemas.microsoft.com/office/drawing/2014/main" id="{702B5110-73C9-0CE9-C637-69A4EBC76B33}"/>
+              </a:ext>
+            </a:extLst>
+          </p:cNvPr>
+          <p:cNvSpPr>
+            <a:spLocks noGrp="1"/>
+          </p:cNvSpPr>
+          <p:nvPr>
+            <p:ph type="title"/>
+          </p:nvPr>
+        </p:nvSpPr>
+        <p:spPr/>
+        <p:txBody>
+          <a:bodyPr/>
+          <a:lstStyle/>
+          <a:p>
+            <a:r>
+              <a:rPr lang="zh-CN" altLang="en-US" dirty="0"/>
+              <a:t>（三）记叙文结尾段（句）的作用：</a:t>
+            </a:r>
+          </a:p>
+        </p:txBody>
+      </p:sp>
+      <p:sp>
+        <p:nvSpPr>
+          <p:cNvPr id="3" name="内容占位符 2">
+            <a:extLst>
+              <a:ext uri="{FF2B5EF4-FFF2-40B4-BE49-F238E27FC236}">
+                <a16:creationId xmlns:a16="http://schemas.microsoft.com/office/drawing/2014/main" id="{D9825F42-F791-7A40-FA6B-8BBFAD69F0D8}"/>
+              </a:ext>
+            </a:extLst>
+          </p:cNvPr>
+          <p:cNvSpPr>
+            <a:spLocks noGrp="1"/>
+          </p:cNvSpPr>
+          <p:nvPr>
+            <p:ph idx="1"/>
+          </p:nvPr>
+        </p:nvSpPr>
+        <p:spPr/>
+        <p:txBody>
+          <a:bodyPr/>
+          <a:lstStyle/>
+          <a:p>
+            <a:r>
+              <a:rPr lang="en-US" altLang="zh-CN" dirty="0"/>
+              <a:t>1.</a:t>
+            </a:r>
+            <a:r>
+              <a:rPr lang="zh-CN" altLang="en-US" dirty="0"/>
+              <a:t>篇末点题。</a:t>
+            </a:r>
+          </a:p>
+          <a:p>
+            <a:r>
+              <a:rPr lang="en-US" altLang="zh-CN" dirty="0"/>
+              <a:t>2.</a:t>
+            </a:r>
+            <a:r>
+              <a:rPr lang="zh-CN" altLang="en-US" dirty="0"/>
+              <a:t>总结全文，深化中心。</a:t>
+            </a:r>
+          </a:p>
+          <a:p>
+            <a:r>
+              <a:rPr lang="en-US" altLang="zh-CN" dirty="0"/>
+              <a:t>3.</a:t>
+            </a:r>
+            <a:r>
+              <a:rPr lang="zh-CN" altLang="en-US" dirty="0"/>
+              <a:t>首尾呼应，照应开头或照应题目。</a:t>
+            </a:r>
+          </a:p>
+          <a:p>
+            <a:r>
+              <a:rPr lang="en-US" altLang="zh-CN" dirty="0"/>
+              <a:t>4.</a:t>
+            </a:r>
+            <a:r>
+              <a:rPr lang="zh-CN" altLang="en-US" dirty="0"/>
+              <a:t>点明中心，升华中心。</a:t>
+            </a:r>
+          </a:p>
+          <a:p>
+            <a:r>
+              <a:rPr lang="en-US" altLang="zh-CN" dirty="0"/>
+              <a:t>5.</a:t>
+            </a:r>
+            <a:r>
+              <a:rPr lang="zh-CN" altLang="en-US" dirty="0"/>
+              <a:t>令人深思，给人警醒（启示）或留有思考余地。</a:t>
+            </a:r>
+          </a:p>
+          <a:p>
+            <a:r>
+              <a:rPr lang="en-US" altLang="zh-CN" dirty="0"/>
+              <a:t>【</a:t>
+            </a:r>
+            <a:r>
+              <a:rPr lang="zh-CN" altLang="en-US" dirty="0"/>
+              <a:t>答题公式</a:t>
+            </a:r>
+            <a:r>
+              <a:rPr lang="en-US" altLang="zh-CN" dirty="0"/>
+              <a:t>】</a:t>
+            </a:r>
+            <a:r>
+              <a:rPr lang="zh-CN" altLang="en-US" dirty="0"/>
+              <a:t>内容上（含义和思想感情），起到</a:t>
+            </a:r>
+            <a:r>
+              <a:rPr lang="en-US" altLang="zh-CN" dirty="0"/>
+              <a:t>XX</a:t>
+            </a:r>
+            <a:r>
+              <a:rPr lang="zh-CN" altLang="en-US" dirty="0"/>
+              <a:t>作用</a:t>
+            </a:r>
+            <a:r>
+              <a:rPr lang="en-US" altLang="zh-CN" dirty="0"/>
+              <a:t>+</a:t>
+            </a:r>
+            <a:r>
+              <a:rPr lang="zh-CN" altLang="en-US" dirty="0"/>
+              <a:t>结构上，起到</a:t>
+            </a:r>
+            <a:r>
+              <a:rPr lang="en-US" altLang="zh-CN" dirty="0"/>
+              <a:t>XX</a:t>
+            </a:r>
+            <a:r>
+              <a:rPr lang="zh-CN" altLang="en-US" dirty="0"/>
+              <a:t>（呼应、过渡、伏笔、铺垫、总领、总结等）作用。</a:t>
+            </a:r>
+          </a:p>
+          <a:p>
+            <a:endParaRPr lang="zh-CN" altLang="en-US" dirty="0"/>
+          </a:p>
+        </p:txBody>
+      </p:sp>
+    </p:spTree>
+    <p:extLst>
+      <p:ext uri="{BB962C8B-B14F-4D97-AF65-F5344CB8AC3E}">
+        <p14:creationId xmlns:p14="http://schemas.microsoft.com/office/powerpoint/2010/main" val="3347629933"/>
+      </p:ext>
+    </p:extLst>
+  </p:cSld>
+  <p:clrMapOvr>
+    <a:masterClrMapping/>
+  </p:clrMapOvr>
+</p:sld>
+</file>
+
 <file path=ppt/slides/slide4.xml><?xml version="1.0" encoding="utf-8"?>
 <p:sld xmlns:a="http://schemas.openxmlformats.org/drawingml/2006/main" xmlns:r="http://schemas.openxmlformats.org/officeDocument/2006/relationships" xmlns:p="http://schemas.openxmlformats.org/presentationml/2006/main">
   <p:cSld>
@@ -3916,6 +8360,715 @@
     <p:extLst>
       <p:ext uri="{BB962C8B-B14F-4D97-AF65-F5344CB8AC3E}">
         <p14:creationId xmlns:p14="http://schemas.microsoft.com/office/powerpoint/2010/main" val="3650515542"/>
+      </p:ext>
+    </p:extLst>
+  </p:cSld>
+  <p:clrMapOvr>
+    <a:masterClrMapping/>
+  </p:clrMapOvr>
+</p:sld>
+</file>
+
+<file path=ppt/slides/slide40.xml><?xml version="1.0" encoding="utf-8"?>
+<p:sld xmlns:a="http://schemas.openxmlformats.org/drawingml/2006/main" xmlns:r="http://schemas.openxmlformats.org/officeDocument/2006/relationships" xmlns:p="http://schemas.openxmlformats.org/presentationml/2006/main">
+  <p:cSld>
+    <p:spTree>
+      <p:nvGrpSpPr>
+        <p:cNvPr id="1" name=""/>
+        <p:cNvGrpSpPr/>
+        <p:nvPr/>
+      </p:nvGrpSpPr>
+      <p:grpSpPr>
+        <a:xfrm>
+          <a:off x="0" y="0"/>
+          <a:ext cx="0" cy="0"/>
+          <a:chOff x="0" y="0"/>
+          <a:chExt cx="0" cy="0"/>
+        </a:xfrm>
+      </p:grpSpPr>
+      <p:sp>
+        <p:nvSpPr>
+          <p:cNvPr id="2" name="标题 1">
+            <a:extLst>
+              <a:ext uri="{FF2B5EF4-FFF2-40B4-BE49-F238E27FC236}">
+                <a16:creationId xmlns:a16="http://schemas.microsoft.com/office/drawing/2014/main" id="{702B5110-73C9-0CE9-C637-69A4EBC76B33}"/>
+              </a:ext>
+            </a:extLst>
+          </p:cNvPr>
+          <p:cNvSpPr>
+            <a:spLocks noGrp="1"/>
+          </p:cNvSpPr>
+          <p:nvPr>
+            <p:ph type="title"/>
+          </p:nvPr>
+        </p:nvSpPr>
+        <p:spPr/>
+        <p:txBody>
+          <a:bodyPr/>
+          <a:lstStyle/>
+          <a:p>
+            <a:r>
+              <a:rPr lang="zh-CN" altLang="en-US" dirty="0"/>
+              <a:t>十三、写作手法的运用</a:t>
+            </a:r>
+          </a:p>
+        </p:txBody>
+      </p:sp>
+      <p:sp>
+        <p:nvSpPr>
+          <p:cNvPr id="3" name="内容占位符 2">
+            <a:extLst>
+              <a:ext uri="{FF2B5EF4-FFF2-40B4-BE49-F238E27FC236}">
+                <a16:creationId xmlns:a16="http://schemas.microsoft.com/office/drawing/2014/main" id="{D9825F42-F791-7A40-FA6B-8BBFAD69F0D8}"/>
+              </a:ext>
+            </a:extLst>
+          </p:cNvPr>
+          <p:cNvSpPr>
+            <a:spLocks noGrp="1"/>
+          </p:cNvSpPr>
+          <p:nvPr>
+            <p:ph idx="1"/>
+          </p:nvPr>
+        </p:nvSpPr>
+        <p:spPr/>
+        <p:txBody>
+          <a:bodyPr/>
+          <a:lstStyle/>
+          <a:p>
+            <a:r>
+              <a:rPr lang="en-US" altLang="zh-CN" dirty="0"/>
+              <a:t>1.</a:t>
+            </a:r>
+            <a:r>
+              <a:rPr lang="zh-CN" altLang="en-US" dirty="0"/>
+              <a:t>设置悬念：使文章有张有弛，吸引读者的阅读兴趣。</a:t>
+            </a:r>
+          </a:p>
+          <a:p>
+            <a:r>
+              <a:rPr lang="en-US" altLang="zh-CN" dirty="0"/>
+              <a:t>2.</a:t>
+            </a:r>
+            <a:r>
+              <a:rPr lang="zh-CN" altLang="en-US" dirty="0"/>
+              <a:t>欲扬先抑：</a:t>
+            </a:r>
+          </a:p>
+          <a:p>
+            <a:r>
+              <a:rPr lang="en-US" altLang="zh-CN" dirty="0"/>
+              <a:t>【</a:t>
+            </a:r>
+            <a:r>
+              <a:rPr lang="zh-CN" altLang="en-US" dirty="0"/>
+              <a:t>答题公式</a:t>
+            </a:r>
+            <a:r>
+              <a:rPr lang="en-US" altLang="zh-CN" dirty="0"/>
+              <a:t>】</a:t>
+            </a:r>
+            <a:r>
+              <a:rPr lang="zh-CN" altLang="en-US" dirty="0"/>
+              <a:t>作者先写人物（事物）的</a:t>
+            </a:r>
+            <a:r>
+              <a:rPr lang="en-US" altLang="zh-CN" dirty="0"/>
+              <a:t>······</a:t>
+            </a:r>
+            <a:r>
+              <a:rPr lang="zh-CN" altLang="en-US" dirty="0"/>
+              <a:t>（不足之处）</a:t>
+            </a:r>
+            <a:r>
+              <a:rPr lang="en-US" altLang="zh-CN" dirty="0"/>
+              <a:t>+</a:t>
+            </a:r>
+            <a:r>
+              <a:rPr lang="zh-CN" altLang="en-US" dirty="0"/>
+              <a:t>然后赞扬其</a:t>
+            </a:r>
+            <a:r>
+              <a:rPr lang="en-US" altLang="zh-CN" dirty="0"/>
+              <a:t>······</a:t>
+            </a:r>
+            <a:r>
+              <a:rPr lang="zh-CN" altLang="en-US" dirty="0"/>
+              <a:t>（美好之处）</a:t>
+            </a:r>
+            <a:r>
+              <a:rPr lang="en-US" altLang="zh-CN" dirty="0"/>
+              <a:t>+</a:t>
+            </a:r>
+            <a:r>
+              <a:rPr lang="zh-CN" altLang="en-US" dirty="0"/>
+              <a:t>更加突出人物（事物）的</a:t>
+            </a:r>
+            <a:r>
+              <a:rPr lang="en-US" altLang="zh-CN" dirty="0"/>
+              <a:t>······</a:t>
+            </a:r>
+            <a:r>
+              <a:rPr lang="zh-CN" altLang="en-US" dirty="0"/>
+              <a:t>特征或品质。</a:t>
+            </a:r>
+          </a:p>
+          <a:p>
+            <a:r>
+              <a:rPr lang="en-US" altLang="zh-CN" dirty="0"/>
+              <a:t>3.</a:t>
+            </a:r>
+            <a:r>
+              <a:rPr lang="zh-CN" altLang="en-US" dirty="0"/>
+              <a:t>对比：</a:t>
+            </a:r>
+          </a:p>
+          <a:p>
+            <a:r>
+              <a:rPr lang="en-US" altLang="zh-CN" dirty="0"/>
+              <a:t>【</a:t>
+            </a:r>
+            <a:r>
+              <a:rPr lang="zh-CN" altLang="en-US" dirty="0"/>
+              <a:t>答题公式</a:t>
+            </a:r>
+            <a:r>
+              <a:rPr lang="en-US" altLang="zh-CN" dirty="0"/>
+              <a:t>】</a:t>
+            </a:r>
+            <a:r>
+              <a:rPr lang="zh-CN" altLang="en-US" dirty="0"/>
+              <a:t>把</a:t>
+            </a:r>
+            <a:r>
+              <a:rPr lang="en-US" altLang="zh-CN" dirty="0"/>
+              <a:t>······</a:t>
+            </a:r>
+            <a:r>
+              <a:rPr lang="zh-CN" altLang="en-US" dirty="0"/>
+              <a:t>和</a:t>
+            </a:r>
+            <a:r>
+              <a:rPr lang="en-US" altLang="zh-CN" dirty="0"/>
+              <a:t>······</a:t>
+            </a:r>
+            <a:r>
+              <a:rPr lang="zh-CN" altLang="en-US" dirty="0"/>
+              <a:t>进行对比</a:t>
+            </a:r>
+            <a:r>
+              <a:rPr lang="en-US" altLang="zh-CN" dirty="0"/>
+              <a:t>+</a:t>
+            </a:r>
+            <a:r>
+              <a:rPr lang="zh-CN" altLang="en-US" dirty="0"/>
+              <a:t>突出了</a:t>
+            </a:r>
+            <a:r>
+              <a:rPr lang="en-US" altLang="zh-CN" dirty="0"/>
+              <a:t>······</a:t>
+            </a:r>
+            <a:r>
+              <a:rPr lang="zh-CN" altLang="en-US" dirty="0"/>
+              <a:t>特性（性格）</a:t>
+            </a:r>
+            <a:r>
+              <a:rPr lang="en-US" altLang="zh-CN" dirty="0"/>
+              <a:t>+</a:t>
+            </a:r>
+            <a:r>
+              <a:rPr lang="zh-CN" altLang="en-US" dirty="0"/>
+              <a:t>从而突出了文章的</a:t>
+            </a:r>
+            <a:r>
+              <a:rPr lang="en-US" altLang="zh-CN" dirty="0"/>
+              <a:t>······</a:t>
+            </a:r>
+            <a:r>
+              <a:rPr lang="zh-CN" altLang="en-US" dirty="0"/>
+              <a:t>的主旨。</a:t>
+            </a:r>
+          </a:p>
+          <a:p>
+            <a:r>
+              <a:rPr lang="en-US" altLang="zh-CN" dirty="0"/>
+              <a:t>4.</a:t>
+            </a:r>
+            <a:r>
+              <a:rPr lang="zh-CN" altLang="en-US" dirty="0"/>
+              <a:t>借景抒情：</a:t>
+            </a:r>
+          </a:p>
+          <a:p>
+            <a:r>
+              <a:rPr lang="en-US" altLang="zh-CN" dirty="0"/>
+              <a:t>【</a:t>
+            </a:r>
+            <a:r>
+              <a:rPr lang="zh-CN" altLang="en-US" dirty="0"/>
+              <a:t>答题公式</a:t>
+            </a:r>
+            <a:r>
+              <a:rPr lang="en-US" altLang="zh-CN" dirty="0"/>
+              <a:t>】</a:t>
+            </a:r>
+            <a:r>
+              <a:rPr lang="zh-CN" altLang="en-US" dirty="0"/>
+              <a:t>作者通过对</a:t>
+            </a:r>
+            <a:r>
+              <a:rPr lang="en-US" altLang="zh-CN" dirty="0"/>
+              <a:t>······</a:t>
+            </a:r>
+            <a:r>
+              <a:rPr lang="zh-CN" altLang="en-US" dirty="0"/>
+              <a:t>景物的描写</a:t>
+            </a:r>
+            <a:r>
+              <a:rPr lang="en-US" altLang="zh-CN" dirty="0"/>
+              <a:t>+</a:t>
+            </a:r>
+            <a:r>
+              <a:rPr lang="zh-CN" altLang="en-US" dirty="0"/>
+              <a:t>抒发了</a:t>
+            </a:r>
+            <a:r>
+              <a:rPr lang="en-US" altLang="zh-CN" dirty="0"/>
+              <a:t>······</a:t>
+            </a:r>
+            <a:r>
+              <a:rPr lang="zh-CN" altLang="en-US" dirty="0"/>
+              <a:t>的感情。</a:t>
+            </a:r>
+          </a:p>
+          <a:p>
+            <a:endParaRPr lang="zh-CN" altLang="en-US" dirty="0"/>
+          </a:p>
+        </p:txBody>
+      </p:sp>
+    </p:spTree>
+    <p:extLst>
+      <p:ext uri="{BB962C8B-B14F-4D97-AF65-F5344CB8AC3E}">
+        <p14:creationId xmlns:p14="http://schemas.microsoft.com/office/powerpoint/2010/main" val="4120666149"/>
+      </p:ext>
+    </p:extLst>
+  </p:cSld>
+  <p:clrMapOvr>
+    <a:masterClrMapping/>
+  </p:clrMapOvr>
+</p:sld>
+</file>
+
+<file path=ppt/slides/slide41.xml><?xml version="1.0" encoding="utf-8"?>
+<p:sld xmlns:a="http://schemas.openxmlformats.org/drawingml/2006/main" xmlns:r="http://schemas.openxmlformats.org/officeDocument/2006/relationships" xmlns:p="http://schemas.openxmlformats.org/presentationml/2006/main">
+  <p:cSld>
+    <p:spTree>
+      <p:nvGrpSpPr>
+        <p:cNvPr id="1" name=""/>
+        <p:cNvGrpSpPr/>
+        <p:nvPr/>
+      </p:nvGrpSpPr>
+      <p:grpSpPr>
+        <a:xfrm>
+          <a:off x="0" y="0"/>
+          <a:ext cx="0" cy="0"/>
+          <a:chOff x="0" y="0"/>
+          <a:chExt cx="0" cy="0"/>
+        </a:xfrm>
+      </p:grpSpPr>
+      <p:sp>
+        <p:nvSpPr>
+          <p:cNvPr id="3" name="内容占位符 2">
+            <a:extLst>
+              <a:ext uri="{FF2B5EF4-FFF2-40B4-BE49-F238E27FC236}">
+                <a16:creationId xmlns:a16="http://schemas.microsoft.com/office/drawing/2014/main" id="{D9825F42-F791-7A40-FA6B-8BBFAD69F0D8}"/>
+              </a:ext>
+            </a:extLst>
+          </p:cNvPr>
+          <p:cNvSpPr>
+            <a:spLocks noGrp="1"/>
+          </p:cNvSpPr>
+          <p:nvPr>
+            <p:ph idx="1"/>
+          </p:nvPr>
+        </p:nvSpPr>
+        <p:spPr>
+          <a:xfrm>
+            <a:off x="545432" y="272716"/>
+            <a:ext cx="10808368" cy="5856120"/>
+          </a:xfrm>
+        </p:spPr>
+        <p:txBody>
+          <a:bodyPr>
+            <a:normAutofit/>
+          </a:bodyPr>
+          <a:lstStyle/>
+          <a:p>
+            <a:r>
+              <a:rPr lang="en-US" altLang="zh-CN" dirty="0"/>
+              <a:t>5.</a:t>
+            </a:r>
+            <a:r>
+              <a:rPr lang="zh-CN" altLang="en-US" dirty="0"/>
+              <a:t>托物言志：</a:t>
+            </a:r>
+          </a:p>
+          <a:p>
+            <a:r>
+              <a:rPr lang="en-US" altLang="zh-CN" dirty="0"/>
+              <a:t>【</a:t>
+            </a:r>
+            <a:r>
+              <a:rPr lang="zh-CN" altLang="en-US" dirty="0"/>
+              <a:t>答题公式</a:t>
+            </a:r>
+            <a:r>
+              <a:rPr lang="en-US" altLang="zh-CN" dirty="0"/>
+              <a:t>】</a:t>
+            </a:r>
+            <a:r>
+              <a:rPr lang="zh-CN" altLang="en-US" dirty="0"/>
+              <a:t>作者通过描写</a:t>
+            </a:r>
+            <a:r>
+              <a:rPr lang="en-US" altLang="zh-CN" dirty="0"/>
+              <a:t>······</a:t>
+            </a:r>
+            <a:r>
+              <a:rPr lang="zh-CN" altLang="en-US" dirty="0"/>
+              <a:t>事物</a:t>
+            </a:r>
+            <a:r>
+              <a:rPr lang="en-US" altLang="zh-CN" dirty="0"/>
+              <a:t>+</a:t>
+            </a:r>
+            <a:r>
+              <a:rPr lang="zh-CN" altLang="en-US" dirty="0"/>
+              <a:t>抒发作者</a:t>
+            </a:r>
+            <a:r>
+              <a:rPr lang="en-US" altLang="zh-CN" dirty="0"/>
+              <a:t>······</a:t>
+            </a:r>
+            <a:r>
+              <a:rPr lang="zh-CN" altLang="en-US" dirty="0"/>
+              <a:t>的感情（抱负，志趣、情操）</a:t>
+            </a:r>
+          </a:p>
+          <a:p>
+            <a:r>
+              <a:rPr lang="en-US" altLang="zh-CN" dirty="0"/>
+              <a:t>6.</a:t>
+            </a:r>
+            <a:r>
+              <a:rPr lang="zh-CN" altLang="en-US" dirty="0"/>
+              <a:t>借物喻人：</a:t>
+            </a:r>
+          </a:p>
+          <a:p>
+            <a:r>
+              <a:rPr lang="en-US" altLang="zh-CN" dirty="0"/>
+              <a:t>【</a:t>
+            </a:r>
+            <a:r>
+              <a:rPr lang="zh-CN" altLang="en-US" dirty="0"/>
+              <a:t>答题公式</a:t>
+            </a:r>
+            <a:r>
+              <a:rPr lang="en-US" altLang="zh-CN" dirty="0"/>
+              <a:t>】</a:t>
+            </a:r>
+            <a:r>
+              <a:rPr lang="zh-CN" altLang="en-US" dirty="0"/>
+              <a:t>作者通过描写</a:t>
+            </a:r>
+            <a:r>
+              <a:rPr lang="en-US" altLang="zh-CN" dirty="0"/>
+              <a:t>······</a:t>
+            </a:r>
+            <a:r>
+              <a:rPr lang="zh-CN" altLang="en-US" dirty="0"/>
+              <a:t>事物</a:t>
+            </a:r>
+            <a:r>
+              <a:rPr lang="en-US" altLang="zh-CN" dirty="0"/>
+              <a:t>+</a:t>
+            </a:r>
+            <a:r>
+              <a:rPr lang="zh-CN" altLang="en-US" dirty="0"/>
+              <a:t>突出事物的</a:t>
+            </a:r>
+            <a:r>
+              <a:rPr lang="en-US" altLang="zh-CN" dirty="0"/>
+              <a:t>······</a:t>
+            </a:r>
+            <a:r>
+              <a:rPr lang="zh-CN" altLang="en-US" dirty="0"/>
+              <a:t>特点</a:t>
+            </a:r>
+            <a:r>
+              <a:rPr lang="en-US" altLang="zh-CN" dirty="0"/>
+              <a:t>+</a:t>
+            </a:r>
+            <a:r>
+              <a:rPr lang="zh-CN" altLang="en-US" dirty="0"/>
+              <a:t>以此比喻</a:t>
+            </a:r>
+            <a:r>
+              <a:rPr lang="en-US" altLang="zh-CN" dirty="0"/>
+              <a:t>······</a:t>
+            </a:r>
+            <a:r>
+              <a:rPr lang="zh-CN" altLang="en-US" dirty="0"/>
+              <a:t>（某人）</a:t>
+            </a:r>
+            <a:r>
+              <a:rPr lang="en-US" altLang="zh-CN" dirty="0"/>
+              <a:t>+</a:t>
+            </a:r>
+            <a:r>
+              <a:rPr lang="zh-CN" altLang="en-US" dirty="0"/>
+              <a:t>表现了</a:t>
+            </a:r>
+            <a:r>
+              <a:rPr lang="en-US" altLang="zh-CN" dirty="0"/>
+              <a:t>······</a:t>
+            </a:r>
+            <a:r>
+              <a:rPr lang="zh-CN" altLang="en-US" dirty="0"/>
+              <a:t>（某人）的高尚情操。</a:t>
+            </a:r>
+          </a:p>
+          <a:p>
+            <a:r>
+              <a:rPr lang="en-US" altLang="zh-CN" dirty="0"/>
+              <a:t>7.</a:t>
+            </a:r>
+            <a:r>
+              <a:rPr lang="zh-CN" altLang="en-US" dirty="0"/>
+              <a:t>伏笔：是前段文章为后段文章埋伏线索，也可以理解为上文对下文的暗示。好处：交代含蓄，使文章结构严密、紧凑，读者读到下面文章时，不至于产生突兀怀疑之感。作铺垫是对即将来临的事物的衬托。</a:t>
+            </a:r>
+          </a:p>
+          <a:p>
+            <a:r>
+              <a:rPr lang="en-US" altLang="zh-CN" dirty="0"/>
+              <a:t>8.</a:t>
+            </a:r>
+            <a:r>
+              <a:rPr lang="zh-CN" altLang="en-US" dirty="0"/>
+              <a:t>烘托渲染：浓墨重彩，营造气氛，情景相生，深化主题。</a:t>
+            </a:r>
+          </a:p>
+          <a:p>
+            <a:endParaRPr lang="zh-CN" altLang="en-US" dirty="0"/>
+          </a:p>
+        </p:txBody>
+      </p:sp>
+    </p:spTree>
+    <p:extLst>
+      <p:ext uri="{BB962C8B-B14F-4D97-AF65-F5344CB8AC3E}">
+        <p14:creationId xmlns:p14="http://schemas.microsoft.com/office/powerpoint/2010/main" val="3149666430"/>
+      </p:ext>
+    </p:extLst>
+  </p:cSld>
+  <p:clrMapOvr>
+    <a:masterClrMapping/>
+  </p:clrMapOvr>
+</p:sld>
+</file>
+
+<file path=ppt/slides/slide42.xml><?xml version="1.0" encoding="utf-8"?>
+<p:sld xmlns:a="http://schemas.openxmlformats.org/drawingml/2006/main" xmlns:r="http://schemas.openxmlformats.org/officeDocument/2006/relationships" xmlns:p="http://schemas.openxmlformats.org/presentationml/2006/main">
+  <p:cSld>
+    <p:spTree>
+      <p:nvGrpSpPr>
+        <p:cNvPr id="1" name=""/>
+        <p:cNvGrpSpPr/>
+        <p:nvPr/>
+      </p:nvGrpSpPr>
+      <p:grpSpPr>
+        <a:xfrm>
+          <a:off x="0" y="0"/>
+          <a:ext cx="0" cy="0"/>
+          <a:chOff x="0" y="0"/>
+          <a:chExt cx="0" cy="0"/>
+        </a:xfrm>
+      </p:grpSpPr>
+      <p:sp>
+        <p:nvSpPr>
+          <p:cNvPr id="2" name="标题 1">
+            <a:extLst>
+              <a:ext uri="{FF2B5EF4-FFF2-40B4-BE49-F238E27FC236}">
+                <a16:creationId xmlns:a16="http://schemas.microsoft.com/office/drawing/2014/main" id="{702B5110-73C9-0CE9-C637-69A4EBC76B33}"/>
+              </a:ext>
+            </a:extLst>
+          </p:cNvPr>
+          <p:cNvSpPr>
+            <a:spLocks noGrp="1"/>
+          </p:cNvSpPr>
+          <p:nvPr>
+            <p:ph type="title"/>
+          </p:nvPr>
+        </p:nvSpPr>
+        <p:spPr/>
+        <p:txBody>
+          <a:bodyPr/>
+          <a:lstStyle/>
+          <a:p>
+            <a:r>
+              <a:rPr lang="zh-CN" altLang="en-US" dirty="0"/>
+              <a:t>十四、阅读中的启示</a:t>
+            </a:r>
+          </a:p>
+        </p:txBody>
+      </p:sp>
+      <p:sp>
+        <p:nvSpPr>
+          <p:cNvPr id="3" name="内容占位符 2">
+            <a:extLst>
+              <a:ext uri="{FF2B5EF4-FFF2-40B4-BE49-F238E27FC236}">
+                <a16:creationId xmlns:a16="http://schemas.microsoft.com/office/drawing/2014/main" id="{D9825F42-F791-7A40-FA6B-8BBFAD69F0D8}"/>
+              </a:ext>
+            </a:extLst>
+          </p:cNvPr>
+          <p:cNvSpPr>
+            <a:spLocks noGrp="1"/>
+          </p:cNvSpPr>
+          <p:nvPr>
+            <p:ph idx="1"/>
+          </p:nvPr>
+        </p:nvSpPr>
+        <p:spPr/>
+        <p:txBody>
+          <a:bodyPr/>
+          <a:lstStyle/>
+          <a:p>
+            <a:r>
+              <a:rPr lang="en-US" altLang="zh-CN" dirty="0"/>
+              <a:t>【</a:t>
+            </a:r>
+            <a:r>
+              <a:rPr lang="zh-CN" altLang="en-US" dirty="0"/>
+              <a:t>答题公式</a:t>
+            </a:r>
+            <a:r>
+              <a:rPr lang="en-US" altLang="zh-CN" dirty="0"/>
+              <a:t>】</a:t>
+            </a:r>
+            <a:r>
+              <a:rPr lang="zh-CN" altLang="en-US" dirty="0"/>
+              <a:t>通过文章我明白了</a:t>
+            </a:r>
+            <a:r>
+              <a:rPr lang="en-US" altLang="zh-CN" dirty="0"/>
+              <a:t>······+</a:t>
+            </a:r>
+            <a:r>
+              <a:rPr lang="zh-CN" altLang="en-US" dirty="0"/>
+              <a:t>理由（联系文章内容）</a:t>
+            </a:r>
+            <a:r>
+              <a:rPr lang="en-US" altLang="zh-CN" dirty="0"/>
+              <a:t>+</a:t>
+            </a:r>
+            <a:r>
+              <a:rPr lang="zh-CN" altLang="en-US" dirty="0"/>
+              <a:t>联系生活实际（看题目中是否有此要求）</a:t>
+            </a:r>
+            <a:r>
+              <a:rPr lang="en-US" altLang="zh-CN" dirty="0"/>
+              <a:t>+</a:t>
+            </a:r>
+            <a:r>
+              <a:rPr lang="zh-CN" altLang="en-US" dirty="0"/>
+              <a:t>总结（以后该怎么做）。</a:t>
+            </a:r>
+          </a:p>
+        </p:txBody>
+      </p:sp>
+    </p:spTree>
+    <p:extLst>
+      <p:ext uri="{BB962C8B-B14F-4D97-AF65-F5344CB8AC3E}">
+        <p14:creationId xmlns:p14="http://schemas.microsoft.com/office/powerpoint/2010/main" val="3054439686"/>
+      </p:ext>
+    </p:extLst>
+  </p:cSld>
+  <p:clrMapOvr>
+    <a:masterClrMapping/>
+  </p:clrMapOvr>
+</p:sld>
+</file>
+
+<file path=ppt/slides/slide43.xml><?xml version="1.0" encoding="utf-8"?>
+<p:sld xmlns:a="http://schemas.openxmlformats.org/drawingml/2006/main" xmlns:r="http://schemas.openxmlformats.org/officeDocument/2006/relationships" xmlns:p="http://schemas.openxmlformats.org/presentationml/2006/main">
+  <p:cSld>
+    <p:spTree>
+      <p:nvGrpSpPr>
+        <p:cNvPr id="1" name=""/>
+        <p:cNvGrpSpPr/>
+        <p:nvPr/>
+      </p:nvGrpSpPr>
+      <p:grpSpPr>
+        <a:xfrm>
+          <a:off x="0" y="0"/>
+          <a:ext cx="0" cy="0"/>
+          <a:chOff x="0" y="0"/>
+          <a:chExt cx="0" cy="0"/>
+        </a:xfrm>
+      </p:grpSpPr>
+      <p:sp>
+        <p:nvSpPr>
+          <p:cNvPr id="2" name="标题 1">
+            <a:extLst>
+              <a:ext uri="{FF2B5EF4-FFF2-40B4-BE49-F238E27FC236}">
+                <a16:creationId xmlns:a16="http://schemas.microsoft.com/office/drawing/2014/main" id="{702B5110-73C9-0CE9-C637-69A4EBC76B33}"/>
+              </a:ext>
+            </a:extLst>
+          </p:cNvPr>
+          <p:cNvSpPr>
+            <a:spLocks noGrp="1"/>
+          </p:cNvSpPr>
+          <p:nvPr>
+            <p:ph type="title"/>
+          </p:nvPr>
+        </p:nvSpPr>
+        <p:spPr/>
+        <p:txBody>
+          <a:bodyPr/>
+          <a:lstStyle/>
+          <a:p>
+            <a:endParaRPr lang="zh-CN" altLang="en-US" dirty="0"/>
+          </a:p>
+        </p:txBody>
+      </p:sp>
+      <p:sp>
+        <p:nvSpPr>
+          <p:cNvPr id="3" name="内容占位符 2">
+            <a:extLst>
+              <a:ext uri="{FF2B5EF4-FFF2-40B4-BE49-F238E27FC236}">
+                <a16:creationId xmlns:a16="http://schemas.microsoft.com/office/drawing/2014/main" id="{D9825F42-F791-7A40-FA6B-8BBFAD69F0D8}"/>
+              </a:ext>
+            </a:extLst>
+          </p:cNvPr>
+          <p:cNvSpPr>
+            <a:spLocks noGrp="1"/>
+          </p:cNvSpPr>
+          <p:nvPr>
+            <p:ph idx="1"/>
+          </p:nvPr>
+        </p:nvSpPr>
+        <p:spPr/>
+        <p:txBody>
+          <a:bodyPr/>
+          <a:lstStyle/>
+          <a:p>
+            <a:endParaRPr lang="zh-CN" altLang="en-US" dirty="0"/>
+          </a:p>
+        </p:txBody>
+      </p:sp>
+    </p:spTree>
+    <p:extLst>
+      <p:ext uri="{BB962C8B-B14F-4D97-AF65-F5344CB8AC3E}">
+        <p14:creationId xmlns:p14="http://schemas.microsoft.com/office/powerpoint/2010/main" val="4164194327"/>
       </p:ext>
     </p:extLst>
   </p:cSld>
